--- a/Presentation_METS_ZUFL.pptx
+++ b/Presentation_METS_ZUFL.pptx
@@ -116,6 +116,11 @@
       </a:defRPr>
     </a:lvl9pPr>
   </p:defaultTextStyle>
+  <p:extLst>
+    <p:ext uri="{EFAFB233-063F-42B5-8137-9DF3F51BA10A}">
+      <p15:sldGuideLst xmlns:p15="http://schemas.microsoft.com/office/powerpoint/2012/main"/>
+    </p:ext>
+  </p:extLst>
 </p:presentation>
 </file>
 
@@ -360,7 +365,7 @@
           <a:p>
             <a:fld id="{71458C09-3723-441D-BAFD-73EAAEEFBB29}" type="slidenum">
               <a:rPr lang="fr-CH" smtClean="0"/>
-              <a:t>‹N°›</a:t>
+              <a:t>‹#›</a:t>
             </a:fld>
             <a:endParaRPr lang="fr-CH"/>
           </a:p>
@@ -690,72 +695,135 @@
           <a:p>
             <a:r>
               <a:rPr lang="fr-CH" dirty="0"/>
-              <a:t>SEB: La protection anti-inversion se fait grâce à un </a:t>
-            </a:r>
-            <a:r>
-              <a:rPr lang="fr-CH" dirty="0" err="1"/>
-              <a:t>mosfet</a:t>
-            </a:r>
-            <a:r>
-              <a:rPr lang="fr-CH" dirty="0"/>
-              <a:t> N, ainsi, si on branche les piles à l’envers, le circuit ne sera pas alimenter en -3V pour empêcher d’endommager notre circuit. Un autre montage à l’aide d’un </a:t>
-            </a:r>
-            <a:r>
-              <a:rPr lang="fr-CH" dirty="0" err="1"/>
-              <a:t>mosfet</a:t>
-            </a:r>
-            <a:r>
-              <a:rPr lang="fr-CH" dirty="0"/>
-              <a:t> nous permet de gérer l’alimentation des </a:t>
-            </a:r>
-            <a:r>
-              <a:rPr lang="fr-CH" dirty="0" err="1"/>
+              <a:t>SEB: </a:t>
+            </a:r>
+            <a:endParaRPr lang="fr-CH" dirty="0" smtClean="0"/>
+          </a:p>
+          <a:p>
+            <a:pPr marL="171450" indent="-171450">
+              <a:buFontTx/>
+              <a:buChar char="-"/>
+            </a:pPr>
+            <a:r>
+              <a:rPr lang="fr-CH" baseline="0" dirty="0" smtClean="0"/>
+              <a:t>2 pile AAA </a:t>
+            </a:r>
+            <a:r>
+              <a:rPr lang="fr-CH" baseline="0" dirty="0" smtClean="0">
+                <a:sym typeface="Wingdings" panose="05000000000000000000" pitchFamily="2" charset="2"/>
+              </a:rPr>
+              <a:t> +3V</a:t>
+            </a:r>
+          </a:p>
+          <a:p>
+            <a:pPr marL="171450" indent="-171450">
+              <a:buFontTx/>
+              <a:buChar char="-"/>
+            </a:pPr>
+            <a:endParaRPr lang="fr-CH" baseline="0" dirty="0" smtClean="0">
+              <a:sym typeface="Wingdings" panose="05000000000000000000" pitchFamily="2" charset="2"/>
+            </a:endParaRPr>
+          </a:p>
+          <a:p>
+            <a:pPr marL="171450" indent="-171450">
+              <a:buFontTx/>
+              <a:buChar char="-"/>
+            </a:pPr>
+            <a:r>
+              <a:rPr lang="fr-CH" baseline="0" dirty="0" err="1" smtClean="0">
+                <a:sym typeface="Wingdings" panose="05000000000000000000" pitchFamily="2" charset="2"/>
+              </a:rPr>
+              <a:t>MosfetN</a:t>
+            </a:r>
+            <a:r>
+              <a:rPr lang="fr-CH" baseline="0" dirty="0" smtClean="0">
+                <a:sym typeface="Wingdings" panose="05000000000000000000" pitchFamily="2" charset="2"/>
+              </a:rPr>
+              <a:t> SI2308  protection inv. Polarité</a:t>
+            </a:r>
+          </a:p>
+          <a:p>
+            <a:pPr marL="171450" indent="-171450">
+              <a:buFontTx/>
+              <a:buChar char="-"/>
+            </a:pPr>
+            <a:endParaRPr lang="fr-CH" baseline="0" dirty="0" smtClean="0">
+              <a:sym typeface="Wingdings" panose="05000000000000000000" pitchFamily="2" charset="2"/>
+            </a:endParaRPr>
+          </a:p>
+          <a:p>
+            <a:pPr marL="171450" indent="-171450">
+              <a:buFontTx/>
+              <a:buChar char="-"/>
+            </a:pPr>
+            <a:r>
+              <a:rPr lang="fr-CH" dirty="0" smtClean="0"/>
+              <a:t>RDSON faible</a:t>
+            </a:r>
+            <a:r>
+              <a:rPr lang="fr-CH" baseline="0" dirty="0" smtClean="0">
+                <a:sym typeface="Wingdings" panose="05000000000000000000" pitchFamily="2" charset="2"/>
+              </a:rPr>
+              <a:t> ici 75mOhm  peu de chute de tension sur le mos</a:t>
+            </a:r>
+          </a:p>
+          <a:p>
+            <a:pPr marL="171450" indent="-171450">
+              <a:buFontTx/>
+              <a:buChar char="-"/>
+            </a:pPr>
+            <a:endParaRPr lang="fr-CH" baseline="0" dirty="0" smtClean="0">
+              <a:sym typeface="Wingdings" panose="05000000000000000000" pitchFamily="2" charset="2"/>
+            </a:endParaRPr>
+          </a:p>
+          <a:p>
+            <a:pPr marL="171450" indent="-171450">
+              <a:buFontTx/>
+              <a:buChar char="-"/>
+            </a:pPr>
+            <a:r>
+              <a:rPr lang="fr-CH" baseline="0" dirty="0" err="1" smtClean="0">
+                <a:sym typeface="Wingdings" panose="05000000000000000000" pitchFamily="2" charset="2"/>
+              </a:rPr>
+              <a:t>MosfteN</a:t>
+            </a:r>
+            <a:r>
+              <a:rPr lang="fr-CH" baseline="0" dirty="0" smtClean="0">
+                <a:sym typeface="Wingdings" panose="05000000000000000000" pitchFamily="2" charset="2"/>
+              </a:rPr>
+              <a:t> couper alim </a:t>
+            </a:r>
+            <a:r>
+              <a:rPr lang="fr-CH" baseline="0" dirty="0" err="1" smtClean="0">
+                <a:sym typeface="Wingdings" panose="05000000000000000000" pitchFamily="2" charset="2"/>
+              </a:rPr>
               <a:t>backlight</a:t>
             </a:r>
             <a:r>
-              <a:rPr lang="fr-CH" dirty="0"/>
-              <a:t> ainsi que des commandes. Il fonctionne comme un interrupteur, dés qu’on envoie un signal depuis le PIC, on peut couper ou non l’alimentation des </a:t>
-            </a:r>
-            <a:r>
-              <a:rPr lang="fr-CH" dirty="0" err="1"/>
-              <a:t>leds</a:t>
-            </a:r>
-            <a:r>
-              <a:rPr lang="fr-CH" dirty="0"/>
-              <a:t> afin d’économiser de la batterie. Toujours dans cette optique, pour le choix du </a:t>
-            </a:r>
-            <a:r>
-              <a:rPr lang="fr-CH" dirty="0" err="1"/>
-              <a:t>mosfet</a:t>
-            </a:r>
-            <a:r>
-              <a:rPr lang="fr-CH" dirty="0"/>
-              <a:t> nous avons chercher un </a:t>
-            </a:r>
-            <a:r>
-              <a:rPr lang="fr-CH" dirty="0" err="1"/>
-              <a:t>mosfet</a:t>
-            </a:r>
-            <a:r>
-              <a:rPr lang="fr-CH" dirty="0"/>
-              <a:t> avec un petit RDSON, afin qu’il consomme le moins possible, ainsi, notre </a:t>
-            </a:r>
-            <a:r>
-              <a:rPr lang="fr-CH" dirty="0" err="1"/>
-              <a:t>mosfet</a:t>
-            </a:r>
-            <a:r>
-              <a:rPr lang="fr-CH" dirty="0"/>
-              <a:t> a un </a:t>
-            </a:r>
-            <a:r>
-              <a:rPr lang="fr-CH" dirty="0" err="1"/>
-              <a:t>rdson</a:t>
-            </a:r>
-            <a:r>
-              <a:rPr lang="fr-CH" dirty="0"/>
-              <a:t> de 75mOhm au maximum</a:t>
-            </a:r>
+              <a:rPr lang="fr-CH" baseline="0" dirty="0" smtClean="0">
+                <a:sym typeface="Wingdings" panose="05000000000000000000" pitchFamily="2" charset="2"/>
+              </a:rPr>
+              <a:t> et LCD  </a:t>
+            </a:r>
+            <a:r>
+              <a:rPr lang="fr-CH" baseline="0" dirty="0" err="1" smtClean="0">
+                <a:sym typeface="Wingdings" panose="05000000000000000000" pitchFamily="2" charset="2"/>
+              </a:rPr>
+              <a:t>economie</a:t>
+            </a:r>
+            <a:r>
+              <a:rPr lang="fr-CH" baseline="0" dirty="0" smtClean="0">
+                <a:sym typeface="Wingdings" panose="05000000000000000000" pitchFamily="2" charset="2"/>
+              </a:rPr>
+              <a:t> </a:t>
+            </a:r>
+            <a:r>
+              <a:rPr lang="fr-CH" baseline="0" dirty="0" err="1" smtClean="0">
+                <a:sym typeface="Wingdings" panose="05000000000000000000" pitchFamily="2" charset="2"/>
+              </a:rPr>
+              <a:t>energie</a:t>
+            </a:r>
+            <a:endParaRPr lang="fr-CH" dirty="0" smtClean="0"/>
           </a:p>
         </p:txBody>
       </p:sp>
@@ -1093,6 +1161,159 @@
               <a:rPr lang="fr-CH" dirty="0"/>
               <a:t>SEB: </a:t>
             </a:r>
+            <a:endParaRPr lang="fr-CH" dirty="0" smtClean="0"/>
+          </a:p>
+          <a:p>
+            <a:pPr marL="171450" indent="-171450">
+              <a:buFontTx/>
+              <a:buChar char="-"/>
+            </a:pPr>
+            <a:r>
+              <a:rPr lang="fr-CH" dirty="0" smtClean="0"/>
+              <a:t>XF</a:t>
+            </a:r>
+            <a:r>
+              <a:rPr lang="fr-CH" baseline="0" dirty="0" smtClean="0"/>
+              <a:t> permet d’ajouter des </a:t>
+            </a:r>
+            <a:r>
+              <a:rPr lang="fr-CH" baseline="0" dirty="0" err="1" smtClean="0"/>
+              <a:t>evenemnt</a:t>
+            </a:r>
+            <a:r>
+              <a:rPr lang="fr-CH" baseline="0" dirty="0" smtClean="0"/>
+              <a:t> dans une liste et des </a:t>
+            </a:r>
+            <a:r>
+              <a:rPr lang="fr-CH" baseline="0" dirty="0" err="1" smtClean="0"/>
+              <a:t>evenement</a:t>
+            </a:r>
+            <a:r>
+              <a:rPr lang="fr-CH" baseline="0" dirty="0" smtClean="0"/>
+              <a:t> </a:t>
+            </a:r>
+            <a:r>
+              <a:rPr lang="fr-CH" baseline="0" dirty="0" err="1" smtClean="0"/>
+              <a:t>timer</a:t>
+            </a:r>
+            <a:r>
+              <a:rPr lang="fr-CH" baseline="0" dirty="0" smtClean="0"/>
+              <a:t> dans une </a:t>
+            </a:r>
+            <a:r>
+              <a:rPr lang="fr-CH" baseline="0" dirty="0" err="1" smtClean="0"/>
+              <a:t>list</a:t>
+            </a:r>
+            <a:r>
+              <a:rPr lang="fr-CH" baseline="0" dirty="0" smtClean="0"/>
+              <a:t> </a:t>
+            </a:r>
+            <a:r>
+              <a:rPr lang="fr-CH" baseline="0" dirty="0" err="1" smtClean="0"/>
+              <a:t>timer</a:t>
+            </a:r>
+            <a:endParaRPr lang="fr-CH" baseline="0" dirty="0" smtClean="0"/>
+          </a:p>
+          <a:p>
+            <a:pPr marL="171450" indent="-171450">
+              <a:buFontTx/>
+              <a:buChar char="-"/>
+            </a:pPr>
+            <a:endParaRPr lang="fr-CH" baseline="0" dirty="0" smtClean="0"/>
+          </a:p>
+          <a:p>
+            <a:pPr marL="171450" indent="-171450">
+              <a:buFontTx/>
+              <a:buChar char="-"/>
+            </a:pPr>
+            <a:r>
+              <a:rPr lang="fr-CH" baseline="0" dirty="0" smtClean="0"/>
+              <a:t>4 machine d’état: display </a:t>
+            </a:r>
+            <a:r>
+              <a:rPr lang="fr-CH" baseline="0" dirty="0" err="1" smtClean="0"/>
+              <a:t>gameController</a:t>
+            </a:r>
+            <a:r>
+              <a:rPr lang="fr-CH" baseline="0" dirty="0" smtClean="0"/>
+              <a:t> </a:t>
+            </a:r>
+            <a:r>
+              <a:rPr lang="fr-CH" baseline="0" dirty="0" err="1" smtClean="0"/>
+              <a:t>tsc</a:t>
+            </a:r>
+            <a:r>
+              <a:rPr lang="fr-CH" baseline="0" dirty="0" smtClean="0"/>
+              <a:t>, </a:t>
+            </a:r>
+            <a:r>
+              <a:rPr lang="fr-CH" baseline="0" dirty="0" err="1" smtClean="0"/>
+              <a:t>sleep</a:t>
+            </a:r>
+            <a:endParaRPr lang="fr-CH" baseline="0" dirty="0" smtClean="0"/>
+          </a:p>
+          <a:p>
+            <a:pPr marL="171450" indent="-171450">
+              <a:buFontTx/>
+              <a:buChar char="-"/>
+            </a:pPr>
+            <a:endParaRPr lang="fr-CH" baseline="0" dirty="0" smtClean="0"/>
+          </a:p>
+          <a:p>
+            <a:pPr marL="171450" indent="-171450">
+              <a:buFontTx/>
+              <a:buChar char="-"/>
+            </a:pPr>
+            <a:r>
+              <a:rPr lang="fr-CH" baseline="0" dirty="0" smtClean="0"/>
+              <a:t>1 interruption bouton pour </a:t>
+            </a:r>
+            <a:r>
+              <a:rPr lang="fr-CH" baseline="0" dirty="0" err="1" smtClean="0"/>
+              <a:t>press</a:t>
+            </a:r>
+            <a:r>
+              <a:rPr lang="fr-CH" baseline="0" dirty="0" smtClean="0"/>
+              <a:t> et release INTEDG!=INTEDG</a:t>
+            </a:r>
+          </a:p>
+          <a:p>
+            <a:pPr marL="171450" indent="-171450">
+              <a:buFontTx/>
+              <a:buChar char="-"/>
+            </a:pPr>
+            <a:endParaRPr lang="fr-CH" baseline="0" dirty="0" smtClean="0"/>
+          </a:p>
+          <a:p>
+            <a:pPr marL="171450" indent="-171450">
+              <a:buFontTx/>
+              <a:buChar char="-"/>
+            </a:pPr>
+            <a:r>
+              <a:rPr lang="fr-CH" baseline="0" dirty="0" smtClean="0"/>
+              <a:t>1 interruption </a:t>
+            </a:r>
+            <a:r>
+              <a:rPr lang="fr-CH" baseline="0" dirty="0" err="1" smtClean="0"/>
+              <a:t>timer</a:t>
+            </a:r>
+            <a:r>
+              <a:rPr lang="fr-CH" baseline="0" dirty="0" smtClean="0"/>
+              <a:t> 1 ms</a:t>
+            </a:r>
+            <a:r>
+              <a:rPr lang="fr-CH" baseline="0" dirty="0" smtClean="0">
+                <a:sym typeface="Wingdings" panose="05000000000000000000" pitchFamily="2" charset="2"/>
+              </a:rPr>
+              <a:t> décrémente la liste des </a:t>
+            </a:r>
+            <a:r>
+              <a:rPr lang="fr-CH" baseline="0" dirty="0" err="1" smtClean="0">
+                <a:sym typeface="Wingdings" panose="05000000000000000000" pitchFamily="2" charset="2"/>
+              </a:rPr>
+              <a:t>timer</a:t>
+            </a:r>
+            <a:endParaRPr lang="fr-CH" dirty="0"/>
           </a:p>
         </p:txBody>
       </p:sp>
@@ -1434,8 +1655,158 @@
           <a:p>
             <a:r>
               <a:rPr lang="fr-CH" dirty="0"/>
-              <a:t>SEB:</a:t>
-            </a:r>
+              <a:t>SEB</a:t>
+            </a:r>
+            <a:r>
+              <a:rPr lang="fr-CH" dirty="0" smtClean="0"/>
+              <a:t>:</a:t>
+            </a:r>
+          </a:p>
+          <a:p>
+            <a:endParaRPr lang="fr-CH" dirty="0" smtClean="0"/>
+          </a:p>
+          <a:p>
+            <a:pPr marL="171450" indent="-171450">
+              <a:buFontTx/>
+              <a:buChar char="-"/>
+            </a:pPr>
+            <a:r>
+              <a:rPr lang="fr-CH" dirty="0" smtClean="0"/>
+              <a:t>Default</a:t>
+            </a:r>
+            <a:r>
+              <a:rPr lang="fr-CH" baseline="0" dirty="0" smtClean="0"/>
+              <a:t> state </a:t>
+            </a:r>
+            <a:r>
+              <a:rPr lang="fr-CH" baseline="0" dirty="0" err="1" smtClean="0"/>
+              <a:t>wakeup</a:t>
+            </a:r>
+            <a:endParaRPr lang="fr-CH" baseline="0" dirty="0" smtClean="0"/>
+          </a:p>
+          <a:p>
+            <a:pPr marL="171450" indent="-171450">
+              <a:buFontTx/>
+              <a:buChar char="-"/>
+            </a:pPr>
+            <a:endParaRPr lang="fr-CH" baseline="0" dirty="0" smtClean="0"/>
+          </a:p>
+          <a:p>
+            <a:pPr marL="171450" indent="-171450">
+              <a:buFontTx/>
+              <a:buChar char="-"/>
+            </a:pPr>
+            <a:r>
+              <a:rPr lang="fr-CH" baseline="0" dirty="0" err="1" smtClean="0"/>
+              <a:t>Sleep</a:t>
+            </a:r>
+            <a:r>
+              <a:rPr lang="fr-CH" baseline="0" dirty="0" smtClean="0"/>
+              <a:t>() : soit bouton </a:t>
+            </a:r>
+            <a:r>
+              <a:rPr lang="fr-CH" baseline="0" dirty="0" err="1" smtClean="0"/>
+              <a:t>turn</a:t>
+            </a:r>
+            <a:r>
+              <a:rPr lang="fr-CH" baseline="0" dirty="0" smtClean="0"/>
+              <a:t> off soit 30s sans toucher </a:t>
+            </a:r>
+            <a:r>
+              <a:rPr lang="fr-CH" baseline="0" dirty="0" err="1" smtClean="0"/>
+              <a:t>ecran</a:t>
+            </a:r>
+            <a:r>
+              <a:rPr lang="fr-CH" baseline="0" dirty="0" smtClean="0"/>
+              <a:t> sauf en jeu</a:t>
+            </a:r>
+          </a:p>
+          <a:p>
+            <a:pPr marL="171450" indent="-171450">
+              <a:buFontTx/>
+              <a:buChar char="-"/>
+            </a:pPr>
+            <a:endParaRPr lang="fr-CH" baseline="0" dirty="0" smtClean="0"/>
+          </a:p>
+          <a:p>
+            <a:pPr marL="171450" indent="-171450">
+              <a:buFontTx/>
+              <a:buChar char="-"/>
+            </a:pPr>
+            <a:r>
+              <a:rPr lang="fr-CH" baseline="0" dirty="0" err="1" smtClean="0"/>
+              <a:t>Interrupt</a:t>
+            </a:r>
+            <a:r>
+              <a:rPr lang="fr-CH" baseline="0" dirty="0" smtClean="0"/>
+              <a:t> </a:t>
+            </a:r>
+            <a:r>
+              <a:rPr lang="fr-CH" baseline="0" dirty="0" err="1" smtClean="0"/>
+              <a:t>reactive</a:t>
+            </a:r>
+            <a:r>
+              <a:rPr lang="fr-CH" baseline="0" dirty="0" smtClean="0"/>
+              <a:t> le pic</a:t>
+            </a:r>
+          </a:p>
+          <a:p>
+            <a:pPr marL="171450" indent="-171450">
+              <a:buFontTx/>
+              <a:buChar char="-"/>
+            </a:pPr>
+            <a:endParaRPr lang="fr-CH" baseline="0" dirty="0" smtClean="0"/>
+          </a:p>
+          <a:p>
+            <a:pPr marL="171450" indent="-171450">
+              <a:buFontTx/>
+              <a:buChar char="-"/>
+            </a:pPr>
+            <a:r>
+              <a:rPr lang="fr-CH" baseline="0" dirty="0" smtClean="0"/>
+              <a:t>Reset(): permet de </a:t>
+            </a:r>
+            <a:r>
+              <a:rPr lang="fr-CH" baseline="0" dirty="0" err="1" smtClean="0"/>
+              <a:t>redemarrer</a:t>
+            </a:r>
+            <a:r>
+              <a:rPr lang="fr-CH" baseline="0" dirty="0" smtClean="0"/>
+              <a:t> tout le pic</a:t>
+            </a:r>
+          </a:p>
+          <a:p>
+            <a:pPr marL="171450" indent="-171450">
+              <a:buFontTx/>
+              <a:buChar char="-"/>
+            </a:pPr>
+            <a:endParaRPr lang="fr-CH" baseline="0" dirty="0" smtClean="0"/>
+          </a:p>
+          <a:p>
+            <a:pPr marL="171450" indent="-171450">
+              <a:buFontTx/>
+              <a:buChar char="-"/>
+            </a:pPr>
+            <a:r>
+              <a:rPr lang="fr-CH" baseline="0" dirty="0" err="1" smtClean="0"/>
+              <a:t>Methode</a:t>
+            </a:r>
+            <a:r>
+              <a:rPr lang="fr-CH" baseline="0" dirty="0" smtClean="0"/>
+              <a:t> </a:t>
+            </a:r>
+            <a:r>
+              <a:rPr lang="fr-CH" baseline="0" dirty="0" err="1" smtClean="0"/>
+              <a:t>sleep</a:t>
+            </a:r>
+            <a:r>
+              <a:rPr lang="fr-CH" baseline="0" dirty="0" smtClean="0"/>
+              <a:t> et reset se suive</a:t>
+            </a:r>
+            <a:endParaRPr lang="fr-CH" dirty="0" smtClean="0"/>
+          </a:p>
+          <a:p>
+            <a:endParaRPr lang="fr-CH" dirty="0"/>
           </a:p>
         </p:txBody>
       </p:sp>
@@ -1523,6 +1894,133 @@
               <a:rPr lang="fr-CH" dirty="0"/>
               <a:t>SEB: </a:t>
             </a:r>
+            <a:endParaRPr lang="fr-CH" dirty="0" smtClean="0"/>
+          </a:p>
+          <a:p>
+            <a:endParaRPr lang="fr-CH" dirty="0" smtClean="0"/>
+          </a:p>
+          <a:p>
+            <a:r>
+              <a:rPr lang="fr-CH" dirty="0" smtClean="0"/>
+              <a:t>Dans tous les modes gère boutons</a:t>
+            </a:r>
+          </a:p>
+          <a:p>
+            <a:endParaRPr lang="fr-CH" dirty="0" smtClean="0"/>
+          </a:p>
+          <a:p>
+            <a:r>
+              <a:rPr lang="fr-CH" dirty="0" smtClean="0"/>
+              <a:t>NOGAME: permet d’accéder aux autres menus (1</a:t>
+            </a:r>
+            <a:r>
+              <a:rPr lang="fr-CH" baseline="0" dirty="0" smtClean="0"/>
+              <a:t> player,2 </a:t>
+            </a:r>
+            <a:r>
+              <a:rPr lang="fr-CH" baseline="0" dirty="0" err="1" smtClean="0"/>
+              <a:t>player</a:t>
+            </a:r>
+            <a:r>
+              <a:rPr lang="fr-CH" dirty="0" err="1" smtClean="0"/>
+              <a:t>,parametre</a:t>
+            </a:r>
+            <a:r>
+              <a:rPr lang="fr-CH" dirty="0" smtClean="0"/>
+              <a:t>)</a:t>
+            </a:r>
+          </a:p>
+          <a:p>
+            <a:endParaRPr lang="fr-CH" dirty="0" smtClean="0"/>
+          </a:p>
+          <a:p>
+            <a:r>
+              <a:rPr lang="fr-CH" dirty="0" smtClean="0"/>
+              <a:t>PARAMETRE: gère </a:t>
+            </a:r>
+            <a:r>
+              <a:rPr lang="fr-CH" dirty="0" err="1" smtClean="0"/>
+              <a:t>slidebar</a:t>
+            </a:r>
+            <a:r>
+              <a:rPr lang="fr-CH" dirty="0" smtClean="0"/>
+              <a:t> pour modifier lumière</a:t>
+            </a:r>
+            <a:r>
+              <a:rPr lang="fr-CH" baseline="0" dirty="0" smtClean="0"/>
+              <a:t> et niveau, retour au menu possible</a:t>
+            </a:r>
+          </a:p>
+          <a:p>
+            <a:endParaRPr lang="fr-CH" baseline="0" dirty="0" smtClean="0"/>
+          </a:p>
+          <a:p>
+            <a:r>
+              <a:rPr lang="fr-CH" baseline="0" dirty="0" smtClean="0"/>
+              <a:t>LOCAL:1 joueur, déplace </a:t>
+            </a:r>
+            <a:r>
+              <a:rPr lang="fr-CH" baseline="0" dirty="0" err="1" smtClean="0"/>
+              <a:t>paddle</a:t>
+            </a:r>
+            <a:r>
+              <a:rPr lang="fr-CH" baseline="0" dirty="0" smtClean="0"/>
+              <a:t> 1 si clique, déplace </a:t>
+            </a:r>
+            <a:r>
+              <a:rPr lang="fr-CH" baseline="0" dirty="0" err="1" smtClean="0"/>
+              <a:t>ball</a:t>
+            </a:r>
+            <a:r>
+              <a:rPr lang="fr-CH" baseline="0" dirty="0" smtClean="0"/>
+              <a:t> et </a:t>
+            </a:r>
+            <a:r>
+              <a:rPr lang="fr-CH" baseline="0" dirty="0" err="1" smtClean="0"/>
+              <a:t>paddle</a:t>
+            </a:r>
+            <a:r>
+              <a:rPr lang="fr-CH" baseline="0" dirty="0" smtClean="0"/>
+              <a:t> 2 chaque x ms (dépend du niveau), retour au menu possible</a:t>
+            </a:r>
+          </a:p>
+          <a:p>
+            <a:endParaRPr lang="fr-CH" baseline="0" dirty="0" smtClean="0"/>
+          </a:p>
+          <a:p>
+            <a:r>
+              <a:rPr lang="fr-CH" baseline="0" dirty="0" smtClean="0"/>
+              <a:t>ENDGAME: affiche vainqueur permet de </a:t>
+            </a:r>
+            <a:r>
+              <a:rPr lang="fr-CH" baseline="0" dirty="0" err="1" smtClean="0"/>
+              <a:t>rejouer</a:t>
+            </a:r>
+            <a:r>
+              <a:rPr lang="fr-CH" baseline="0" dirty="0" err="1" smtClean="0">
+                <a:sym typeface="Wingdings" panose="05000000000000000000" pitchFamily="2" charset="2"/>
+              </a:rPr>
+              <a:t>menu</a:t>
+            </a:r>
+            <a:r>
+              <a:rPr lang="fr-CH" baseline="0" dirty="0" smtClean="0">
+                <a:sym typeface="Wingdings" panose="05000000000000000000" pitchFamily="2" charset="2"/>
+              </a:rPr>
+              <a:t> base, </a:t>
+            </a:r>
+            <a:r>
+              <a:rPr lang="fr-CH" baseline="0" dirty="0" err="1" smtClean="0">
+                <a:sym typeface="Wingdings" panose="05000000000000000000" pitchFamily="2" charset="2"/>
+              </a:rPr>
+              <a:t>turn</a:t>
+            </a:r>
+            <a:r>
+              <a:rPr lang="fr-CH" baseline="0" dirty="0" smtClean="0">
+                <a:sym typeface="Wingdings" panose="05000000000000000000" pitchFamily="2" charset="2"/>
+              </a:rPr>
+              <a:t> off</a:t>
+            </a:r>
+            <a:endParaRPr lang="fr-CH" dirty="0"/>
           </a:p>
         </p:txBody>
       </p:sp>
@@ -1790,7 +2288,7 @@
           <a:p>
             <a:fld id="{D57F1E4F-1CFF-5643-939E-02111984F565}" type="slidenum">
               <a:rPr lang="en-US" dirty="0"/>
-              <a:t>‹N°›</a:t>
+              <a:t>‹#›</a:t>
             </a:fld>
             <a:endParaRPr lang="en-US" dirty="0"/>
           </a:p>
@@ -2060,7 +2558,7 @@
           <a:p>
             <a:fld id="{D57F1E4F-1CFF-5643-939E-02111984F565}" type="slidenum">
               <a:rPr lang="en-US" dirty="0"/>
-              <a:t>‹N°›</a:t>
+              <a:t>‹#›</a:t>
             </a:fld>
             <a:endParaRPr lang="en-US" dirty="0"/>
           </a:p>
@@ -2249,7 +2747,7 @@
           <a:p>
             <a:fld id="{D57F1E4F-1CFF-5643-939E-02111984F565}" type="slidenum">
               <a:rPr lang="en-US" dirty="0"/>
-              <a:t>‹N°›</a:t>
+              <a:t>‹#›</a:t>
             </a:fld>
             <a:endParaRPr lang="en-US" dirty="0"/>
           </a:p>
@@ -2517,7 +3015,7 @@
           <a:p>
             <a:fld id="{D57F1E4F-1CFF-5643-939E-02111984F565}" type="slidenum">
               <a:rPr lang="en-US" dirty="0"/>
-              <a:t>‹N°›</a:t>
+              <a:t>‹#›</a:t>
             </a:fld>
             <a:endParaRPr lang="en-US" dirty="0"/>
           </a:p>
@@ -2853,7 +3351,7 @@
           <a:p>
             <a:fld id="{D57F1E4F-1CFF-5643-939E-02111984F565}" type="slidenum">
               <a:rPr lang="en-US" dirty="0"/>
-              <a:t>‹N°›</a:t>
+              <a:t>‹#›</a:t>
             </a:fld>
             <a:endParaRPr lang="en-US" dirty="0"/>
           </a:p>
@@ -3471,7 +3969,7 @@
           <a:p>
             <a:fld id="{D57F1E4F-1CFF-5643-939E-02111984F565}" type="slidenum">
               <a:rPr lang="en-US" dirty="0"/>
-              <a:t>‹N°›</a:t>
+              <a:t>‹#›</a:t>
             </a:fld>
             <a:endParaRPr lang="en-US" dirty="0"/>
           </a:p>
@@ -4326,7 +4824,7 @@
           <a:p>
             <a:fld id="{D57F1E4F-1CFF-5643-939E-02111984F565}" type="slidenum">
               <a:rPr lang="en-US" dirty="0"/>
-              <a:t>‹N°›</a:t>
+              <a:t>‹#›</a:t>
             </a:fld>
             <a:endParaRPr lang="en-US" dirty="0"/>
           </a:p>
@@ -4491,7 +4989,7 @@
           <a:p>
             <a:fld id="{D57F1E4F-1CFF-5643-939E-02111984F565}" type="slidenum">
               <a:rPr lang="en-US" dirty="0"/>
-              <a:t>‹N°›</a:t>
+              <a:t>‹#›</a:t>
             </a:fld>
             <a:endParaRPr lang="en-US" dirty="0"/>
           </a:p>
@@ -4666,7 +5164,7 @@
           <a:p>
             <a:fld id="{D57F1E4F-1CFF-5643-939E-02111984F565}" type="slidenum">
               <a:rPr lang="en-US" dirty="0"/>
-              <a:t>‹N°›</a:t>
+              <a:t>‹#›</a:t>
             </a:fld>
             <a:endParaRPr lang="en-US" dirty="0"/>
           </a:p>
@@ -4831,7 +5329,7 @@
           <a:p>
             <a:fld id="{D57F1E4F-1CFF-5643-939E-02111984F565}" type="slidenum">
               <a:rPr lang="en-US" dirty="0"/>
-              <a:t>‹N°›</a:t>
+              <a:t>‹#›</a:t>
             </a:fld>
             <a:endParaRPr lang="en-US" dirty="0"/>
           </a:p>
@@ -5073,7 +5571,7 @@
           <a:p>
             <a:fld id="{D57F1E4F-1CFF-5643-939E-02111984F565}" type="slidenum">
               <a:rPr lang="en-US" dirty="0"/>
-              <a:t>‹N°›</a:t>
+              <a:t>‹#›</a:t>
             </a:fld>
             <a:endParaRPr lang="en-US" dirty="0"/>
           </a:p>
@@ -5360,7 +5858,7 @@
           <a:p>
             <a:fld id="{D57F1E4F-1CFF-5643-939E-02111984F565}" type="slidenum">
               <a:rPr lang="en-US" dirty="0"/>
-              <a:t>‹N°›</a:t>
+              <a:t>‹#›</a:t>
             </a:fld>
             <a:endParaRPr lang="en-US" dirty="0"/>
           </a:p>
@@ -5799,7 +6297,7 @@
           <a:p>
             <a:fld id="{D57F1E4F-1CFF-5643-939E-02111984F565}" type="slidenum">
               <a:rPr lang="en-US" dirty="0"/>
-              <a:t>‹N°›</a:t>
+              <a:t>‹#›</a:t>
             </a:fld>
             <a:endParaRPr lang="en-US" dirty="0"/>
           </a:p>
@@ -5912,7 +6410,7 @@
           <a:p>
             <a:fld id="{D57F1E4F-1CFF-5643-939E-02111984F565}" type="slidenum">
               <a:rPr lang="en-US" dirty="0"/>
-              <a:t>‹N°›</a:t>
+              <a:t>‹#›</a:t>
             </a:fld>
             <a:endParaRPr lang="en-US" dirty="0"/>
           </a:p>
@@ -6002,7 +6500,7 @@
           <a:p>
             <a:fld id="{D57F1E4F-1CFF-5643-939E-02111984F565}" type="slidenum">
               <a:rPr lang="en-US" dirty="0"/>
-              <a:t>‹N°›</a:t>
+              <a:t>‹#›</a:t>
             </a:fld>
             <a:endParaRPr lang="en-US" dirty="0"/>
           </a:p>
@@ -6276,7 +6774,7 @@
           <a:p>
             <a:fld id="{D57F1E4F-1CFF-5643-939E-02111984F565}" type="slidenum">
               <a:rPr lang="en-US" dirty="0"/>
-              <a:t>‹N°›</a:t>
+              <a:t>‹#›</a:t>
             </a:fld>
             <a:endParaRPr lang="en-US" dirty="0"/>
           </a:p>
@@ -6546,7 +7044,7 @@
           <a:p>
             <a:fld id="{D57F1E4F-1CFF-5643-939E-02111984F565}" type="slidenum">
               <a:rPr lang="en-US" dirty="0"/>
-              <a:t>‹N°›</a:t>
+              <a:t>‹#›</a:t>
             </a:fld>
             <a:endParaRPr lang="en-US" dirty="0"/>
           </a:p>
@@ -7007,7 +7505,7 @@
           <a:p>
             <a:fld id="{D57F1E4F-1CFF-5643-939E-02111984F565}" type="slidenum">
               <a:rPr lang="en-US" dirty="0"/>
-              <a:t>‹N°›</a:t>
+              <a:t>‹#›</a:t>
             </a:fld>
             <a:endParaRPr lang="en-US" dirty="0"/>
           </a:p>
@@ -7468,7 +7966,7 @@
                 <a16:creationId xmlns:a16="http://schemas.microsoft.com/office/drawing/2014/main" id="{757B325C-3E35-45CF-9D07-3BCB281F3B9C}"/>
               </a:ext>
               <a:ext uri="{C183D7F6-B498-43B3-948B-1728B52AA6E4}">
-                <adec:decorative xmlns:adec="http://schemas.microsoft.com/office/drawing/2017/decorative" val="1"/>
+                <adec:decorative xmlns:adec="http://schemas.microsoft.com/office/drawing/2017/decorative" xmlns="" val="1"/>
               </a:ext>
             </a:extLst>
           </p:cNvPr>
@@ -7631,7 +8129,7 @@
                 <a16:creationId xmlns:a16="http://schemas.microsoft.com/office/drawing/2014/main" id="{C24BEC42-AFF3-40D1-93A2-A27A42E1E23C}"/>
               </a:ext>
               <a:ext uri="{C183D7F6-B498-43B3-948B-1728B52AA6E4}">
-                <adec:decorative xmlns:adec="http://schemas.microsoft.com/office/drawing/2017/decorative" val="1"/>
+                <adec:decorative xmlns:adec="http://schemas.microsoft.com/office/drawing/2017/decorative" xmlns="" val="1"/>
               </a:ext>
             </a:extLst>
           </p:cNvPr>
@@ -7983,7 +8481,7 @@
                 <a16:creationId xmlns:a16="http://schemas.microsoft.com/office/drawing/2014/main" id="{608F427C-1EC9-4280-9367-F2B3AA063E82}"/>
               </a:ext>
               <a:ext uri="{C183D7F6-B498-43B3-948B-1728B52AA6E4}">
-                <adec:decorative xmlns:adec="http://schemas.microsoft.com/office/drawing/2017/decorative" val="1"/>
+                <adec:decorative xmlns:adec="http://schemas.microsoft.com/office/drawing/2017/decorative" xmlns="" val="1"/>
               </a:ext>
             </a:extLst>
           </p:cNvPr>
@@ -8472,7 +8970,7 @@
                 <a16:creationId xmlns:a16="http://schemas.microsoft.com/office/drawing/2014/main" id="{F98810A7-E114-447A-A7D6-69B27CFB5650}"/>
               </a:ext>
               <a:ext uri="{C183D7F6-B498-43B3-948B-1728B52AA6E4}">
-                <adec:decorative xmlns:adec="http://schemas.microsoft.com/office/drawing/2017/decorative" val="1"/>
+                <adec:decorative xmlns:adec="http://schemas.microsoft.com/office/drawing/2017/decorative" xmlns="" val="1"/>
               </a:ext>
             </a:extLst>
           </p:cNvPr>
@@ -8558,13 +9056,13 @@
   <p:clrMapOvr>
     <a:overrideClrMapping bg1="lt1" tx1="dk1" bg2="lt2" tx2="dk2" accent1="accent1" accent2="accent2" accent3="accent3" accent4="accent4" accent5="accent5" accent6="accent6" hlink="hlink" folHlink="folHlink"/>
   </p:clrMapOvr>
-  <mc:AlternateContent xmlns:mc="http://schemas.openxmlformats.org/markup-compatibility/2006">
-    <mc:Choice xmlns:p14="http://schemas.microsoft.com/office/powerpoint/2010/main" Requires="p14">
+  <mc:AlternateContent xmlns:mc="http://schemas.openxmlformats.org/markup-compatibility/2006" xmlns:p14="http://schemas.microsoft.com/office/powerpoint/2010/main">
+    <mc:Choice Requires="p14">
       <p:transition spd="med" p14:dur="700">
         <p:fade/>
       </p:transition>
     </mc:Choice>
-    <mc:Fallback>
+    <mc:Fallback xmlns="">
       <p:transition spd="med">
         <p:fade/>
       </p:transition>
@@ -8622,7 +9120,7 @@
                 <a16:creationId xmlns:a16="http://schemas.microsoft.com/office/drawing/2014/main" id="{DF19BAF3-7E20-4B9D-B544-BABAEEA1FA75}"/>
               </a:ext>
               <a:ext uri="{C183D7F6-B498-43B3-948B-1728B52AA6E4}">
-                <adec:decorative xmlns:adec="http://schemas.microsoft.com/office/drawing/2017/decorative" val="1"/>
+                <adec:decorative xmlns:adec="http://schemas.microsoft.com/office/drawing/2017/decorative" xmlns="" val="1"/>
               </a:ext>
             </a:extLst>
           </p:cNvPr>
@@ -8666,7 +9164,7 @@
                 <a16:creationId xmlns:a16="http://schemas.microsoft.com/office/drawing/2014/main" id="{950648F4-ABCD-4DF0-8641-76CFB2354721}"/>
               </a:ext>
               <a:ext uri="{C183D7F6-B498-43B3-948B-1728B52AA6E4}">
-                <adec:decorative xmlns:adec="http://schemas.microsoft.com/office/drawing/2017/decorative" val="1"/>
+                <adec:decorative xmlns:adec="http://schemas.microsoft.com/office/drawing/2017/decorative" xmlns="" val="1"/>
               </a:ext>
             </a:extLst>
           </p:cNvPr>
@@ -8710,7 +9208,7 @@
                 <a16:creationId xmlns:a16="http://schemas.microsoft.com/office/drawing/2014/main" id="{989BE678-777B-482A-A616-FEDC47B162E5}"/>
               </a:ext>
               <a:ext uri="{C183D7F6-B498-43B3-948B-1728B52AA6E4}">
-                <adec:decorative xmlns:adec="http://schemas.microsoft.com/office/drawing/2017/decorative" val="1"/>
+                <adec:decorative xmlns:adec="http://schemas.microsoft.com/office/drawing/2017/decorative" xmlns="" val="1"/>
               </a:ext>
             </a:extLst>
           </p:cNvPr>
@@ -8790,7 +9288,7 @@
                 <a16:creationId xmlns:a16="http://schemas.microsoft.com/office/drawing/2014/main" id="{CF1EB4BD-9C7E-4AA3-9681-C7EB0DA6250B}"/>
               </a:ext>
               <a:ext uri="{C183D7F6-B498-43B3-948B-1728B52AA6E4}">
-                <adec:decorative xmlns:adec="http://schemas.microsoft.com/office/drawing/2017/decorative" val="1"/>
+                <adec:decorative xmlns:adec="http://schemas.microsoft.com/office/drawing/2017/decorative" xmlns="" val="1"/>
               </a:ext>
             </a:extLst>
           </p:cNvPr>
@@ -8834,7 +9332,7 @@
                 <a16:creationId xmlns:a16="http://schemas.microsoft.com/office/drawing/2014/main" id="{94AAE3AA-3759-4D28-B0EF-575F25A5146C}"/>
               </a:ext>
               <a:ext uri="{C183D7F6-B498-43B3-948B-1728B52AA6E4}">
-                <adec:decorative xmlns:adec="http://schemas.microsoft.com/office/drawing/2017/decorative" val="1"/>
+                <adec:decorative xmlns:adec="http://schemas.microsoft.com/office/drawing/2017/decorative" xmlns="" val="1"/>
               </a:ext>
             </a:extLst>
           </p:cNvPr>
@@ -8878,7 +9376,7 @@
                 <a16:creationId xmlns:a16="http://schemas.microsoft.com/office/drawing/2014/main" id="{D28BE0C3-2102-4820-B88B-A448B1840D14}"/>
               </a:ext>
               <a:ext uri="{C183D7F6-B498-43B3-948B-1728B52AA6E4}">
-                <adec:decorative xmlns:adec="http://schemas.microsoft.com/office/drawing/2017/decorative" val="1"/>
+                <adec:decorative xmlns:adec="http://schemas.microsoft.com/office/drawing/2017/decorative" xmlns="" val="1"/>
               </a:ext>
             </a:extLst>
           </p:cNvPr>
@@ -8931,7 +9429,7 @@
                 <a16:creationId xmlns:a16="http://schemas.microsoft.com/office/drawing/2014/main" id="{C6A81905-F480-46A4-BC10-215D24EA1AE6}"/>
               </a:ext>
               <a:ext uri="{C183D7F6-B498-43B3-948B-1728B52AA6E4}">
-                <adec:decorative xmlns:adec="http://schemas.microsoft.com/office/drawing/2017/decorative" val="1"/>
+                <adec:decorative xmlns:adec="http://schemas.microsoft.com/office/drawing/2017/decorative" xmlns="" val="1"/>
               </a:ext>
             </a:extLst>
           </p:cNvPr>
@@ -9030,7 +9528,7 @@
                 <a16:creationId xmlns:a16="http://schemas.microsoft.com/office/drawing/2014/main" id="{36FD4D9D-3784-41E8-8405-A42B72F51331}"/>
               </a:ext>
               <a:ext uri="{C183D7F6-B498-43B3-948B-1728B52AA6E4}">
-                <adec:decorative xmlns:adec="http://schemas.microsoft.com/office/drawing/2017/decorative" val="1"/>
+                <adec:decorative xmlns:adec="http://schemas.microsoft.com/office/drawing/2017/decorative" xmlns="" val="1"/>
               </a:ext>
             </a:extLst>
           </p:cNvPr>
@@ -9570,7 +10068,7 @@
                 <a16:creationId xmlns:a16="http://schemas.microsoft.com/office/drawing/2014/main" id="{60817A52-B891-4228-A61E-0C0A57632DDA}"/>
               </a:ext>
               <a:ext uri="{C183D7F6-B498-43B3-948B-1728B52AA6E4}">
-                <adec:decorative xmlns:adec="http://schemas.microsoft.com/office/drawing/2017/decorative" val="1"/>
+                <adec:decorative xmlns:adec="http://schemas.microsoft.com/office/drawing/2017/decorative" xmlns="" val="1"/>
               </a:ext>
             </a:extLst>
           </p:cNvPr>
@@ -9625,13 +10123,13 @@
   <p:clrMapOvr>
     <a:masterClrMapping/>
   </p:clrMapOvr>
-  <mc:AlternateContent xmlns:mc="http://schemas.openxmlformats.org/markup-compatibility/2006">
-    <mc:Choice xmlns:p14="http://schemas.microsoft.com/office/powerpoint/2010/main" Requires="p14">
+  <mc:AlternateContent xmlns:mc="http://schemas.openxmlformats.org/markup-compatibility/2006" xmlns:p14="http://schemas.microsoft.com/office/powerpoint/2010/main">
+    <mc:Choice Requires="p14">
       <p:transition spd="med" p14:dur="700">
         <p:fade/>
       </p:transition>
     </mc:Choice>
-    <mc:Fallback>
+    <mc:Fallback xmlns="">
       <p:transition spd="med">
         <p:fade/>
       </p:transition>
@@ -9673,7 +10171,7 @@
                 <a16:creationId xmlns:a16="http://schemas.microsoft.com/office/drawing/2014/main" id="{B4AAD3FD-83A5-4B89-9F8F-01B8870865BE}"/>
               </a:ext>
               <a:ext uri="{C183D7F6-B498-43B3-948B-1728B52AA6E4}">
-                <adec:decorative xmlns:adec="http://schemas.microsoft.com/office/drawing/2017/decorative" val="1"/>
+                <adec:decorative xmlns:adec="http://schemas.microsoft.com/office/drawing/2017/decorative" xmlns="" val="1"/>
               </a:ext>
             </a:extLst>
           </p:cNvPr>
@@ -9772,7 +10270,7 @@
                 <a16:creationId xmlns:a16="http://schemas.microsoft.com/office/drawing/2014/main" id="{61752F1D-FC0F-4103-9584-630E643CCDA6}"/>
               </a:ext>
               <a:ext uri="{C183D7F6-B498-43B3-948B-1728B52AA6E4}">
-                <adec:decorative xmlns:adec="http://schemas.microsoft.com/office/drawing/2017/decorative" val="1"/>
+                <adec:decorative xmlns:adec="http://schemas.microsoft.com/office/drawing/2017/decorative" xmlns="" val="1"/>
               </a:ext>
             </a:extLst>
           </p:cNvPr>
@@ -10124,7 +10622,7 @@
                 <a16:creationId xmlns:a16="http://schemas.microsoft.com/office/drawing/2014/main" id="{70151CB7-E7DE-4917-B831-01DF9CE01306}"/>
               </a:ext>
               <a:ext uri="{C183D7F6-B498-43B3-948B-1728B52AA6E4}">
-                <adec:decorative xmlns:adec="http://schemas.microsoft.com/office/drawing/2017/decorative" val="1"/>
+                <adec:decorative xmlns:adec="http://schemas.microsoft.com/office/drawing/2017/decorative" xmlns="" val="1"/>
               </a:ext>
             </a:extLst>
           </p:cNvPr>
@@ -10587,7 +11085,7 @@
                 <a16:creationId xmlns:a16="http://schemas.microsoft.com/office/drawing/2014/main" id="{A92A1116-1C84-41DF-B803-1F7B0883EC82}"/>
               </a:ext>
               <a:ext uri="{C183D7F6-B498-43B3-948B-1728B52AA6E4}">
-                <adec:decorative xmlns:adec="http://schemas.microsoft.com/office/drawing/2017/decorative" val="1"/>
+                <adec:decorative xmlns:adec="http://schemas.microsoft.com/office/drawing/2017/decorative" xmlns="" val="1"/>
               </a:ext>
             </a:extLst>
           </p:cNvPr>
@@ -10774,13 +11272,13 @@
   <p:clrMapOvr>
     <a:overrideClrMapping bg1="lt1" tx1="dk1" bg2="lt2" tx2="dk2" accent1="accent1" accent2="accent2" accent3="accent3" accent4="accent4" accent5="accent5" accent6="accent6" hlink="hlink" folHlink="folHlink"/>
   </p:clrMapOvr>
-  <mc:AlternateContent xmlns:mc="http://schemas.openxmlformats.org/markup-compatibility/2006">
-    <mc:Choice xmlns:p14="http://schemas.microsoft.com/office/powerpoint/2010/main" Requires="p14">
+  <mc:AlternateContent xmlns:mc="http://schemas.openxmlformats.org/markup-compatibility/2006" xmlns:p14="http://schemas.microsoft.com/office/powerpoint/2010/main">
+    <mc:Choice Requires="p14">
       <p:transition spd="med" p14:dur="700">
         <p:fade/>
       </p:transition>
     </mc:Choice>
-    <mc:Fallback>
+    <mc:Fallback xmlns="">
       <p:transition spd="med">
         <p:fade/>
       </p:transition>
@@ -10822,7 +11320,7 @@
                 <a16:creationId xmlns:a16="http://schemas.microsoft.com/office/drawing/2014/main" id="{B4AAD3FD-83A5-4B89-9F8F-01B8870865BE}"/>
               </a:ext>
               <a:ext uri="{C183D7F6-B498-43B3-948B-1728B52AA6E4}">
-                <adec:decorative xmlns:adec="http://schemas.microsoft.com/office/drawing/2017/decorative" val="1"/>
+                <adec:decorative xmlns:adec="http://schemas.microsoft.com/office/drawing/2017/decorative" xmlns="" val="1"/>
               </a:ext>
             </a:extLst>
           </p:cNvPr>
@@ -10934,7 +11432,7 @@
                 <a16:creationId xmlns:a16="http://schemas.microsoft.com/office/drawing/2014/main" id="{61752F1D-FC0F-4103-9584-630E643CCDA6}"/>
               </a:ext>
               <a:ext uri="{C183D7F6-B498-43B3-948B-1728B52AA6E4}">
-                <adec:decorative xmlns:adec="http://schemas.microsoft.com/office/drawing/2017/decorative" val="1"/>
+                <adec:decorative xmlns:adec="http://schemas.microsoft.com/office/drawing/2017/decorative" xmlns="" val="1"/>
               </a:ext>
             </a:extLst>
           </p:cNvPr>
@@ -11286,7 +11784,7 @@
                 <a16:creationId xmlns:a16="http://schemas.microsoft.com/office/drawing/2014/main" id="{70151CB7-E7DE-4917-B831-01DF9CE01306}"/>
               </a:ext>
               <a:ext uri="{C183D7F6-B498-43B3-948B-1728B52AA6E4}">
-                <adec:decorative xmlns:adec="http://schemas.microsoft.com/office/drawing/2017/decorative" val="1"/>
+                <adec:decorative xmlns:adec="http://schemas.microsoft.com/office/drawing/2017/decorative" xmlns="" val="1"/>
               </a:ext>
             </a:extLst>
           </p:cNvPr>
@@ -11749,7 +12247,7 @@
                 <a16:creationId xmlns:a16="http://schemas.microsoft.com/office/drawing/2014/main" id="{A92A1116-1C84-41DF-B803-1F7B0883EC82}"/>
               </a:ext>
               <a:ext uri="{C183D7F6-B498-43B3-948B-1728B52AA6E4}">
-                <adec:decorative xmlns:adec="http://schemas.microsoft.com/office/drawing/2017/decorative" val="1"/>
+                <adec:decorative xmlns:adec="http://schemas.microsoft.com/office/drawing/2017/decorative" xmlns="" val="1"/>
               </a:ext>
             </a:extLst>
           </p:cNvPr>
@@ -11913,13 +12411,13 @@
   <p:clrMapOvr>
     <a:overrideClrMapping bg1="lt1" tx1="dk1" bg2="lt2" tx2="dk2" accent1="accent1" accent2="accent2" accent3="accent3" accent4="accent4" accent5="accent5" accent6="accent6" hlink="hlink" folHlink="folHlink"/>
   </p:clrMapOvr>
-  <mc:AlternateContent xmlns:mc="http://schemas.openxmlformats.org/markup-compatibility/2006">
-    <mc:Choice xmlns:p14="http://schemas.microsoft.com/office/powerpoint/2010/main" Requires="p14">
+  <mc:AlternateContent xmlns:mc="http://schemas.openxmlformats.org/markup-compatibility/2006" xmlns:p14="http://schemas.microsoft.com/office/powerpoint/2010/main">
+    <mc:Choice Requires="p14">
       <p:transition spd="med" p14:dur="700">
         <p:fade/>
       </p:transition>
     </mc:Choice>
-    <mc:Fallback>
+    <mc:Fallback xmlns="">
       <p:transition spd="med">
         <p:fade/>
       </p:transition>
@@ -11961,7 +12459,7 @@
                 <a16:creationId xmlns:a16="http://schemas.microsoft.com/office/drawing/2014/main" id="{B4AAD3FD-83A5-4B89-9F8F-01B8870865BE}"/>
               </a:ext>
               <a:ext uri="{C183D7F6-B498-43B3-948B-1728B52AA6E4}">
-                <adec:decorative xmlns:adec="http://schemas.microsoft.com/office/drawing/2017/decorative" val="1"/>
+                <adec:decorative xmlns:adec="http://schemas.microsoft.com/office/drawing/2017/decorative" xmlns="" val="1"/>
               </a:ext>
             </a:extLst>
           </p:cNvPr>
@@ -12060,7 +12558,7 @@
                 <a16:creationId xmlns:a16="http://schemas.microsoft.com/office/drawing/2014/main" id="{61752F1D-FC0F-4103-9584-630E643CCDA6}"/>
               </a:ext>
               <a:ext uri="{C183D7F6-B498-43B3-948B-1728B52AA6E4}">
-                <adec:decorative xmlns:adec="http://schemas.microsoft.com/office/drawing/2017/decorative" val="1"/>
+                <adec:decorative xmlns:adec="http://schemas.microsoft.com/office/drawing/2017/decorative" xmlns="" val="1"/>
               </a:ext>
             </a:extLst>
           </p:cNvPr>
@@ -12412,7 +12910,7 @@
                 <a16:creationId xmlns:a16="http://schemas.microsoft.com/office/drawing/2014/main" id="{70151CB7-E7DE-4917-B831-01DF9CE01306}"/>
               </a:ext>
               <a:ext uri="{C183D7F6-B498-43B3-948B-1728B52AA6E4}">
-                <adec:decorative xmlns:adec="http://schemas.microsoft.com/office/drawing/2017/decorative" val="1"/>
+                <adec:decorative xmlns:adec="http://schemas.microsoft.com/office/drawing/2017/decorative" xmlns="" val="1"/>
               </a:ext>
             </a:extLst>
           </p:cNvPr>
@@ -12875,7 +13373,7 @@
                 <a16:creationId xmlns:a16="http://schemas.microsoft.com/office/drawing/2014/main" id="{A92A1116-1C84-41DF-B803-1F7B0883EC82}"/>
               </a:ext>
               <a:ext uri="{C183D7F6-B498-43B3-948B-1728B52AA6E4}">
-                <adec:decorative xmlns:adec="http://schemas.microsoft.com/office/drawing/2017/decorative" val="1"/>
+                <adec:decorative xmlns:adec="http://schemas.microsoft.com/office/drawing/2017/decorative" xmlns="" val="1"/>
               </a:ext>
             </a:extLst>
           </p:cNvPr>
@@ -13081,13 +13579,13 @@
   <p:clrMapOvr>
     <a:overrideClrMapping bg1="lt1" tx1="dk1" bg2="lt2" tx2="dk2" accent1="accent1" accent2="accent2" accent3="accent3" accent4="accent4" accent5="accent5" accent6="accent6" hlink="hlink" folHlink="folHlink"/>
   </p:clrMapOvr>
-  <mc:AlternateContent xmlns:mc="http://schemas.openxmlformats.org/markup-compatibility/2006">
-    <mc:Choice xmlns:p14="http://schemas.microsoft.com/office/powerpoint/2010/main" Requires="p14">
+  <mc:AlternateContent xmlns:mc="http://schemas.openxmlformats.org/markup-compatibility/2006" xmlns:p14="http://schemas.microsoft.com/office/powerpoint/2010/main">
+    <mc:Choice Requires="p14">
       <p:transition spd="med" p14:dur="700">
         <p:fade/>
       </p:transition>
     </mc:Choice>
-    <mc:Fallback>
+    <mc:Fallback xmlns="">
       <p:transition spd="med">
         <p:fade/>
       </p:transition>
@@ -13163,21 +13661,27 @@
           <a:lstStyle/>
           <a:p>
             <a:r>
+              <a:rPr lang="fr-CH" dirty="0" smtClean="0"/>
+              <a:t>XF</a:t>
+            </a:r>
+            <a:endParaRPr lang="fr-CH" dirty="0" smtClean="0"/>
+          </a:p>
+          <a:p>
+            <a:r>
+              <a:rPr lang="fr-CH" dirty="0" smtClean="0"/>
+              <a:t>Machine </a:t>
+            </a:r>
+            <a:r>
               <a:rPr lang="fr-CH" dirty="0"/>
-              <a:t>Machine d’état</a:t>
-            </a:r>
-          </a:p>
-          <a:p>
-            <a:r>
-              <a:rPr lang="fr-CH" dirty="0"/>
-              <a:t>XF</a:t>
-            </a:r>
-          </a:p>
-          <a:p>
-            <a:r>
-              <a:rPr lang="fr-CH" dirty="0"/>
+              <a:t>d’état</a:t>
+            </a:r>
+          </a:p>
+          <a:p>
+            <a:r>
+              <a:rPr lang="fr-CH" dirty="0" smtClean="0"/>
               <a:t>Interruption</a:t>
             </a:r>
+            <a:endParaRPr lang="fr-CH" dirty="0"/>
           </a:p>
           <a:p>
             <a:r>
@@ -13201,13 +13705,13 @@
   <p:clrMapOvr>
     <a:masterClrMapping/>
   </p:clrMapOvr>
-  <mc:AlternateContent xmlns:mc="http://schemas.openxmlformats.org/markup-compatibility/2006">
-    <mc:Choice xmlns:p14="http://schemas.microsoft.com/office/powerpoint/2010/main" Requires="p14">
+  <mc:AlternateContent xmlns:mc="http://schemas.openxmlformats.org/markup-compatibility/2006" xmlns:p14="http://schemas.microsoft.com/office/powerpoint/2010/main">
+    <mc:Choice Requires="p14">
       <p:transition spd="med" p14:dur="700">
         <p:fade/>
       </p:transition>
     </mc:Choice>
-    <mc:Fallback>
+    <mc:Fallback xmlns="">
       <p:transition spd="med">
         <p:fade/>
       </p:transition>
@@ -13249,7 +13753,7 @@
                 <a16:creationId xmlns:a16="http://schemas.microsoft.com/office/drawing/2014/main" id="{B4AAD3FD-83A5-4B89-9F8F-01B8870865BE}"/>
               </a:ext>
               <a:ext uri="{C183D7F6-B498-43B3-948B-1728B52AA6E4}">
-                <adec:decorative xmlns:adec="http://schemas.microsoft.com/office/drawing/2017/decorative" val="1"/>
+                <adec:decorative xmlns:adec="http://schemas.microsoft.com/office/drawing/2017/decorative" xmlns="" val="1"/>
               </a:ext>
             </a:extLst>
           </p:cNvPr>
@@ -13348,7 +13852,7 @@
                 <a16:creationId xmlns:a16="http://schemas.microsoft.com/office/drawing/2014/main" id="{61752F1D-FC0F-4103-9584-630E643CCDA6}"/>
               </a:ext>
               <a:ext uri="{C183D7F6-B498-43B3-948B-1728B52AA6E4}">
-                <adec:decorative xmlns:adec="http://schemas.microsoft.com/office/drawing/2017/decorative" val="1"/>
+                <adec:decorative xmlns:adec="http://schemas.microsoft.com/office/drawing/2017/decorative" xmlns="" val="1"/>
               </a:ext>
             </a:extLst>
           </p:cNvPr>
@@ -13700,7 +14204,7 @@
                 <a16:creationId xmlns:a16="http://schemas.microsoft.com/office/drawing/2014/main" id="{70151CB7-E7DE-4917-B831-01DF9CE01306}"/>
               </a:ext>
               <a:ext uri="{C183D7F6-B498-43B3-948B-1728B52AA6E4}">
-                <adec:decorative xmlns:adec="http://schemas.microsoft.com/office/drawing/2017/decorative" val="1"/>
+                <adec:decorative xmlns:adec="http://schemas.microsoft.com/office/drawing/2017/decorative" xmlns="" val="1"/>
               </a:ext>
             </a:extLst>
           </p:cNvPr>
@@ -14163,7 +14667,7 @@
                 <a16:creationId xmlns:a16="http://schemas.microsoft.com/office/drawing/2014/main" id="{A92A1116-1C84-41DF-B803-1F7B0883EC82}"/>
               </a:ext>
               <a:ext uri="{C183D7F6-B498-43B3-948B-1728B52AA6E4}">
-                <adec:decorative xmlns:adec="http://schemas.microsoft.com/office/drawing/2017/decorative" val="1"/>
+                <adec:decorative xmlns:adec="http://schemas.microsoft.com/office/drawing/2017/decorative" xmlns="" val="1"/>
               </a:ext>
             </a:extLst>
           </p:cNvPr>
@@ -14352,13 +14856,13 @@
   <p:clrMapOvr>
     <a:overrideClrMapping bg1="lt1" tx1="dk1" bg2="lt2" tx2="dk2" accent1="accent1" accent2="accent2" accent3="accent3" accent4="accent4" accent5="accent5" accent6="accent6" hlink="hlink" folHlink="folHlink"/>
   </p:clrMapOvr>
-  <mc:AlternateContent xmlns:mc="http://schemas.openxmlformats.org/markup-compatibility/2006">
-    <mc:Choice xmlns:p14="http://schemas.microsoft.com/office/powerpoint/2010/main" Requires="p14">
+  <mc:AlternateContent xmlns:mc="http://schemas.openxmlformats.org/markup-compatibility/2006" xmlns:p14="http://schemas.microsoft.com/office/powerpoint/2010/main">
+    <mc:Choice Requires="p14">
       <p:transition spd="med" p14:dur="700">
         <p:fade/>
       </p:transition>
     </mc:Choice>
-    <mc:Fallback>
+    <mc:Fallback xmlns="">
       <p:transition spd="med">
         <p:fade/>
       </p:transition>
@@ -14400,7 +14904,7 @@
                 <a16:creationId xmlns:a16="http://schemas.microsoft.com/office/drawing/2014/main" id="{B4AAD3FD-83A5-4B89-9F8F-01B8870865BE}"/>
               </a:ext>
               <a:ext uri="{C183D7F6-B498-43B3-948B-1728B52AA6E4}">
-                <adec:decorative xmlns:adec="http://schemas.microsoft.com/office/drawing/2017/decorative" val="1"/>
+                <adec:decorative xmlns:adec="http://schemas.microsoft.com/office/drawing/2017/decorative" xmlns="" val="1"/>
               </a:ext>
             </a:extLst>
           </p:cNvPr>
@@ -14504,7 +15008,7 @@
                 <a16:creationId xmlns:a16="http://schemas.microsoft.com/office/drawing/2014/main" id="{61752F1D-FC0F-4103-9584-630E643CCDA6}"/>
               </a:ext>
               <a:ext uri="{C183D7F6-B498-43B3-948B-1728B52AA6E4}">
-                <adec:decorative xmlns:adec="http://schemas.microsoft.com/office/drawing/2017/decorative" val="1"/>
+                <adec:decorative xmlns:adec="http://schemas.microsoft.com/office/drawing/2017/decorative" xmlns="" val="1"/>
               </a:ext>
             </a:extLst>
           </p:cNvPr>
@@ -14856,7 +15360,7 @@
                 <a16:creationId xmlns:a16="http://schemas.microsoft.com/office/drawing/2014/main" id="{70151CB7-E7DE-4917-B831-01DF9CE01306}"/>
               </a:ext>
               <a:ext uri="{C183D7F6-B498-43B3-948B-1728B52AA6E4}">
-                <adec:decorative xmlns:adec="http://schemas.microsoft.com/office/drawing/2017/decorative" val="1"/>
+                <adec:decorative xmlns:adec="http://schemas.microsoft.com/office/drawing/2017/decorative" xmlns="" val="1"/>
               </a:ext>
             </a:extLst>
           </p:cNvPr>
@@ -15350,7 +15854,7 @@
                 <a16:creationId xmlns:a16="http://schemas.microsoft.com/office/drawing/2014/main" id="{A92A1116-1C84-41DF-B803-1F7B0883EC82}"/>
               </a:ext>
               <a:ext uri="{C183D7F6-B498-43B3-948B-1728B52AA6E4}">
-                <adec:decorative xmlns:adec="http://schemas.microsoft.com/office/drawing/2017/decorative" val="1"/>
+                <adec:decorative xmlns:adec="http://schemas.microsoft.com/office/drawing/2017/decorative" xmlns="" val="1"/>
               </a:ext>
             </a:extLst>
           </p:cNvPr>
@@ -15485,13 +15989,13 @@
   <p:clrMapOvr>
     <a:overrideClrMapping bg1="lt1" tx1="dk1" bg2="lt2" tx2="dk2" accent1="accent1" accent2="accent2" accent3="accent3" accent4="accent4" accent5="accent5" accent6="accent6" hlink="hlink" folHlink="folHlink"/>
   </p:clrMapOvr>
-  <mc:AlternateContent xmlns:mc="http://schemas.openxmlformats.org/markup-compatibility/2006">
-    <mc:Choice xmlns:p14="http://schemas.microsoft.com/office/powerpoint/2010/main" Requires="p14">
+  <mc:AlternateContent xmlns:mc="http://schemas.openxmlformats.org/markup-compatibility/2006" xmlns:p14="http://schemas.microsoft.com/office/powerpoint/2010/main">
+    <mc:Choice Requires="p14">
       <p:transition spd="med" p14:dur="700">
         <p:fade/>
       </p:transition>
     </mc:Choice>
-    <mc:Fallback>
+    <mc:Fallback xmlns="">
       <p:transition spd="med">
         <p:fade/>
       </p:transition>
@@ -15533,7 +16037,7 @@
                 <a16:creationId xmlns:a16="http://schemas.microsoft.com/office/drawing/2014/main" id="{B4AAD3FD-83A5-4B89-9F8F-01B8870865BE}"/>
               </a:ext>
               <a:ext uri="{C183D7F6-B498-43B3-948B-1728B52AA6E4}">
-                <adec:decorative xmlns:adec="http://schemas.microsoft.com/office/drawing/2017/decorative" val="1"/>
+                <adec:decorative xmlns:adec="http://schemas.microsoft.com/office/drawing/2017/decorative" xmlns="" val="1"/>
               </a:ext>
             </a:extLst>
           </p:cNvPr>
@@ -15640,7 +16144,7 @@
                 <a16:creationId xmlns:a16="http://schemas.microsoft.com/office/drawing/2014/main" id="{61752F1D-FC0F-4103-9584-630E643CCDA6}"/>
               </a:ext>
               <a:ext uri="{C183D7F6-B498-43B3-948B-1728B52AA6E4}">
-                <adec:decorative xmlns:adec="http://schemas.microsoft.com/office/drawing/2017/decorative" val="1"/>
+                <adec:decorative xmlns:adec="http://schemas.microsoft.com/office/drawing/2017/decorative" xmlns="" val="1"/>
               </a:ext>
             </a:extLst>
           </p:cNvPr>
@@ -15992,7 +16496,7 @@
                 <a16:creationId xmlns:a16="http://schemas.microsoft.com/office/drawing/2014/main" id="{70151CB7-E7DE-4917-B831-01DF9CE01306}"/>
               </a:ext>
               <a:ext uri="{C183D7F6-B498-43B3-948B-1728B52AA6E4}">
-                <adec:decorative xmlns:adec="http://schemas.microsoft.com/office/drawing/2017/decorative" val="1"/>
+                <adec:decorative xmlns:adec="http://schemas.microsoft.com/office/drawing/2017/decorative" xmlns="" val="1"/>
               </a:ext>
             </a:extLst>
           </p:cNvPr>
@@ -16486,7 +16990,7 @@
                 <a16:creationId xmlns:a16="http://schemas.microsoft.com/office/drawing/2014/main" id="{A92A1116-1C84-41DF-B803-1F7B0883EC82}"/>
               </a:ext>
               <a:ext uri="{C183D7F6-B498-43B3-948B-1728B52AA6E4}">
-                <adec:decorative xmlns:adec="http://schemas.microsoft.com/office/drawing/2017/decorative" val="1"/>
+                <adec:decorative xmlns:adec="http://schemas.microsoft.com/office/drawing/2017/decorative" xmlns="" val="1"/>
               </a:ext>
             </a:extLst>
           </p:cNvPr>
@@ -16634,13 +17138,13 @@
   <p:clrMapOvr>
     <a:overrideClrMapping bg1="lt1" tx1="dk1" bg2="lt2" tx2="dk2" accent1="accent1" accent2="accent2" accent3="accent3" accent4="accent4" accent5="accent5" accent6="accent6" hlink="hlink" folHlink="folHlink"/>
   </p:clrMapOvr>
-  <mc:AlternateContent xmlns:mc="http://schemas.openxmlformats.org/markup-compatibility/2006">
-    <mc:Choice xmlns:p14="http://schemas.microsoft.com/office/powerpoint/2010/main" Requires="p14">
+  <mc:AlternateContent xmlns:mc="http://schemas.openxmlformats.org/markup-compatibility/2006" xmlns:p14="http://schemas.microsoft.com/office/powerpoint/2010/main">
+    <mc:Choice Requires="p14">
       <p:transition spd="med" p14:dur="700">
         <p:fade/>
       </p:transition>
     </mc:Choice>
-    <mc:Fallback>
+    <mc:Fallback xmlns="">
       <p:transition spd="med">
         <p:fade/>
       </p:transition>
@@ -16682,7 +17186,7 @@
                 <a16:creationId xmlns:a16="http://schemas.microsoft.com/office/drawing/2014/main" id="{5F3FC718-FDE3-4EF7-921E-A5F374EAF824}"/>
               </a:ext>
               <a:ext uri="{C183D7F6-B498-43B3-948B-1728B52AA6E4}">
-                <adec:decorative xmlns:adec="http://schemas.microsoft.com/office/drawing/2017/decorative" val="1"/>
+                <adec:decorative xmlns:adec="http://schemas.microsoft.com/office/drawing/2017/decorative" xmlns="" val="1"/>
               </a:ext>
             </a:extLst>
           </p:cNvPr>
@@ -16786,7 +17290,7 @@
                 <a16:creationId xmlns:a16="http://schemas.microsoft.com/office/drawing/2014/main" id="{FAA0F719-3DC8-4F08-AD8F-5A845658CB9D}"/>
               </a:ext>
               <a:ext uri="{C183D7F6-B498-43B3-948B-1728B52AA6E4}">
-                <adec:decorative xmlns:adec="http://schemas.microsoft.com/office/drawing/2017/decorative" val="1"/>
+                <adec:decorative xmlns:adec="http://schemas.microsoft.com/office/drawing/2017/decorative" xmlns="" val="1"/>
               </a:ext>
             </a:extLst>
           </p:cNvPr>
@@ -17138,7 +17642,7 @@
                 <a16:creationId xmlns:a16="http://schemas.microsoft.com/office/drawing/2014/main" id="{7DCB61BE-FA0F-4EFB-BE0E-268BAD8E30D6}"/>
               </a:ext>
               <a:ext uri="{C183D7F6-B498-43B3-948B-1728B52AA6E4}">
-                <adec:decorative xmlns:adec="http://schemas.microsoft.com/office/drawing/2017/decorative" val="1"/>
+                <adec:decorative xmlns:adec="http://schemas.microsoft.com/office/drawing/2017/decorative" xmlns="" val="1"/>
               </a:ext>
             </a:extLst>
           </p:cNvPr>
@@ -17601,7 +18105,7 @@
                 <a16:creationId xmlns:a16="http://schemas.microsoft.com/office/drawing/2014/main" id="{A4B31EAA-7423-46F7-9B90-4AB2B09C35C4}"/>
               </a:ext>
               <a:ext uri="{C183D7F6-B498-43B3-948B-1728B52AA6E4}">
-                <adec:decorative xmlns:adec="http://schemas.microsoft.com/office/drawing/2017/decorative" val="1"/>
+                <adec:decorative xmlns:adec="http://schemas.microsoft.com/office/drawing/2017/decorative" xmlns="" val="1"/>
               </a:ext>
             </a:extLst>
           </p:cNvPr>
@@ -17804,13 +18308,13 @@
   <p:clrMapOvr>
     <a:overrideClrMapping bg1="lt1" tx1="dk1" bg2="lt2" tx2="dk2" accent1="accent1" accent2="accent2" accent3="accent3" accent4="accent4" accent5="accent5" accent6="accent6" hlink="hlink" folHlink="folHlink"/>
   </p:clrMapOvr>
-  <mc:AlternateContent xmlns:mc="http://schemas.openxmlformats.org/markup-compatibility/2006">
-    <mc:Choice xmlns:p14="http://schemas.microsoft.com/office/powerpoint/2010/main" Requires="p14">
+  <mc:AlternateContent xmlns:mc="http://schemas.openxmlformats.org/markup-compatibility/2006" xmlns:p14="http://schemas.microsoft.com/office/powerpoint/2010/main">
+    <mc:Choice Requires="p14">
       <p:transition spd="med" p14:dur="700">
         <p:fade/>
       </p:transition>
     </mc:Choice>
-    <mc:Fallback>
+    <mc:Fallback xmlns="">
       <p:transition spd="med">
         <p:fade/>
       </p:transition>

--- a/Presentation_METS_ZUFL.pptx
+++ b/Presentation_METS_ZUFL.pptx
@@ -365,7 +365,7 @@
           <a:p>
             <a:fld id="{71458C09-3723-441D-BAFD-73EAAEEFBB29}" type="slidenum">
               <a:rPr lang="fr-CH" smtClean="0"/>
-              <a:t>‹#›</a:t>
+              <a:t>‹N°›</a:t>
             </a:fld>
             <a:endParaRPr lang="fr-CH"/>
           </a:p>
@@ -697,7 +697,6 @@
               <a:rPr lang="fr-CH" dirty="0"/>
               <a:t>SEB: </a:t>
             </a:r>
-            <a:endParaRPr lang="fr-CH" dirty="0" smtClean="0"/>
           </a:p>
           <a:p>
             <a:pPr marL="171450" indent="-171450">
@@ -705,11 +704,11 @@
               <a:buChar char="-"/>
             </a:pPr>
             <a:r>
-              <a:rPr lang="fr-CH" baseline="0" dirty="0" smtClean="0"/>
+              <a:rPr lang="fr-CH" baseline="0" dirty="0"/>
               <a:t>2 pile AAA </a:t>
             </a:r>
             <a:r>
-              <a:rPr lang="fr-CH" baseline="0" dirty="0" smtClean="0">
+              <a:rPr lang="fr-CH" baseline="0" dirty="0">
                 <a:sym typeface="Wingdings" panose="05000000000000000000" pitchFamily="2" charset="2"/>
               </a:rPr>
               <a:t> +3V</a:t>
@@ -720,7 +719,7 @@
               <a:buFontTx/>
               <a:buChar char="-"/>
             </a:pPr>
-            <a:endParaRPr lang="fr-CH" baseline="0" dirty="0" smtClean="0">
+            <a:endParaRPr lang="fr-CH" baseline="0" dirty="0">
               <a:sym typeface="Wingdings" panose="05000000000000000000" pitchFamily="2" charset="2"/>
             </a:endParaRPr>
           </a:p>
@@ -730,13 +729,13 @@
               <a:buChar char="-"/>
             </a:pPr>
             <a:r>
-              <a:rPr lang="fr-CH" baseline="0" dirty="0" err="1" smtClean="0">
+              <a:rPr lang="fr-CH" baseline="0" dirty="0" err="1">
                 <a:sym typeface="Wingdings" panose="05000000000000000000" pitchFamily="2" charset="2"/>
               </a:rPr>
               <a:t>MosfetN</a:t>
             </a:r>
             <a:r>
-              <a:rPr lang="fr-CH" baseline="0" dirty="0" smtClean="0">
+              <a:rPr lang="fr-CH" baseline="0" dirty="0">
                 <a:sym typeface="Wingdings" panose="05000000000000000000" pitchFamily="2" charset="2"/>
               </a:rPr>
               <a:t> SI2308  protection inv. Polarité</a:t>
@@ -747,7 +746,7 @@
               <a:buFontTx/>
               <a:buChar char="-"/>
             </a:pPr>
-            <a:endParaRPr lang="fr-CH" baseline="0" dirty="0" smtClean="0">
+            <a:endParaRPr lang="fr-CH" baseline="0" dirty="0">
               <a:sym typeface="Wingdings" panose="05000000000000000000" pitchFamily="2" charset="2"/>
             </a:endParaRPr>
           </a:p>
@@ -757,11 +756,11 @@
               <a:buChar char="-"/>
             </a:pPr>
             <a:r>
-              <a:rPr lang="fr-CH" dirty="0" smtClean="0"/>
+              <a:rPr lang="fr-CH" dirty="0"/>
               <a:t>RDSON faible</a:t>
             </a:r>
             <a:r>
-              <a:rPr lang="fr-CH" baseline="0" dirty="0" smtClean="0">
+              <a:rPr lang="fr-CH" baseline="0" dirty="0">
                 <a:sym typeface="Wingdings" panose="05000000000000000000" pitchFamily="2" charset="2"/>
               </a:rPr>
               <a:t> ici 75mOhm  peu de chute de tension sur le mos</a:t>
@@ -772,7 +771,7 @@
               <a:buFontTx/>
               <a:buChar char="-"/>
             </a:pPr>
-            <a:endParaRPr lang="fr-CH" baseline="0" dirty="0" smtClean="0">
+            <a:endParaRPr lang="fr-CH" baseline="0" dirty="0">
               <a:sym typeface="Wingdings" panose="05000000000000000000" pitchFamily="2" charset="2"/>
             </a:endParaRPr>
           </a:p>
@@ -782,48 +781,48 @@
               <a:buChar char="-"/>
             </a:pPr>
             <a:r>
-              <a:rPr lang="fr-CH" baseline="0" dirty="0" err="1" smtClean="0">
+              <a:rPr lang="fr-CH" baseline="0" dirty="0" err="1">
                 <a:sym typeface="Wingdings" panose="05000000000000000000" pitchFamily="2" charset="2"/>
               </a:rPr>
               <a:t>MosfteN</a:t>
             </a:r>
             <a:r>
-              <a:rPr lang="fr-CH" baseline="0" dirty="0" smtClean="0">
+              <a:rPr lang="fr-CH" baseline="0" dirty="0">
                 <a:sym typeface="Wingdings" panose="05000000000000000000" pitchFamily="2" charset="2"/>
               </a:rPr>
               <a:t> couper alim </a:t>
             </a:r>
             <a:r>
-              <a:rPr lang="fr-CH" baseline="0" dirty="0" err="1" smtClean="0">
+              <a:rPr lang="fr-CH" baseline="0" dirty="0" err="1">
                 <a:sym typeface="Wingdings" panose="05000000000000000000" pitchFamily="2" charset="2"/>
               </a:rPr>
               <a:t>backlight</a:t>
             </a:r>
             <a:r>
-              <a:rPr lang="fr-CH" baseline="0" dirty="0" smtClean="0">
+              <a:rPr lang="fr-CH" baseline="0" dirty="0">
                 <a:sym typeface="Wingdings" panose="05000000000000000000" pitchFamily="2" charset="2"/>
               </a:rPr>
               <a:t> et LCD  </a:t>
             </a:r>
             <a:r>
-              <a:rPr lang="fr-CH" baseline="0" dirty="0" err="1" smtClean="0">
+              <a:rPr lang="fr-CH" baseline="0" dirty="0" err="1">
                 <a:sym typeface="Wingdings" panose="05000000000000000000" pitchFamily="2" charset="2"/>
               </a:rPr>
               <a:t>economie</a:t>
             </a:r>
             <a:r>
-              <a:rPr lang="fr-CH" baseline="0" dirty="0" smtClean="0">
+              <a:rPr lang="fr-CH" baseline="0" dirty="0">
                 <a:sym typeface="Wingdings" panose="05000000000000000000" pitchFamily="2" charset="2"/>
               </a:rPr>
               <a:t> </a:t>
             </a:r>
             <a:r>
-              <a:rPr lang="fr-CH" baseline="0" dirty="0" err="1" smtClean="0">
+              <a:rPr lang="fr-CH" baseline="0" dirty="0" err="1">
                 <a:sym typeface="Wingdings" panose="05000000000000000000" pitchFamily="2" charset="2"/>
               </a:rPr>
               <a:t>energie</a:t>
             </a:r>
-            <a:endParaRPr lang="fr-CH" dirty="0" smtClean="0"/>
+            <a:endParaRPr lang="fr-CH" dirty="0"/>
           </a:p>
         </p:txBody>
       </p:sp>
@@ -1161,7 +1160,6 @@
               <a:rPr lang="fr-CH" dirty="0"/>
               <a:t>SEB: </a:t>
             </a:r>
-            <a:endParaRPr lang="fr-CH" dirty="0" smtClean="0"/>
           </a:p>
           <a:p>
             <a:pPr marL="171450" indent="-171450">
@@ -1169,57 +1167,57 @@
               <a:buChar char="-"/>
             </a:pPr>
             <a:r>
-              <a:rPr lang="fr-CH" dirty="0" smtClean="0"/>
+              <a:rPr lang="fr-CH" dirty="0"/>
               <a:t>XF</a:t>
             </a:r>
             <a:r>
-              <a:rPr lang="fr-CH" baseline="0" dirty="0" smtClean="0"/>
+              <a:rPr lang="fr-CH" baseline="0" dirty="0"/>
               <a:t> permet d’ajouter des </a:t>
             </a:r>
             <a:r>
-              <a:rPr lang="fr-CH" baseline="0" dirty="0" err="1" smtClean="0"/>
+              <a:rPr lang="fr-CH" baseline="0" dirty="0" err="1"/>
               <a:t>evenemnt</a:t>
             </a:r>
             <a:r>
-              <a:rPr lang="fr-CH" baseline="0" dirty="0" smtClean="0"/>
+              <a:rPr lang="fr-CH" baseline="0" dirty="0"/>
               <a:t> dans une liste et des </a:t>
             </a:r>
             <a:r>
-              <a:rPr lang="fr-CH" baseline="0" dirty="0" err="1" smtClean="0"/>
+              <a:rPr lang="fr-CH" baseline="0" dirty="0" err="1"/>
               <a:t>evenement</a:t>
             </a:r>
             <a:r>
-              <a:rPr lang="fr-CH" baseline="0" dirty="0" smtClean="0"/>
+              <a:rPr lang="fr-CH" baseline="0" dirty="0"/>
               <a:t> </a:t>
             </a:r>
             <a:r>
-              <a:rPr lang="fr-CH" baseline="0" dirty="0" err="1" smtClean="0"/>
+              <a:rPr lang="fr-CH" baseline="0" dirty="0" err="1"/>
               <a:t>timer</a:t>
             </a:r>
             <a:r>
-              <a:rPr lang="fr-CH" baseline="0" dirty="0" smtClean="0"/>
+              <a:rPr lang="fr-CH" baseline="0" dirty="0"/>
               <a:t> dans une </a:t>
             </a:r>
             <a:r>
-              <a:rPr lang="fr-CH" baseline="0" dirty="0" err="1" smtClean="0"/>
+              <a:rPr lang="fr-CH" baseline="0" dirty="0" err="1"/>
               <a:t>list</a:t>
             </a:r>
             <a:r>
-              <a:rPr lang="fr-CH" baseline="0" dirty="0" smtClean="0"/>
+              <a:rPr lang="fr-CH" baseline="0" dirty="0"/>
               <a:t> </a:t>
             </a:r>
             <a:r>
-              <a:rPr lang="fr-CH" baseline="0" dirty="0" err="1" smtClean="0"/>
+              <a:rPr lang="fr-CH" baseline="0" dirty="0" err="1"/>
               <a:t>timer</a:t>
             </a:r>
-            <a:endParaRPr lang="fr-CH" baseline="0" dirty="0" smtClean="0"/>
+            <a:endParaRPr lang="fr-CH" baseline="0" dirty="0"/>
           </a:p>
           <a:p>
             <a:pPr marL="171450" indent="-171450">
               <a:buFontTx/>
               <a:buChar char="-"/>
             </a:pPr>
-            <a:endParaRPr lang="fr-CH" baseline="0" dirty="0" smtClean="0"/>
+            <a:endParaRPr lang="fr-CH" baseline="0" dirty="0"/>
           </a:p>
           <a:p>
             <a:pPr marL="171450" indent="-171450">
@@ -1227,37 +1225,37 @@
               <a:buChar char="-"/>
             </a:pPr>
             <a:r>
-              <a:rPr lang="fr-CH" baseline="0" dirty="0" smtClean="0"/>
+              <a:rPr lang="fr-CH" baseline="0" dirty="0"/>
               <a:t>4 machine d’état: display </a:t>
             </a:r>
             <a:r>
-              <a:rPr lang="fr-CH" baseline="0" dirty="0" err="1" smtClean="0"/>
+              <a:rPr lang="fr-CH" baseline="0" dirty="0" err="1"/>
               <a:t>gameController</a:t>
             </a:r>
             <a:r>
-              <a:rPr lang="fr-CH" baseline="0" dirty="0" smtClean="0"/>
+              <a:rPr lang="fr-CH" baseline="0" dirty="0"/>
               <a:t> </a:t>
             </a:r>
             <a:r>
-              <a:rPr lang="fr-CH" baseline="0" dirty="0" err="1" smtClean="0"/>
+              <a:rPr lang="fr-CH" baseline="0" dirty="0" err="1"/>
               <a:t>tsc</a:t>
             </a:r>
             <a:r>
-              <a:rPr lang="fr-CH" baseline="0" dirty="0" smtClean="0"/>
+              <a:rPr lang="fr-CH" baseline="0" dirty="0"/>
               <a:t>, </a:t>
             </a:r>
             <a:r>
-              <a:rPr lang="fr-CH" baseline="0" dirty="0" err="1" smtClean="0"/>
+              <a:rPr lang="fr-CH" baseline="0" dirty="0" err="1"/>
               <a:t>sleep</a:t>
             </a:r>
-            <a:endParaRPr lang="fr-CH" baseline="0" dirty="0" smtClean="0"/>
+            <a:endParaRPr lang="fr-CH" baseline="0" dirty="0"/>
           </a:p>
           <a:p>
             <a:pPr marL="171450" indent="-171450">
               <a:buFontTx/>
               <a:buChar char="-"/>
             </a:pPr>
-            <a:endParaRPr lang="fr-CH" baseline="0" dirty="0" smtClean="0"/>
+            <a:endParaRPr lang="fr-CH" baseline="0" dirty="0"/>
           </a:p>
           <a:p>
             <a:pPr marL="171450" indent="-171450">
@@ -1265,15 +1263,15 @@
               <a:buChar char="-"/>
             </a:pPr>
             <a:r>
-              <a:rPr lang="fr-CH" baseline="0" dirty="0" smtClean="0"/>
+              <a:rPr lang="fr-CH" baseline="0" dirty="0"/>
               <a:t>1 interruption bouton pour </a:t>
             </a:r>
             <a:r>
-              <a:rPr lang="fr-CH" baseline="0" dirty="0" err="1" smtClean="0"/>
+              <a:rPr lang="fr-CH" baseline="0" dirty="0" err="1"/>
               <a:t>press</a:t>
             </a:r>
             <a:r>
-              <a:rPr lang="fr-CH" baseline="0" dirty="0" smtClean="0"/>
+              <a:rPr lang="fr-CH" baseline="0" dirty="0"/>
               <a:t> et release INTEDG!=INTEDG</a:t>
             </a:r>
           </a:p>
@@ -1282,7 +1280,7 @@
               <a:buFontTx/>
               <a:buChar char="-"/>
             </a:pPr>
-            <a:endParaRPr lang="fr-CH" baseline="0" dirty="0" smtClean="0"/>
+            <a:endParaRPr lang="fr-CH" baseline="0" dirty="0"/>
           </a:p>
           <a:p>
             <a:pPr marL="171450" indent="-171450">
@@ -1290,28 +1288,82 @@
               <a:buChar char="-"/>
             </a:pPr>
             <a:r>
-              <a:rPr lang="fr-CH" baseline="0" dirty="0" smtClean="0"/>
+              <a:rPr lang="fr-CH" baseline="0" dirty="0"/>
               <a:t>1 interruption </a:t>
             </a:r>
             <a:r>
-              <a:rPr lang="fr-CH" baseline="0" dirty="0" err="1" smtClean="0"/>
+              <a:rPr lang="fr-CH" baseline="0" dirty="0" err="1"/>
               <a:t>timer</a:t>
             </a:r>
             <a:r>
-              <a:rPr lang="fr-CH" baseline="0" dirty="0" smtClean="0"/>
+              <a:rPr lang="fr-CH" baseline="0" dirty="0"/>
               <a:t> 1 ms</a:t>
             </a:r>
             <a:r>
-              <a:rPr lang="fr-CH" baseline="0" dirty="0" smtClean="0">
+              <a:rPr lang="fr-CH" baseline="0" dirty="0">
                 <a:sym typeface="Wingdings" panose="05000000000000000000" pitchFamily="2" charset="2"/>
               </a:rPr>
               <a:t> décrémente la liste des </a:t>
             </a:r>
             <a:r>
-              <a:rPr lang="fr-CH" baseline="0" dirty="0" err="1" smtClean="0">
+              <a:rPr lang="fr-CH" baseline="0" dirty="0" err="1">
                 <a:sym typeface="Wingdings" panose="05000000000000000000" pitchFamily="2" charset="2"/>
               </a:rPr>
               <a:t>timer</a:t>
+            </a:r>
+            <a:endParaRPr lang="fr-CH" baseline="0" dirty="0">
+              <a:sym typeface="Wingdings" panose="05000000000000000000" pitchFamily="2" charset="2"/>
+            </a:endParaRPr>
+          </a:p>
+          <a:p>
+            <a:pPr marL="171450" indent="-171450">
+              <a:buFontTx/>
+              <a:buChar char="-"/>
+            </a:pPr>
+            <a:endParaRPr lang="fr-CH" baseline="0" dirty="0">
+              <a:sym typeface="Wingdings" panose="05000000000000000000" pitchFamily="2" charset="2"/>
+            </a:endParaRPr>
+          </a:p>
+          <a:p>
+            <a:pPr marL="171450" indent="-171450">
+              <a:buFontTx/>
+              <a:buChar char="-"/>
+            </a:pPr>
+            <a:r>
+              <a:rPr lang="fr-CH" baseline="0" dirty="0" err="1">
+                <a:sym typeface="Wingdings" panose="05000000000000000000" pitchFamily="2" charset="2"/>
+              </a:rPr>
+              <a:t>Struct</a:t>
+            </a:r>
+            <a:r>
+              <a:rPr lang="fr-CH" baseline="0" dirty="0">
+                <a:sym typeface="Wingdings" panose="05000000000000000000" pitchFamily="2" charset="2"/>
+              </a:rPr>
+              <a:t>  sauvegarder </a:t>
+            </a:r>
+            <a:r>
+              <a:rPr lang="fr-CH" baseline="0" dirty="0" err="1">
+                <a:sym typeface="Wingdings" panose="05000000000000000000" pitchFamily="2" charset="2"/>
+              </a:rPr>
+              <a:t>element</a:t>
+            </a:r>
+            <a:r>
+              <a:rPr lang="fr-CH" baseline="0" dirty="0">
+                <a:sym typeface="Wingdings" panose="05000000000000000000" pitchFamily="2" charset="2"/>
+              </a:rPr>
+              <a:t> jeux (</a:t>
+            </a:r>
+            <a:r>
+              <a:rPr lang="fr-CH" baseline="0" dirty="0" err="1">
+                <a:sym typeface="Wingdings" panose="05000000000000000000" pitchFamily="2" charset="2"/>
+              </a:rPr>
+              <a:t>paddle,ball,btn,score</a:t>
+            </a:r>
+            <a:r>
+              <a:rPr lang="fr-CH" baseline="0">
+                <a:sym typeface="Wingdings" panose="05000000000000000000" pitchFamily="2" charset="2"/>
+              </a:rPr>
+              <a:t>,…)</a:t>
             </a:r>
             <a:endParaRPr lang="fr-CH" dirty="0"/>
           </a:p>
@@ -1655,15 +1707,11 @@
           <a:p>
             <a:r>
               <a:rPr lang="fr-CH" dirty="0"/>
-              <a:t>SEB</a:t>
-            </a:r>
-            <a:r>
-              <a:rPr lang="fr-CH" dirty="0" smtClean="0"/>
-              <a:t>:</a:t>
-            </a:r>
-          </a:p>
-          <a:p>
-            <a:endParaRPr lang="fr-CH" dirty="0" smtClean="0"/>
+              <a:t>SEB:</a:t>
+            </a:r>
+          </a:p>
+          <a:p>
+            <a:endParaRPr lang="fr-CH" dirty="0"/>
           </a:p>
           <a:p>
             <a:pPr marL="171450" indent="-171450">
@@ -1671,25 +1719,25 @@
               <a:buChar char="-"/>
             </a:pPr>
             <a:r>
-              <a:rPr lang="fr-CH" dirty="0" smtClean="0"/>
+              <a:rPr lang="fr-CH" dirty="0"/>
               <a:t>Default</a:t>
             </a:r>
             <a:r>
-              <a:rPr lang="fr-CH" baseline="0" dirty="0" smtClean="0"/>
+              <a:rPr lang="fr-CH" baseline="0" dirty="0"/>
               <a:t> state </a:t>
             </a:r>
             <a:r>
-              <a:rPr lang="fr-CH" baseline="0" dirty="0" err="1" smtClean="0"/>
+              <a:rPr lang="fr-CH" baseline="0" dirty="0" err="1"/>
               <a:t>wakeup</a:t>
             </a:r>
-            <a:endParaRPr lang="fr-CH" baseline="0" dirty="0" smtClean="0"/>
+            <a:endParaRPr lang="fr-CH" baseline="0" dirty="0"/>
           </a:p>
           <a:p>
             <a:pPr marL="171450" indent="-171450">
               <a:buFontTx/>
               <a:buChar char="-"/>
             </a:pPr>
-            <a:endParaRPr lang="fr-CH" baseline="0" dirty="0" smtClean="0"/>
+            <a:endParaRPr lang="fr-CH" baseline="0" dirty="0"/>
           </a:p>
           <a:p>
             <a:pPr marL="171450" indent="-171450">
@@ -1697,27 +1745,27 @@
               <a:buChar char="-"/>
             </a:pPr>
             <a:r>
-              <a:rPr lang="fr-CH" baseline="0" dirty="0" err="1" smtClean="0"/>
+              <a:rPr lang="fr-CH" baseline="0" dirty="0" err="1"/>
               <a:t>Sleep</a:t>
             </a:r>
             <a:r>
-              <a:rPr lang="fr-CH" baseline="0" dirty="0" smtClean="0"/>
+              <a:rPr lang="fr-CH" baseline="0" dirty="0"/>
               <a:t>() : soit bouton </a:t>
             </a:r>
             <a:r>
-              <a:rPr lang="fr-CH" baseline="0" dirty="0" err="1" smtClean="0"/>
+              <a:rPr lang="fr-CH" baseline="0" dirty="0" err="1"/>
               <a:t>turn</a:t>
             </a:r>
             <a:r>
-              <a:rPr lang="fr-CH" baseline="0" dirty="0" smtClean="0"/>
+              <a:rPr lang="fr-CH" baseline="0" dirty="0"/>
               <a:t> off soit 30s sans toucher </a:t>
             </a:r>
             <a:r>
-              <a:rPr lang="fr-CH" baseline="0" dirty="0" err="1" smtClean="0"/>
+              <a:rPr lang="fr-CH" baseline="0" dirty="0" err="1"/>
               <a:t>ecran</a:t>
             </a:r>
             <a:r>
-              <a:rPr lang="fr-CH" baseline="0" dirty="0" smtClean="0"/>
+              <a:rPr lang="fr-CH" baseline="0" dirty="0"/>
               <a:t> sauf en jeu</a:t>
             </a:r>
           </a:p>
@@ -1726,7 +1774,7 @@
               <a:buFontTx/>
               <a:buChar char="-"/>
             </a:pPr>
-            <a:endParaRPr lang="fr-CH" baseline="0" dirty="0" smtClean="0"/>
+            <a:endParaRPr lang="fr-CH" baseline="0" dirty="0"/>
           </a:p>
           <a:p>
             <a:pPr marL="171450" indent="-171450">
@@ -1734,19 +1782,19 @@
               <a:buChar char="-"/>
             </a:pPr>
             <a:r>
-              <a:rPr lang="fr-CH" baseline="0" dirty="0" err="1" smtClean="0"/>
+              <a:rPr lang="fr-CH" baseline="0" dirty="0" err="1"/>
               <a:t>Interrupt</a:t>
             </a:r>
             <a:r>
-              <a:rPr lang="fr-CH" baseline="0" dirty="0" smtClean="0"/>
+              <a:rPr lang="fr-CH" baseline="0" dirty="0"/>
               <a:t> </a:t>
             </a:r>
             <a:r>
-              <a:rPr lang="fr-CH" baseline="0" dirty="0" err="1" smtClean="0"/>
+              <a:rPr lang="fr-CH" baseline="0" dirty="0" err="1"/>
               <a:t>reactive</a:t>
             </a:r>
             <a:r>
-              <a:rPr lang="fr-CH" baseline="0" dirty="0" smtClean="0"/>
+              <a:rPr lang="fr-CH" baseline="0" dirty="0"/>
               <a:t> le pic</a:t>
             </a:r>
           </a:p>
@@ -1755,7 +1803,7 @@
               <a:buFontTx/>
               <a:buChar char="-"/>
             </a:pPr>
-            <a:endParaRPr lang="fr-CH" baseline="0" dirty="0" smtClean="0"/>
+            <a:endParaRPr lang="fr-CH" baseline="0" dirty="0"/>
           </a:p>
           <a:p>
             <a:pPr marL="171450" indent="-171450">
@@ -1763,15 +1811,15 @@
               <a:buChar char="-"/>
             </a:pPr>
             <a:r>
-              <a:rPr lang="fr-CH" baseline="0" dirty="0" smtClean="0"/>
+              <a:rPr lang="fr-CH" baseline="0" dirty="0"/>
               <a:t>Reset(): permet de </a:t>
             </a:r>
             <a:r>
-              <a:rPr lang="fr-CH" baseline="0" dirty="0" err="1" smtClean="0"/>
+              <a:rPr lang="fr-CH" baseline="0" dirty="0" err="1"/>
               <a:t>redemarrer</a:t>
             </a:r>
             <a:r>
-              <a:rPr lang="fr-CH" baseline="0" dirty="0" smtClean="0"/>
+              <a:rPr lang="fr-CH" baseline="0" dirty="0"/>
               <a:t> tout le pic</a:t>
             </a:r>
           </a:p>
@@ -1780,7 +1828,7 @@
               <a:buFontTx/>
               <a:buChar char="-"/>
             </a:pPr>
-            <a:endParaRPr lang="fr-CH" baseline="0" dirty="0" smtClean="0"/>
+            <a:endParaRPr lang="fr-CH" baseline="0" dirty="0"/>
           </a:p>
           <a:p>
             <a:pPr marL="171450" indent="-171450">
@@ -1788,22 +1836,22 @@
               <a:buChar char="-"/>
             </a:pPr>
             <a:r>
-              <a:rPr lang="fr-CH" baseline="0" dirty="0" err="1" smtClean="0"/>
+              <a:rPr lang="fr-CH" baseline="0" dirty="0" err="1"/>
               <a:t>Methode</a:t>
             </a:r>
             <a:r>
-              <a:rPr lang="fr-CH" baseline="0" dirty="0" smtClean="0"/>
+              <a:rPr lang="fr-CH" baseline="0" dirty="0"/>
               <a:t> </a:t>
             </a:r>
             <a:r>
-              <a:rPr lang="fr-CH" baseline="0" dirty="0" err="1" smtClean="0"/>
+              <a:rPr lang="fr-CH" baseline="0" dirty="0" err="1"/>
               <a:t>sleep</a:t>
             </a:r>
             <a:r>
-              <a:rPr lang="fr-CH" baseline="0" dirty="0" smtClean="0"/>
+              <a:rPr lang="fr-CH" baseline="0" dirty="0"/>
               <a:t> et reset se suive</a:t>
             </a:r>
-            <a:endParaRPr lang="fr-CH" dirty="0" smtClean="0"/>
+            <a:endParaRPr lang="fr-CH" dirty="0"/>
           </a:p>
           <a:p>
             <a:endParaRPr lang="fr-CH" dirty="0"/>
@@ -1894,131 +1942,143 @@
               <a:rPr lang="fr-CH" dirty="0"/>
               <a:t>SEB: </a:t>
             </a:r>
-            <a:endParaRPr lang="fr-CH" dirty="0" smtClean="0"/>
-          </a:p>
-          <a:p>
-            <a:endParaRPr lang="fr-CH" dirty="0" smtClean="0"/>
-          </a:p>
-          <a:p>
-            <a:r>
-              <a:rPr lang="fr-CH" dirty="0" smtClean="0"/>
+          </a:p>
+          <a:p>
+            <a:endParaRPr lang="fr-CH" dirty="0"/>
+          </a:p>
+          <a:p>
+            <a:r>
+              <a:rPr lang="fr-CH" dirty="0"/>
               <a:t>Dans tous les modes gère boutons</a:t>
             </a:r>
           </a:p>
           <a:p>
-            <a:endParaRPr lang="fr-CH" dirty="0" smtClean="0"/>
-          </a:p>
-          <a:p>
-            <a:r>
-              <a:rPr lang="fr-CH" dirty="0" smtClean="0"/>
+            <a:endParaRPr lang="fr-CH" dirty="0"/>
+          </a:p>
+          <a:p>
+            <a:r>
+              <a:rPr lang="fr-CH" dirty="0"/>
               <a:t>NOGAME: permet d’accéder aux autres menus (1</a:t>
             </a:r>
             <a:r>
-              <a:rPr lang="fr-CH" baseline="0" dirty="0" smtClean="0"/>
+              <a:rPr lang="fr-CH" baseline="0" dirty="0"/>
               <a:t> player,2 </a:t>
             </a:r>
             <a:r>
-              <a:rPr lang="fr-CH" baseline="0" dirty="0" err="1" smtClean="0"/>
+              <a:rPr lang="fr-CH" baseline="0" dirty="0" err="1"/>
               <a:t>player</a:t>
             </a:r>
             <a:r>
-              <a:rPr lang="fr-CH" dirty="0" err="1" smtClean="0"/>
+              <a:rPr lang="fr-CH" dirty="0" err="1"/>
               <a:t>,parametre</a:t>
             </a:r>
             <a:r>
-              <a:rPr lang="fr-CH" dirty="0" smtClean="0"/>
+              <a:rPr lang="fr-CH" dirty="0"/>
               <a:t>)</a:t>
             </a:r>
           </a:p>
           <a:p>
-            <a:endParaRPr lang="fr-CH" dirty="0" smtClean="0"/>
-          </a:p>
-          <a:p>
-            <a:r>
-              <a:rPr lang="fr-CH" dirty="0" smtClean="0"/>
+            <a:endParaRPr lang="fr-CH" dirty="0"/>
+          </a:p>
+          <a:p>
+            <a:r>
+              <a:rPr lang="fr-CH" dirty="0"/>
               <a:t>PARAMETRE: gère </a:t>
             </a:r>
             <a:r>
-              <a:rPr lang="fr-CH" dirty="0" err="1" smtClean="0"/>
+              <a:rPr lang="fr-CH" dirty="0" err="1"/>
               <a:t>slidebar</a:t>
             </a:r>
             <a:r>
-              <a:rPr lang="fr-CH" dirty="0" smtClean="0"/>
+              <a:rPr lang="fr-CH" dirty="0"/>
               <a:t> pour modifier lumière</a:t>
             </a:r>
             <a:r>
-              <a:rPr lang="fr-CH" baseline="0" dirty="0" smtClean="0"/>
+              <a:rPr lang="fr-CH" baseline="0" dirty="0"/>
               <a:t> et niveau, retour au menu possible</a:t>
             </a:r>
           </a:p>
           <a:p>
-            <a:endParaRPr lang="fr-CH" baseline="0" dirty="0" smtClean="0"/>
-          </a:p>
-          <a:p>
-            <a:r>
-              <a:rPr lang="fr-CH" baseline="0" dirty="0" smtClean="0"/>
+            <a:endParaRPr lang="fr-CH" baseline="0" dirty="0"/>
+          </a:p>
+          <a:p>
+            <a:r>
+              <a:rPr lang="fr-CH" baseline="0" dirty="0"/>
               <a:t>LOCAL:1 joueur, déplace </a:t>
             </a:r>
             <a:r>
-              <a:rPr lang="fr-CH" baseline="0" dirty="0" err="1" smtClean="0"/>
+              <a:rPr lang="fr-CH" baseline="0" dirty="0" err="1"/>
               <a:t>paddle</a:t>
             </a:r>
             <a:r>
-              <a:rPr lang="fr-CH" baseline="0" dirty="0" smtClean="0"/>
+              <a:rPr lang="fr-CH" baseline="0" dirty="0"/>
               <a:t> 1 si clique, déplace </a:t>
             </a:r>
             <a:r>
-              <a:rPr lang="fr-CH" baseline="0" dirty="0" err="1" smtClean="0"/>
+              <a:rPr lang="fr-CH" baseline="0" dirty="0" err="1"/>
               <a:t>ball</a:t>
             </a:r>
             <a:r>
-              <a:rPr lang="fr-CH" baseline="0" dirty="0" smtClean="0"/>
+              <a:rPr lang="fr-CH" baseline="0" dirty="0"/>
               <a:t> et </a:t>
             </a:r>
             <a:r>
-              <a:rPr lang="fr-CH" baseline="0" dirty="0" err="1" smtClean="0"/>
+              <a:rPr lang="fr-CH" baseline="0" dirty="0" err="1"/>
               <a:t>paddle</a:t>
             </a:r>
             <a:r>
-              <a:rPr lang="fr-CH" baseline="0" dirty="0" smtClean="0"/>
+              <a:rPr lang="fr-CH" baseline="0" dirty="0"/>
               <a:t> 2 chaque x ms (dépend du niveau), retour au menu possible</a:t>
             </a:r>
           </a:p>
           <a:p>
-            <a:endParaRPr lang="fr-CH" baseline="0" dirty="0" smtClean="0"/>
-          </a:p>
-          <a:p>
-            <a:r>
-              <a:rPr lang="fr-CH" baseline="0" dirty="0" smtClean="0"/>
+            <a:endParaRPr lang="fr-CH" baseline="0" dirty="0"/>
+          </a:p>
+          <a:p>
+            <a:r>
+              <a:rPr lang="fr-CH" baseline="0" dirty="0"/>
               <a:t>ENDGAME: affiche vainqueur permet de </a:t>
             </a:r>
             <a:r>
-              <a:rPr lang="fr-CH" baseline="0" dirty="0" err="1" smtClean="0"/>
+              <a:rPr lang="fr-CH" baseline="0" dirty="0" err="1"/>
               <a:t>rejouer</a:t>
             </a:r>
             <a:r>
-              <a:rPr lang="fr-CH" baseline="0" dirty="0" err="1" smtClean="0">
+              <a:rPr lang="fr-CH" baseline="0" dirty="0" err="1">
                 <a:sym typeface="Wingdings" panose="05000000000000000000" pitchFamily="2" charset="2"/>
               </a:rPr>
               <a:t>menu</a:t>
             </a:r>
             <a:r>
-              <a:rPr lang="fr-CH" baseline="0" dirty="0" smtClean="0">
+              <a:rPr lang="fr-CH" baseline="0" dirty="0">
                 <a:sym typeface="Wingdings" panose="05000000000000000000" pitchFamily="2" charset="2"/>
               </a:rPr>
               <a:t> base, </a:t>
             </a:r>
             <a:r>
-              <a:rPr lang="fr-CH" baseline="0" dirty="0" err="1" smtClean="0">
+              <a:rPr lang="fr-CH" baseline="0" dirty="0" err="1">
                 <a:sym typeface="Wingdings" panose="05000000000000000000" pitchFamily="2" charset="2"/>
               </a:rPr>
               <a:t>turn</a:t>
             </a:r>
             <a:r>
-              <a:rPr lang="fr-CH" baseline="0" dirty="0" smtClean="0">
+              <a:rPr lang="fr-CH" baseline="0" dirty="0">
                 <a:sym typeface="Wingdings" panose="05000000000000000000" pitchFamily="2" charset="2"/>
               </a:rPr>
               <a:t> off</a:t>
+            </a:r>
+          </a:p>
+          <a:p>
+            <a:endParaRPr lang="fr-CH" baseline="0" dirty="0">
+              <a:sym typeface="Wingdings" panose="05000000000000000000" pitchFamily="2" charset="2"/>
+            </a:endParaRPr>
+          </a:p>
+          <a:p>
+            <a:r>
+              <a:rPr lang="fr-CH" baseline="0" dirty="0">
+                <a:sym typeface="Wingdings" panose="05000000000000000000" pitchFamily="2" charset="2"/>
+              </a:rPr>
+              <a:t>ONLINE: Pas implémenté</a:t>
             </a:r>
             <a:endParaRPr lang="fr-CH" dirty="0"/>
           </a:p>
@@ -2288,7 +2348,7 @@
           <a:p>
             <a:fld id="{D57F1E4F-1CFF-5643-939E-02111984F565}" type="slidenum">
               <a:rPr lang="en-US" dirty="0"/>
-              <a:t>‹#›</a:t>
+              <a:t>‹N°›</a:t>
             </a:fld>
             <a:endParaRPr lang="en-US" dirty="0"/>
           </a:p>
@@ -2558,7 +2618,7 @@
           <a:p>
             <a:fld id="{D57F1E4F-1CFF-5643-939E-02111984F565}" type="slidenum">
               <a:rPr lang="en-US" dirty="0"/>
-              <a:t>‹#›</a:t>
+              <a:t>‹N°›</a:t>
             </a:fld>
             <a:endParaRPr lang="en-US" dirty="0"/>
           </a:p>
@@ -2747,7 +2807,7 @@
           <a:p>
             <a:fld id="{D57F1E4F-1CFF-5643-939E-02111984F565}" type="slidenum">
               <a:rPr lang="en-US" dirty="0"/>
-              <a:t>‹#›</a:t>
+              <a:t>‹N°›</a:t>
             </a:fld>
             <a:endParaRPr lang="en-US" dirty="0"/>
           </a:p>
@@ -3015,7 +3075,7 @@
           <a:p>
             <a:fld id="{D57F1E4F-1CFF-5643-939E-02111984F565}" type="slidenum">
               <a:rPr lang="en-US" dirty="0"/>
-              <a:t>‹#›</a:t>
+              <a:t>‹N°›</a:t>
             </a:fld>
             <a:endParaRPr lang="en-US" dirty="0"/>
           </a:p>
@@ -3351,7 +3411,7 @@
           <a:p>
             <a:fld id="{D57F1E4F-1CFF-5643-939E-02111984F565}" type="slidenum">
               <a:rPr lang="en-US" dirty="0"/>
-              <a:t>‹#›</a:t>
+              <a:t>‹N°›</a:t>
             </a:fld>
             <a:endParaRPr lang="en-US" dirty="0"/>
           </a:p>
@@ -3969,7 +4029,7 @@
           <a:p>
             <a:fld id="{D57F1E4F-1CFF-5643-939E-02111984F565}" type="slidenum">
               <a:rPr lang="en-US" dirty="0"/>
-              <a:t>‹#›</a:t>
+              <a:t>‹N°›</a:t>
             </a:fld>
             <a:endParaRPr lang="en-US" dirty="0"/>
           </a:p>
@@ -4824,7 +4884,7 @@
           <a:p>
             <a:fld id="{D57F1E4F-1CFF-5643-939E-02111984F565}" type="slidenum">
               <a:rPr lang="en-US" dirty="0"/>
-              <a:t>‹#›</a:t>
+              <a:t>‹N°›</a:t>
             </a:fld>
             <a:endParaRPr lang="en-US" dirty="0"/>
           </a:p>
@@ -4989,7 +5049,7 @@
           <a:p>
             <a:fld id="{D57F1E4F-1CFF-5643-939E-02111984F565}" type="slidenum">
               <a:rPr lang="en-US" dirty="0"/>
-              <a:t>‹#›</a:t>
+              <a:t>‹N°›</a:t>
             </a:fld>
             <a:endParaRPr lang="en-US" dirty="0"/>
           </a:p>
@@ -5164,7 +5224,7 @@
           <a:p>
             <a:fld id="{D57F1E4F-1CFF-5643-939E-02111984F565}" type="slidenum">
               <a:rPr lang="en-US" dirty="0"/>
-              <a:t>‹#›</a:t>
+              <a:t>‹N°›</a:t>
             </a:fld>
             <a:endParaRPr lang="en-US" dirty="0"/>
           </a:p>
@@ -5329,7 +5389,7 @@
           <a:p>
             <a:fld id="{D57F1E4F-1CFF-5643-939E-02111984F565}" type="slidenum">
               <a:rPr lang="en-US" dirty="0"/>
-              <a:t>‹#›</a:t>
+              <a:t>‹N°›</a:t>
             </a:fld>
             <a:endParaRPr lang="en-US" dirty="0"/>
           </a:p>
@@ -5571,7 +5631,7 @@
           <a:p>
             <a:fld id="{D57F1E4F-1CFF-5643-939E-02111984F565}" type="slidenum">
               <a:rPr lang="en-US" dirty="0"/>
-              <a:t>‹#›</a:t>
+              <a:t>‹N°›</a:t>
             </a:fld>
             <a:endParaRPr lang="en-US" dirty="0"/>
           </a:p>
@@ -5858,7 +5918,7 @@
           <a:p>
             <a:fld id="{D57F1E4F-1CFF-5643-939E-02111984F565}" type="slidenum">
               <a:rPr lang="en-US" dirty="0"/>
-              <a:t>‹#›</a:t>
+              <a:t>‹N°›</a:t>
             </a:fld>
             <a:endParaRPr lang="en-US" dirty="0"/>
           </a:p>
@@ -6297,7 +6357,7 @@
           <a:p>
             <a:fld id="{D57F1E4F-1CFF-5643-939E-02111984F565}" type="slidenum">
               <a:rPr lang="en-US" dirty="0"/>
-              <a:t>‹#›</a:t>
+              <a:t>‹N°›</a:t>
             </a:fld>
             <a:endParaRPr lang="en-US" dirty="0"/>
           </a:p>
@@ -6410,7 +6470,7 @@
           <a:p>
             <a:fld id="{D57F1E4F-1CFF-5643-939E-02111984F565}" type="slidenum">
               <a:rPr lang="en-US" dirty="0"/>
-              <a:t>‹#›</a:t>
+              <a:t>‹N°›</a:t>
             </a:fld>
             <a:endParaRPr lang="en-US" dirty="0"/>
           </a:p>
@@ -6500,7 +6560,7 @@
           <a:p>
             <a:fld id="{D57F1E4F-1CFF-5643-939E-02111984F565}" type="slidenum">
               <a:rPr lang="en-US" dirty="0"/>
-              <a:t>‹#›</a:t>
+              <a:t>‹N°›</a:t>
             </a:fld>
             <a:endParaRPr lang="en-US" dirty="0"/>
           </a:p>
@@ -6774,7 +6834,7 @@
           <a:p>
             <a:fld id="{D57F1E4F-1CFF-5643-939E-02111984F565}" type="slidenum">
               <a:rPr lang="en-US" dirty="0"/>
-              <a:t>‹#›</a:t>
+              <a:t>‹N°›</a:t>
             </a:fld>
             <a:endParaRPr lang="en-US" dirty="0"/>
           </a:p>
@@ -7044,7 +7104,7 @@
           <a:p>
             <a:fld id="{D57F1E4F-1CFF-5643-939E-02111984F565}" type="slidenum">
               <a:rPr lang="en-US" dirty="0"/>
-              <a:t>‹#›</a:t>
+              <a:t>‹N°›</a:t>
             </a:fld>
             <a:endParaRPr lang="en-US" dirty="0"/>
           </a:p>
@@ -7505,7 +7565,7 @@
           <a:p>
             <a:fld id="{D57F1E4F-1CFF-5643-939E-02111984F565}" type="slidenum">
               <a:rPr lang="en-US" dirty="0"/>
-              <a:t>‹#›</a:t>
+              <a:t>‹N°›</a:t>
             </a:fld>
             <a:endParaRPr lang="en-US" dirty="0"/>
           </a:p>
@@ -7966,7 +8026,7 @@
                 <a16:creationId xmlns:a16="http://schemas.microsoft.com/office/drawing/2014/main" id="{757B325C-3E35-45CF-9D07-3BCB281F3B9C}"/>
               </a:ext>
               <a:ext uri="{C183D7F6-B498-43B3-948B-1728B52AA6E4}">
-                <adec:decorative xmlns:adec="http://schemas.microsoft.com/office/drawing/2017/decorative" xmlns="" val="1"/>
+                <adec:decorative xmlns:adec="http://schemas.microsoft.com/office/drawing/2017/decorative" val="1"/>
               </a:ext>
             </a:extLst>
           </p:cNvPr>
@@ -8129,7 +8189,7 @@
                 <a16:creationId xmlns:a16="http://schemas.microsoft.com/office/drawing/2014/main" id="{C24BEC42-AFF3-40D1-93A2-A27A42E1E23C}"/>
               </a:ext>
               <a:ext uri="{C183D7F6-B498-43B3-948B-1728B52AA6E4}">
-                <adec:decorative xmlns:adec="http://schemas.microsoft.com/office/drawing/2017/decorative" xmlns="" val="1"/>
+                <adec:decorative xmlns:adec="http://schemas.microsoft.com/office/drawing/2017/decorative" val="1"/>
               </a:ext>
             </a:extLst>
           </p:cNvPr>
@@ -8481,7 +8541,7 @@
                 <a16:creationId xmlns:a16="http://schemas.microsoft.com/office/drawing/2014/main" id="{608F427C-1EC9-4280-9367-F2B3AA063E82}"/>
               </a:ext>
               <a:ext uri="{C183D7F6-B498-43B3-948B-1728B52AA6E4}">
-                <adec:decorative xmlns:adec="http://schemas.microsoft.com/office/drawing/2017/decorative" xmlns="" val="1"/>
+                <adec:decorative xmlns:adec="http://schemas.microsoft.com/office/drawing/2017/decorative" val="1"/>
               </a:ext>
             </a:extLst>
           </p:cNvPr>
@@ -8970,7 +9030,7 @@
                 <a16:creationId xmlns:a16="http://schemas.microsoft.com/office/drawing/2014/main" id="{F98810A7-E114-447A-A7D6-69B27CFB5650}"/>
               </a:ext>
               <a:ext uri="{C183D7F6-B498-43B3-948B-1728B52AA6E4}">
-                <adec:decorative xmlns:adec="http://schemas.microsoft.com/office/drawing/2017/decorative" xmlns="" val="1"/>
+                <adec:decorative xmlns:adec="http://schemas.microsoft.com/office/drawing/2017/decorative" val="1"/>
               </a:ext>
             </a:extLst>
           </p:cNvPr>
@@ -9120,7 +9180,7 @@
                 <a16:creationId xmlns:a16="http://schemas.microsoft.com/office/drawing/2014/main" id="{DF19BAF3-7E20-4B9D-B544-BABAEEA1FA75}"/>
               </a:ext>
               <a:ext uri="{C183D7F6-B498-43B3-948B-1728B52AA6E4}">
-                <adec:decorative xmlns:adec="http://schemas.microsoft.com/office/drawing/2017/decorative" xmlns="" val="1"/>
+                <adec:decorative xmlns:adec="http://schemas.microsoft.com/office/drawing/2017/decorative" val="1"/>
               </a:ext>
             </a:extLst>
           </p:cNvPr>
@@ -9164,7 +9224,7 @@
                 <a16:creationId xmlns:a16="http://schemas.microsoft.com/office/drawing/2014/main" id="{950648F4-ABCD-4DF0-8641-76CFB2354721}"/>
               </a:ext>
               <a:ext uri="{C183D7F6-B498-43B3-948B-1728B52AA6E4}">
-                <adec:decorative xmlns:adec="http://schemas.microsoft.com/office/drawing/2017/decorative" xmlns="" val="1"/>
+                <adec:decorative xmlns:adec="http://schemas.microsoft.com/office/drawing/2017/decorative" val="1"/>
               </a:ext>
             </a:extLst>
           </p:cNvPr>
@@ -9208,7 +9268,7 @@
                 <a16:creationId xmlns:a16="http://schemas.microsoft.com/office/drawing/2014/main" id="{989BE678-777B-482A-A616-FEDC47B162E5}"/>
               </a:ext>
               <a:ext uri="{C183D7F6-B498-43B3-948B-1728B52AA6E4}">
-                <adec:decorative xmlns:adec="http://schemas.microsoft.com/office/drawing/2017/decorative" xmlns="" val="1"/>
+                <adec:decorative xmlns:adec="http://schemas.microsoft.com/office/drawing/2017/decorative" val="1"/>
               </a:ext>
             </a:extLst>
           </p:cNvPr>
@@ -9288,7 +9348,7 @@
                 <a16:creationId xmlns:a16="http://schemas.microsoft.com/office/drawing/2014/main" id="{CF1EB4BD-9C7E-4AA3-9681-C7EB0DA6250B}"/>
               </a:ext>
               <a:ext uri="{C183D7F6-B498-43B3-948B-1728B52AA6E4}">
-                <adec:decorative xmlns:adec="http://schemas.microsoft.com/office/drawing/2017/decorative" xmlns="" val="1"/>
+                <adec:decorative xmlns:adec="http://schemas.microsoft.com/office/drawing/2017/decorative" val="1"/>
               </a:ext>
             </a:extLst>
           </p:cNvPr>
@@ -9332,7 +9392,7 @@
                 <a16:creationId xmlns:a16="http://schemas.microsoft.com/office/drawing/2014/main" id="{94AAE3AA-3759-4D28-B0EF-575F25A5146C}"/>
               </a:ext>
               <a:ext uri="{C183D7F6-B498-43B3-948B-1728B52AA6E4}">
-                <adec:decorative xmlns:adec="http://schemas.microsoft.com/office/drawing/2017/decorative" xmlns="" val="1"/>
+                <adec:decorative xmlns:adec="http://schemas.microsoft.com/office/drawing/2017/decorative" val="1"/>
               </a:ext>
             </a:extLst>
           </p:cNvPr>
@@ -9376,7 +9436,7 @@
                 <a16:creationId xmlns:a16="http://schemas.microsoft.com/office/drawing/2014/main" id="{D28BE0C3-2102-4820-B88B-A448B1840D14}"/>
               </a:ext>
               <a:ext uri="{C183D7F6-B498-43B3-948B-1728B52AA6E4}">
-                <adec:decorative xmlns:adec="http://schemas.microsoft.com/office/drawing/2017/decorative" xmlns="" val="1"/>
+                <adec:decorative xmlns:adec="http://schemas.microsoft.com/office/drawing/2017/decorative" val="1"/>
               </a:ext>
             </a:extLst>
           </p:cNvPr>
@@ -9429,7 +9489,7 @@
                 <a16:creationId xmlns:a16="http://schemas.microsoft.com/office/drawing/2014/main" id="{C6A81905-F480-46A4-BC10-215D24EA1AE6}"/>
               </a:ext>
               <a:ext uri="{C183D7F6-B498-43B3-948B-1728B52AA6E4}">
-                <adec:decorative xmlns:adec="http://schemas.microsoft.com/office/drawing/2017/decorative" xmlns="" val="1"/>
+                <adec:decorative xmlns:adec="http://schemas.microsoft.com/office/drawing/2017/decorative" val="1"/>
               </a:ext>
             </a:extLst>
           </p:cNvPr>
@@ -9528,7 +9588,7 @@
                 <a16:creationId xmlns:a16="http://schemas.microsoft.com/office/drawing/2014/main" id="{36FD4D9D-3784-41E8-8405-A42B72F51331}"/>
               </a:ext>
               <a:ext uri="{C183D7F6-B498-43B3-948B-1728B52AA6E4}">
-                <adec:decorative xmlns:adec="http://schemas.microsoft.com/office/drawing/2017/decorative" xmlns="" val="1"/>
+                <adec:decorative xmlns:adec="http://schemas.microsoft.com/office/drawing/2017/decorative" val="1"/>
               </a:ext>
             </a:extLst>
           </p:cNvPr>
@@ -10068,7 +10128,7 @@
                 <a16:creationId xmlns:a16="http://schemas.microsoft.com/office/drawing/2014/main" id="{60817A52-B891-4228-A61E-0C0A57632DDA}"/>
               </a:ext>
               <a:ext uri="{C183D7F6-B498-43B3-948B-1728B52AA6E4}">
-                <adec:decorative xmlns:adec="http://schemas.microsoft.com/office/drawing/2017/decorative" xmlns="" val="1"/>
+                <adec:decorative xmlns:adec="http://schemas.microsoft.com/office/drawing/2017/decorative" val="1"/>
               </a:ext>
             </a:extLst>
           </p:cNvPr>
@@ -10171,7 +10231,7 @@
                 <a16:creationId xmlns:a16="http://schemas.microsoft.com/office/drawing/2014/main" id="{B4AAD3FD-83A5-4B89-9F8F-01B8870865BE}"/>
               </a:ext>
               <a:ext uri="{C183D7F6-B498-43B3-948B-1728B52AA6E4}">
-                <adec:decorative xmlns:adec="http://schemas.microsoft.com/office/drawing/2017/decorative" xmlns="" val="1"/>
+                <adec:decorative xmlns:adec="http://schemas.microsoft.com/office/drawing/2017/decorative" val="1"/>
               </a:ext>
             </a:extLst>
           </p:cNvPr>
@@ -10270,7 +10330,7 @@
                 <a16:creationId xmlns:a16="http://schemas.microsoft.com/office/drawing/2014/main" id="{61752F1D-FC0F-4103-9584-630E643CCDA6}"/>
               </a:ext>
               <a:ext uri="{C183D7F6-B498-43B3-948B-1728B52AA6E4}">
-                <adec:decorative xmlns:adec="http://schemas.microsoft.com/office/drawing/2017/decorative" xmlns="" val="1"/>
+                <adec:decorative xmlns:adec="http://schemas.microsoft.com/office/drawing/2017/decorative" val="1"/>
               </a:ext>
             </a:extLst>
           </p:cNvPr>
@@ -10622,7 +10682,7 @@
                 <a16:creationId xmlns:a16="http://schemas.microsoft.com/office/drawing/2014/main" id="{70151CB7-E7DE-4917-B831-01DF9CE01306}"/>
               </a:ext>
               <a:ext uri="{C183D7F6-B498-43B3-948B-1728B52AA6E4}">
-                <adec:decorative xmlns:adec="http://schemas.microsoft.com/office/drawing/2017/decorative" xmlns="" val="1"/>
+                <adec:decorative xmlns:adec="http://schemas.microsoft.com/office/drawing/2017/decorative" val="1"/>
               </a:ext>
             </a:extLst>
           </p:cNvPr>
@@ -11085,7 +11145,7 @@
                 <a16:creationId xmlns:a16="http://schemas.microsoft.com/office/drawing/2014/main" id="{A92A1116-1C84-41DF-B803-1F7B0883EC82}"/>
               </a:ext>
               <a:ext uri="{C183D7F6-B498-43B3-948B-1728B52AA6E4}">
-                <adec:decorative xmlns:adec="http://schemas.microsoft.com/office/drawing/2017/decorative" xmlns="" val="1"/>
+                <adec:decorative xmlns:adec="http://schemas.microsoft.com/office/drawing/2017/decorative" val="1"/>
               </a:ext>
             </a:extLst>
           </p:cNvPr>
@@ -11320,7 +11380,7 @@
                 <a16:creationId xmlns:a16="http://schemas.microsoft.com/office/drawing/2014/main" id="{B4AAD3FD-83A5-4B89-9F8F-01B8870865BE}"/>
               </a:ext>
               <a:ext uri="{C183D7F6-B498-43B3-948B-1728B52AA6E4}">
-                <adec:decorative xmlns:adec="http://schemas.microsoft.com/office/drawing/2017/decorative" xmlns="" val="1"/>
+                <adec:decorative xmlns:adec="http://schemas.microsoft.com/office/drawing/2017/decorative" val="1"/>
               </a:ext>
             </a:extLst>
           </p:cNvPr>
@@ -11432,7 +11492,7 @@
                 <a16:creationId xmlns:a16="http://schemas.microsoft.com/office/drawing/2014/main" id="{61752F1D-FC0F-4103-9584-630E643CCDA6}"/>
               </a:ext>
               <a:ext uri="{C183D7F6-B498-43B3-948B-1728B52AA6E4}">
-                <adec:decorative xmlns:adec="http://schemas.microsoft.com/office/drawing/2017/decorative" xmlns="" val="1"/>
+                <adec:decorative xmlns:adec="http://schemas.microsoft.com/office/drawing/2017/decorative" val="1"/>
               </a:ext>
             </a:extLst>
           </p:cNvPr>
@@ -11784,7 +11844,7 @@
                 <a16:creationId xmlns:a16="http://schemas.microsoft.com/office/drawing/2014/main" id="{70151CB7-E7DE-4917-B831-01DF9CE01306}"/>
               </a:ext>
               <a:ext uri="{C183D7F6-B498-43B3-948B-1728B52AA6E4}">
-                <adec:decorative xmlns:adec="http://schemas.microsoft.com/office/drawing/2017/decorative" xmlns="" val="1"/>
+                <adec:decorative xmlns:adec="http://schemas.microsoft.com/office/drawing/2017/decorative" val="1"/>
               </a:ext>
             </a:extLst>
           </p:cNvPr>
@@ -12247,7 +12307,7 @@
                 <a16:creationId xmlns:a16="http://schemas.microsoft.com/office/drawing/2014/main" id="{A92A1116-1C84-41DF-B803-1F7B0883EC82}"/>
               </a:ext>
               <a:ext uri="{C183D7F6-B498-43B3-948B-1728B52AA6E4}">
-                <adec:decorative xmlns:adec="http://schemas.microsoft.com/office/drawing/2017/decorative" xmlns="" val="1"/>
+                <adec:decorative xmlns:adec="http://schemas.microsoft.com/office/drawing/2017/decorative" val="1"/>
               </a:ext>
             </a:extLst>
           </p:cNvPr>
@@ -12459,7 +12519,7 @@
                 <a16:creationId xmlns:a16="http://schemas.microsoft.com/office/drawing/2014/main" id="{B4AAD3FD-83A5-4B89-9F8F-01B8870865BE}"/>
               </a:ext>
               <a:ext uri="{C183D7F6-B498-43B3-948B-1728B52AA6E4}">
-                <adec:decorative xmlns:adec="http://schemas.microsoft.com/office/drawing/2017/decorative" xmlns="" val="1"/>
+                <adec:decorative xmlns:adec="http://schemas.microsoft.com/office/drawing/2017/decorative" val="1"/>
               </a:ext>
             </a:extLst>
           </p:cNvPr>
@@ -12558,7 +12618,7 @@
                 <a16:creationId xmlns:a16="http://schemas.microsoft.com/office/drawing/2014/main" id="{61752F1D-FC0F-4103-9584-630E643CCDA6}"/>
               </a:ext>
               <a:ext uri="{C183D7F6-B498-43B3-948B-1728B52AA6E4}">
-                <adec:decorative xmlns:adec="http://schemas.microsoft.com/office/drawing/2017/decorative" xmlns="" val="1"/>
+                <adec:decorative xmlns:adec="http://schemas.microsoft.com/office/drawing/2017/decorative" val="1"/>
               </a:ext>
             </a:extLst>
           </p:cNvPr>
@@ -12910,7 +12970,7 @@
                 <a16:creationId xmlns:a16="http://schemas.microsoft.com/office/drawing/2014/main" id="{70151CB7-E7DE-4917-B831-01DF9CE01306}"/>
               </a:ext>
               <a:ext uri="{C183D7F6-B498-43B3-948B-1728B52AA6E4}">
-                <adec:decorative xmlns:adec="http://schemas.microsoft.com/office/drawing/2017/decorative" xmlns="" val="1"/>
+                <adec:decorative xmlns:adec="http://schemas.microsoft.com/office/drawing/2017/decorative" val="1"/>
               </a:ext>
             </a:extLst>
           </p:cNvPr>
@@ -13373,7 +13433,7 @@
                 <a16:creationId xmlns:a16="http://schemas.microsoft.com/office/drawing/2014/main" id="{A92A1116-1C84-41DF-B803-1F7B0883EC82}"/>
               </a:ext>
               <a:ext uri="{C183D7F6-B498-43B3-948B-1728B52AA6E4}">
-                <adec:decorative xmlns:adec="http://schemas.microsoft.com/office/drawing/2017/decorative" xmlns="" val="1"/>
+                <adec:decorative xmlns:adec="http://schemas.microsoft.com/office/drawing/2017/decorative" val="1"/>
               </a:ext>
             </a:extLst>
           </p:cNvPr>
@@ -13597,132 +13657,6 @@
 <file path=ppt/slides/slide5.xml><?xml version="1.0" encoding="utf-8"?>
 <p:sld xmlns:a="http://schemas.openxmlformats.org/drawingml/2006/main" xmlns:r="http://schemas.openxmlformats.org/officeDocument/2006/relationships" xmlns:p="http://schemas.openxmlformats.org/presentationml/2006/main">
   <p:cSld>
-    <p:spTree>
-      <p:nvGrpSpPr>
-        <p:cNvPr id="1" name=""/>
-        <p:cNvGrpSpPr/>
-        <p:nvPr/>
-      </p:nvGrpSpPr>
-      <p:grpSpPr>
-        <a:xfrm>
-          <a:off x="0" y="0"/>
-          <a:ext cx="0" cy="0"/>
-          <a:chOff x="0" y="0"/>
-          <a:chExt cx="0" cy="0"/>
-        </a:xfrm>
-      </p:grpSpPr>
-      <p:sp>
-        <p:nvSpPr>
-          <p:cNvPr id="2" name="Titre 1">
-            <a:extLst>
-              <a:ext uri="{FF2B5EF4-FFF2-40B4-BE49-F238E27FC236}">
-                <a16:creationId xmlns:a16="http://schemas.microsoft.com/office/drawing/2014/main" id="{458213D7-350B-4320-AD78-3F7289E6AF95}"/>
-              </a:ext>
-            </a:extLst>
-          </p:cNvPr>
-          <p:cNvSpPr>
-            <a:spLocks noGrp="1"/>
-          </p:cNvSpPr>
-          <p:nvPr>
-            <p:ph type="title"/>
-          </p:nvPr>
-        </p:nvSpPr>
-        <p:spPr/>
-        <p:txBody>
-          <a:bodyPr/>
-          <a:lstStyle/>
-          <a:p>
-            <a:r>
-              <a:rPr lang="fr-CH" dirty="0"/>
-              <a:t>Structure du code</a:t>
-            </a:r>
-          </a:p>
-        </p:txBody>
-      </p:sp>
-      <p:sp>
-        <p:nvSpPr>
-          <p:cNvPr id="3" name="Espace réservé du contenu 2">
-            <a:extLst>
-              <a:ext uri="{FF2B5EF4-FFF2-40B4-BE49-F238E27FC236}">
-                <a16:creationId xmlns:a16="http://schemas.microsoft.com/office/drawing/2014/main" id="{CEDB3D02-3D38-4755-8D6F-6CC3F52A8622}"/>
-              </a:ext>
-            </a:extLst>
-          </p:cNvPr>
-          <p:cNvSpPr>
-            <a:spLocks noGrp="1"/>
-          </p:cNvSpPr>
-          <p:nvPr>
-            <p:ph idx="1"/>
-          </p:nvPr>
-        </p:nvSpPr>
-        <p:spPr/>
-        <p:txBody>
-          <a:bodyPr/>
-          <a:lstStyle/>
-          <a:p>
-            <a:r>
-              <a:rPr lang="fr-CH" dirty="0" smtClean="0"/>
-              <a:t>XF</a:t>
-            </a:r>
-            <a:endParaRPr lang="fr-CH" dirty="0" smtClean="0"/>
-          </a:p>
-          <a:p>
-            <a:r>
-              <a:rPr lang="fr-CH" dirty="0" smtClean="0"/>
-              <a:t>Machine </a:t>
-            </a:r>
-            <a:r>
-              <a:rPr lang="fr-CH" dirty="0"/>
-              <a:t>d’état</a:t>
-            </a:r>
-          </a:p>
-          <a:p>
-            <a:r>
-              <a:rPr lang="fr-CH" dirty="0" smtClean="0"/>
-              <a:t>Interruption</a:t>
-            </a:r>
-            <a:endParaRPr lang="fr-CH" dirty="0"/>
-          </a:p>
-          <a:p>
-            <a:r>
-              <a:rPr lang="fr-CH" dirty="0" err="1"/>
-              <a:t>Struct</a:t>
-            </a:r>
-            <a:endParaRPr lang="fr-CH" dirty="0"/>
-          </a:p>
-          <a:p>
-            <a:endParaRPr lang="fr-CH" dirty="0"/>
-          </a:p>
-        </p:txBody>
-      </p:sp>
-    </p:spTree>
-    <p:extLst>
-      <p:ext uri="{BB962C8B-B14F-4D97-AF65-F5344CB8AC3E}">
-        <p14:creationId xmlns:p14="http://schemas.microsoft.com/office/powerpoint/2010/main" val="1027730429"/>
-      </p:ext>
-    </p:extLst>
-  </p:cSld>
-  <p:clrMapOvr>
-    <a:masterClrMapping/>
-  </p:clrMapOvr>
-  <mc:AlternateContent xmlns:mc="http://schemas.openxmlformats.org/markup-compatibility/2006" xmlns:p14="http://schemas.microsoft.com/office/powerpoint/2010/main">
-    <mc:Choice Requires="p14">
-      <p:transition spd="med" p14:dur="700">
-        <p:fade/>
-      </p:transition>
-    </mc:Choice>
-    <mc:Fallback xmlns="">
-      <p:transition spd="med">
-        <p:fade/>
-      </p:transition>
-    </mc:Fallback>
-  </mc:AlternateContent>
-</p:sld>
-</file>
-
-<file path=ppt/slides/slide6.xml><?xml version="1.0" encoding="utf-8"?>
-<p:sld xmlns:a="http://schemas.openxmlformats.org/drawingml/2006/main" xmlns:r="http://schemas.openxmlformats.org/officeDocument/2006/relationships" xmlns:p="http://schemas.openxmlformats.org/presentationml/2006/main">
-  <p:cSld>
     <p:bg>
       <p:bgPr>
         <a:solidFill>
@@ -13747,13 +13681,13 @@
       </p:grpSpPr>
       <p:sp>
         <p:nvSpPr>
-          <p:cNvPr id="12" name="Rectangle 11">
+          <p:cNvPr id="10" name="Rectangle 9">
             <a:extLst>
               <a:ext uri="{FF2B5EF4-FFF2-40B4-BE49-F238E27FC236}">
                 <a16:creationId xmlns:a16="http://schemas.microsoft.com/office/drawing/2014/main" id="{B4AAD3FD-83A5-4B89-9F8F-01B8870865BE}"/>
               </a:ext>
               <a:ext uri="{C183D7F6-B498-43B3-948B-1728B52AA6E4}">
-                <adec:decorative xmlns:adec="http://schemas.microsoft.com/office/drawing/2017/decorative" xmlns="" val="1"/>
+                <adec:decorative xmlns:adec="http://schemas.microsoft.com/office/drawing/2017/decorative" val="1"/>
               </a:ext>
             </a:extLst>
           </p:cNvPr>
@@ -13810,7 +13744,7 @@
           <p:cNvPr id="2" name="Titre 1">
             <a:extLst>
               <a:ext uri="{FF2B5EF4-FFF2-40B4-BE49-F238E27FC236}">
-                <a16:creationId xmlns:a16="http://schemas.microsoft.com/office/drawing/2014/main" id="{3FBEB86A-EB03-44F1-BA39-5535D0F0BCC4}"/>
+                <a16:creationId xmlns:a16="http://schemas.microsoft.com/office/drawing/2014/main" id="{458213D7-350B-4320-AD78-3F7289E6AF95}"/>
               </a:ext>
             </a:extLst>
           </p:cNvPr>
@@ -13834,25 +13768,25 @@
           <a:lstStyle/>
           <a:p>
             <a:r>
-              <a:rPr lang="fr-CH" dirty="0">
+              <a:rPr lang="fr-CH">
                 <a:solidFill>
                   <a:srgbClr val="EBEBEB"/>
                 </a:solidFill>
               </a:rPr>
-              <a:t>Display</a:t>
+              <a:t>Structure du code</a:t>
             </a:r>
           </a:p>
         </p:txBody>
       </p:sp>
       <p:sp>
         <p:nvSpPr>
-          <p:cNvPr id="14" name="Freeform 31">
+          <p:cNvPr id="12" name="Freeform 31">
             <a:extLst>
               <a:ext uri="{FF2B5EF4-FFF2-40B4-BE49-F238E27FC236}">
                 <a16:creationId xmlns:a16="http://schemas.microsoft.com/office/drawing/2014/main" id="{61752F1D-FC0F-4103-9584-630E643CCDA6}"/>
               </a:ext>
               <a:ext uri="{C183D7F6-B498-43B3-948B-1728B52AA6E4}">
-                <adec:decorative xmlns:adec="http://schemas.microsoft.com/office/drawing/2017/decorative" xmlns="" val="1"/>
+                <adec:decorative xmlns:adec="http://schemas.microsoft.com/office/drawing/2017/decorative" val="1"/>
               </a:ext>
             </a:extLst>
           </p:cNvPr>
@@ -14198,13 +14132,13 @@
       </p:sp>
       <p:sp useBgFill="1">
         <p:nvSpPr>
-          <p:cNvPr id="16" name="Freeform: Shape 15">
+          <p:cNvPr id="14" name="Freeform: Shape 13">
             <a:extLst>
               <a:ext uri="{FF2B5EF4-FFF2-40B4-BE49-F238E27FC236}">
                 <a16:creationId xmlns:a16="http://schemas.microsoft.com/office/drawing/2014/main" id="{70151CB7-E7DE-4917-B831-01DF9CE01306}"/>
               </a:ext>
               <a:ext uri="{C183D7F6-B498-43B3-948B-1728B52AA6E4}">
-                <adec:decorative xmlns:adec="http://schemas.microsoft.com/office/drawing/2017/decorative" xmlns="" val="1"/>
+                <adec:decorative xmlns:adec="http://schemas.microsoft.com/office/drawing/2017/decorative" val="1"/>
               </a:ext>
             </a:extLst>
           </p:cNvPr>
@@ -14659,15 +14593,46 @@
           </a:ln>
         </p:spPr>
       </p:sp>
+      <p:pic>
+        <p:nvPicPr>
+          <p:cNvPr id="5" name="Image 4">
+            <a:extLst>
+              <a:ext uri="{FF2B5EF4-FFF2-40B4-BE49-F238E27FC236}">
+                <a16:creationId xmlns:a16="http://schemas.microsoft.com/office/drawing/2014/main" id="{48C420F1-D03B-4442-9947-DF6BB5E90908}"/>
+              </a:ext>
+            </a:extLst>
+          </p:cNvPr>
+          <p:cNvPicPr>
+            <a:picLocks noChangeAspect="1"/>
+          </p:cNvPicPr>
+          <p:nvPr/>
+        </p:nvPicPr>
+        <p:blipFill>
+          <a:blip r:embed="rId3"/>
+          <a:stretch>
+            <a:fillRect/>
+          </a:stretch>
+        </p:blipFill>
+        <p:spPr>
+          <a:xfrm>
+            <a:off x="6093992" y="1470445"/>
+            <a:ext cx="5449889" cy="3992806"/>
+          </a:xfrm>
+          <a:prstGeom prst="rect">
+            <a:avLst/>
+          </a:prstGeom>
+          <a:effectLst/>
+        </p:spPr>
+      </p:pic>
       <p:sp>
         <p:nvSpPr>
-          <p:cNvPr id="18" name="Rectangle 17">
+          <p:cNvPr id="16" name="Rectangle 15">
             <a:extLst>
               <a:ext uri="{FF2B5EF4-FFF2-40B4-BE49-F238E27FC236}">
                 <a16:creationId xmlns:a16="http://schemas.microsoft.com/office/drawing/2014/main" id="{A92A1116-1C84-41DF-B803-1F7B0883EC82}"/>
               </a:ext>
               <a:ext uri="{C183D7F6-B498-43B3-948B-1728B52AA6E4}">
-                <adec:decorative xmlns:adec="http://schemas.microsoft.com/office/drawing/2017/decorative" xmlns="" val="1"/>
+                <adec:decorative xmlns:adec="http://schemas.microsoft.com/office/drawing/2017/decorative" val="1"/>
               </a:ext>
             </a:extLst>
           </p:cNvPr>
@@ -14714,10 +14679,10 @@
       </p:sp>
       <p:sp>
         <p:nvSpPr>
-          <p:cNvPr id="9" name="Content Placeholder 8">
+          <p:cNvPr id="3" name="Espace réservé du contenu 2">
             <a:extLst>
               <a:ext uri="{FF2B5EF4-FFF2-40B4-BE49-F238E27FC236}">
-                <a16:creationId xmlns:a16="http://schemas.microsoft.com/office/drawing/2014/main" id="{DBCD6E07-6FF3-4284-A104-8B7C053218B6}"/>
+                <a16:creationId xmlns:a16="http://schemas.microsoft.com/office/drawing/2014/main" id="{CEDB3D02-3D38-4755-8D6F-6CC3F52A8622}"/>
               </a:ext>
             </a:extLst>
           </p:cNvPr>
@@ -14741,115 +14706,57 @@
           <a:lstStyle/>
           <a:p>
             <a:r>
-              <a:rPr lang="en-US" dirty="0" err="1">
+              <a:rPr lang="fr-CH">
                 <a:solidFill>
                   <a:srgbClr val="EBEBEB"/>
                 </a:solidFill>
               </a:rPr>
-              <a:t>Affichage</a:t>
-            </a:r>
-            <a:r>
-              <a:rPr lang="en-US" dirty="0">
+              <a:t>XF</a:t>
+            </a:r>
+          </a:p>
+          <a:p>
+            <a:r>
+              <a:rPr lang="fr-CH">
                 <a:solidFill>
                   <a:srgbClr val="EBEBEB"/>
                 </a:solidFill>
               </a:rPr>
-              <a:t> des menus (boutons, </a:t>
-            </a:r>
-            <a:r>
-              <a:rPr lang="en-US" dirty="0" err="1">
+              <a:t>Machine d’état</a:t>
+            </a:r>
+          </a:p>
+          <a:p>
+            <a:r>
+              <a:rPr lang="fr-CH">
                 <a:solidFill>
                   <a:srgbClr val="EBEBEB"/>
                 </a:solidFill>
               </a:rPr>
-              <a:t>textes</a:t>
-            </a:r>
-            <a:r>
-              <a:rPr lang="en-US" dirty="0">
+              <a:t>Interruption</a:t>
+            </a:r>
+          </a:p>
+          <a:p>
+            <a:r>
+              <a:rPr lang="fr-CH">
                 <a:solidFill>
                   <a:srgbClr val="EBEBEB"/>
                 </a:solidFill>
               </a:rPr>
-              <a:t> &amp; sliders)</a:t>
-            </a:r>
-          </a:p>
-          <a:p>
-            <a:endParaRPr lang="en-US" dirty="0">
+              <a:t>Struct</a:t>
+            </a:r>
+          </a:p>
+          <a:p>
+            <a:endParaRPr lang="fr-CH">
               <a:solidFill>
                 <a:srgbClr val="EBEBEB"/>
               </a:solidFill>
             </a:endParaRPr>
           </a:p>
-          <a:p>
-            <a:r>
-              <a:rPr lang="en-US" dirty="0" err="1">
-                <a:solidFill>
-                  <a:srgbClr val="EBEBEB"/>
-                </a:solidFill>
-              </a:rPr>
-              <a:t>Redessine</a:t>
-            </a:r>
-            <a:r>
-              <a:rPr lang="en-US" dirty="0">
-                <a:solidFill>
-                  <a:srgbClr val="EBEBEB"/>
-                </a:solidFill>
-              </a:rPr>
-              <a:t> les </a:t>
-            </a:r>
-            <a:r>
-              <a:rPr lang="en-US" dirty="0" err="1">
-                <a:solidFill>
-                  <a:srgbClr val="EBEBEB"/>
-                </a:solidFill>
-              </a:rPr>
-              <a:t>éléments</a:t>
-            </a:r>
-            <a:r>
-              <a:rPr lang="en-US" dirty="0">
-                <a:solidFill>
-                  <a:srgbClr val="EBEBEB"/>
-                </a:solidFill>
-              </a:rPr>
-              <a:t> du jeu</a:t>
-            </a:r>
-          </a:p>
         </p:txBody>
       </p:sp>
-      <p:pic>
-        <p:nvPicPr>
-          <p:cNvPr id="7" name="Image 6">
-            <a:extLst>
-              <a:ext uri="{FF2B5EF4-FFF2-40B4-BE49-F238E27FC236}">
-                <a16:creationId xmlns:a16="http://schemas.microsoft.com/office/drawing/2014/main" id="{BF3FD4C8-97EE-47EC-9D74-2C7D57E1B3B3}"/>
-              </a:ext>
-            </a:extLst>
-          </p:cNvPr>
-          <p:cNvPicPr>
-            <a:picLocks noChangeAspect="1"/>
-          </p:cNvPicPr>
-          <p:nvPr/>
-        </p:nvPicPr>
-        <p:blipFill>
-          <a:blip r:embed="rId3"/>
-          <a:stretch>
-            <a:fillRect/>
-          </a:stretch>
-        </p:blipFill>
-        <p:spPr>
-          <a:xfrm>
-            <a:off x="5875656" y="283845"/>
-            <a:ext cx="5648325" cy="5619750"/>
-          </a:xfrm>
-          <a:prstGeom prst="rect">
-            <a:avLst/>
-          </a:prstGeom>
-        </p:spPr>
-      </p:pic>
     </p:spTree>
     <p:extLst>
       <p:ext uri="{BB962C8B-B14F-4D97-AF65-F5344CB8AC3E}">
-        <p14:creationId xmlns:p14="http://schemas.microsoft.com/office/powerpoint/2010/main" val="1822106066"/>
+        <p14:creationId xmlns:p14="http://schemas.microsoft.com/office/powerpoint/2010/main" val="1027730429"/>
       </p:ext>
     </p:extLst>
   </p:cSld>
@@ -14871,7 +14778,7 @@
 </p:sld>
 </file>
 
-<file path=ppt/slides/slide7.xml><?xml version="1.0" encoding="utf-8"?>
+<file path=ppt/slides/slide6.xml><?xml version="1.0" encoding="utf-8"?>
 <p:sld xmlns:a="http://schemas.openxmlformats.org/drawingml/2006/main" xmlns:r="http://schemas.openxmlformats.org/officeDocument/2006/relationships" xmlns:p="http://schemas.openxmlformats.org/presentationml/2006/main">
   <p:cSld>
     <p:bg>
@@ -14904,7 +14811,7 @@
                 <a16:creationId xmlns:a16="http://schemas.microsoft.com/office/drawing/2014/main" id="{B4AAD3FD-83A5-4B89-9F8F-01B8870865BE}"/>
               </a:ext>
               <a:ext uri="{C183D7F6-B498-43B3-948B-1728B52AA6E4}">
-                <adec:decorative xmlns:adec="http://schemas.microsoft.com/office/drawing/2017/decorative" xmlns="" val="1"/>
+                <adec:decorative xmlns:adec="http://schemas.microsoft.com/office/drawing/2017/decorative" val="1"/>
               </a:ext>
             </a:extLst>
           </p:cNvPr>
@@ -14961,7 +14868,7 @@
           <p:cNvPr id="2" name="Titre 1">
             <a:extLst>
               <a:ext uri="{FF2B5EF4-FFF2-40B4-BE49-F238E27FC236}">
-                <a16:creationId xmlns:a16="http://schemas.microsoft.com/office/drawing/2014/main" id="{8E37A435-AFB4-42D6-8322-26DCB64D68B4}"/>
+                <a16:creationId xmlns:a16="http://schemas.microsoft.com/office/drawing/2014/main" id="{3FBEB86A-EB03-44F1-BA39-5535D0F0BCC4}"/>
               </a:ext>
             </a:extLst>
           </p:cNvPr>
@@ -14985,18 +14892,13 @@
           <a:lstStyle/>
           <a:p>
             <a:r>
-              <a:rPr lang="fr-CH" dirty="0" err="1">
+              <a:rPr lang="fr-CH" dirty="0">
                 <a:solidFill>
                   <a:srgbClr val="EBEBEB"/>
                 </a:solidFill>
               </a:rPr>
-              <a:t>Touchscreen</a:t>
-            </a:r>
-            <a:endParaRPr lang="fr-CH" dirty="0">
-              <a:solidFill>
-                <a:srgbClr val="EBEBEB"/>
-              </a:solidFill>
-            </a:endParaRPr>
+              <a:t>Display</a:t>
+            </a:r>
           </a:p>
         </p:txBody>
       </p:sp>
@@ -15008,7 +14910,7 @@
                 <a16:creationId xmlns:a16="http://schemas.microsoft.com/office/drawing/2014/main" id="{61752F1D-FC0F-4103-9584-630E643CCDA6}"/>
               </a:ext>
               <a:ext uri="{C183D7F6-B498-43B3-948B-1728B52AA6E4}">
-                <adec:decorative xmlns:adec="http://schemas.microsoft.com/office/drawing/2017/decorative" xmlns="" val="1"/>
+                <adec:decorative xmlns:adec="http://schemas.microsoft.com/office/drawing/2017/decorative" val="1"/>
               </a:ext>
             </a:extLst>
           </p:cNvPr>
@@ -15360,7 +15262,7 @@
                 <a16:creationId xmlns:a16="http://schemas.microsoft.com/office/drawing/2014/main" id="{70151CB7-E7DE-4917-B831-01DF9CE01306}"/>
               </a:ext>
               <a:ext uri="{C183D7F6-B498-43B3-948B-1728B52AA6E4}">
-                <adec:decorative xmlns:adec="http://schemas.microsoft.com/office/drawing/2017/decorative" xmlns="" val="1"/>
+                <adec:decorative xmlns:adec="http://schemas.microsoft.com/office/drawing/2017/decorative" val="1"/>
               </a:ext>
             </a:extLst>
           </p:cNvPr>
@@ -15815,37 +15717,6 @@
           </a:ln>
         </p:spPr>
       </p:sp>
-      <p:pic>
-        <p:nvPicPr>
-          <p:cNvPr id="5" name="Espace réservé du contenu 4">
-            <a:extLst>
-              <a:ext uri="{FF2B5EF4-FFF2-40B4-BE49-F238E27FC236}">
-                <a16:creationId xmlns:a16="http://schemas.microsoft.com/office/drawing/2014/main" id="{C9201EE7-5092-4FE1-8555-617BF8F9E7F4}"/>
-              </a:ext>
-            </a:extLst>
-          </p:cNvPr>
-          <p:cNvPicPr>
-            <a:picLocks noChangeAspect="1"/>
-          </p:cNvPicPr>
-          <p:nvPr/>
-        </p:nvPicPr>
-        <p:blipFill>
-          <a:blip r:embed="rId3"/>
-          <a:stretch>
-            <a:fillRect/>
-          </a:stretch>
-        </p:blipFill>
-        <p:spPr>
-          <a:xfrm>
-            <a:off x="6653465" y="831025"/>
-            <a:ext cx="5143992" cy="5195950"/>
-          </a:xfrm>
-          <a:prstGeom prst="rect">
-            <a:avLst/>
-          </a:prstGeom>
-          <a:effectLst/>
-        </p:spPr>
-      </p:pic>
       <p:sp>
         <p:nvSpPr>
           <p:cNvPr id="18" name="Rectangle 17">
@@ -15854,7 +15725,7 @@
                 <a16:creationId xmlns:a16="http://schemas.microsoft.com/office/drawing/2014/main" id="{A92A1116-1C84-41DF-B803-1F7B0883EC82}"/>
               </a:ext>
               <a:ext uri="{C183D7F6-B498-43B3-948B-1728B52AA6E4}">
-                <adec:decorative xmlns:adec="http://schemas.microsoft.com/office/drawing/2017/decorative" xmlns="" val="1"/>
+                <adec:decorative xmlns:adec="http://schemas.microsoft.com/office/drawing/2017/decorative" val="1"/>
               </a:ext>
             </a:extLst>
           </p:cNvPr>
@@ -15904,7 +15775,7 @@
           <p:cNvPr id="9" name="Content Placeholder 8">
             <a:extLst>
               <a:ext uri="{FF2B5EF4-FFF2-40B4-BE49-F238E27FC236}">
-                <a16:creationId xmlns:a16="http://schemas.microsoft.com/office/drawing/2014/main" id="{6F9D9A4A-8723-476B-95CE-56FD53F5D48F}"/>
+                <a16:creationId xmlns:a16="http://schemas.microsoft.com/office/drawing/2014/main" id="{DBCD6E07-6FF3-4284-A104-8B7C053218B6}"/>
               </a:ext>
             </a:extLst>
           </p:cNvPr>
@@ -15918,7 +15789,7 @@
         <p:spPr>
           <a:xfrm>
             <a:off x="648931" y="2438400"/>
-            <a:ext cx="4557868" cy="3785419"/>
+            <a:ext cx="4166509" cy="3785419"/>
           </a:xfrm>
         </p:spPr>
         <p:txBody>
@@ -15928,12 +15799,20 @@
           <a:lstStyle/>
           <a:p>
             <a:r>
+              <a:rPr lang="en-US" dirty="0" err="1">
+                <a:solidFill>
+                  <a:srgbClr val="EBEBEB"/>
+                </a:solidFill>
+              </a:rPr>
+              <a:t>Affichage</a:t>
+            </a:r>
+            <a:r>
               <a:rPr lang="en-US" dirty="0">
                 <a:solidFill>
                   <a:srgbClr val="EBEBEB"/>
                 </a:solidFill>
               </a:rPr>
-              <a:t>Interruption avec </a:t>
+              <a:t> des menus (boutons, </a:t>
             </a:r>
             <a:r>
               <a:rPr lang="en-US" dirty="0" err="1">
@@ -15941,7 +15820,7 @@
                   <a:srgbClr val="EBEBEB"/>
                 </a:solidFill>
               </a:rPr>
-              <a:t>une</a:t>
+              <a:t>textes</a:t>
             </a:r>
             <a:r>
               <a:rPr lang="en-US" dirty="0">
@@ -15949,7 +15828,7 @@
                   <a:srgbClr val="EBEBEB"/>
                 </a:solidFill>
               </a:rPr>
-              <a:t> pression</a:t>
+              <a:t> &amp; sliders)</a:t>
             </a:r>
           </a:p>
           <a:p>
@@ -15966,7 +15845,7 @@
                   <a:srgbClr val="EBEBEB"/>
                 </a:solidFill>
               </a:rPr>
-              <a:t>Calcul</a:t>
+              <a:t>Redessine</a:t>
             </a:r>
             <a:r>
               <a:rPr lang="en-US" dirty="0">
@@ -15974,15 +15853,61 @@
                   <a:srgbClr val="EBEBEB"/>
                 </a:solidFill>
               </a:rPr>
-              <a:t> de la position </a:t>
+              <a:t> les </a:t>
+            </a:r>
+            <a:r>
+              <a:rPr lang="en-US" dirty="0" err="1">
+                <a:solidFill>
+                  <a:srgbClr val="EBEBEB"/>
+                </a:solidFill>
+              </a:rPr>
+              <a:t>éléments</a:t>
+            </a:r>
+            <a:r>
+              <a:rPr lang="en-US" dirty="0">
+                <a:solidFill>
+                  <a:srgbClr val="EBEBEB"/>
+                </a:solidFill>
+              </a:rPr>
+              <a:t> du jeu</a:t>
             </a:r>
           </a:p>
         </p:txBody>
       </p:sp>
+      <p:pic>
+        <p:nvPicPr>
+          <p:cNvPr id="7" name="Image 6">
+            <a:extLst>
+              <a:ext uri="{FF2B5EF4-FFF2-40B4-BE49-F238E27FC236}">
+                <a16:creationId xmlns:a16="http://schemas.microsoft.com/office/drawing/2014/main" id="{BF3FD4C8-97EE-47EC-9D74-2C7D57E1B3B3}"/>
+              </a:ext>
+            </a:extLst>
+          </p:cNvPr>
+          <p:cNvPicPr>
+            <a:picLocks noChangeAspect="1"/>
+          </p:cNvPicPr>
+          <p:nvPr/>
+        </p:nvPicPr>
+        <p:blipFill>
+          <a:blip r:embed="rId3"/>
+          <a:stretch>
+            <a:fillRect/>
+          </a:stretch>
+        </p:blipFill>
+        <p:spPr>
+          <a:xfrm>
+            <a:off x="5875656" y="283845"/>
+            <a:ext cx="5648325" cy="5619750"/>
+          </a:xfrm>
+          <a:prstGeom prst="rect">
+            <a:avLst/>
+          </a:prstGeom>
+        </p:spPr>
+      </p:pic>
     </p:spTree>
     <p:extLst>
       <p:ext uri="{BB962C8B-B14F-4D97-AF65-F5344CB8AC3E}">
-        <p14:creationId xmlns:p14="http://schemas.microsoft.com/office/powerpoint/2010/main" val="1165453871"/>
+        <p14:creationId xmlns:p14="http://schemas.microsoft.com/office/powerpoint/2010/main" val="1822106066"/>
       </p:ext>
     </p:extLst>
   </p:cSld>
@@ -16004,7 +15929,7 @@
 </p:sld>
 </file>
 
-<file path=ppt/slides/slide8.xml><?xml version="1.0" encoding="utf-8"?>
+<file path=ppt/slides/slide7.xml><?xml version="1.0" encoding="utf-8"?>
 <p:sld xmlns:a="http://schemas.openxmlformats.org/drawingml/2006/main" xmlns:r="http://schemas.openxmlformats.org/officeDocument/2006/relationships" xmlns:p="http://schemas.openxmlformats.org/presentationml/2006/main">
   <p:cSld>
     <p:bg>
@@ -16037,7 +15962,7 @@
                 <a16:creationId xmlns:a16="http://schemas.microsoft.com/office/drawing/2014/main" id="{B4AAD3FD-83A5-4B89-9F8F-01B8870865BE}"/>
               </a:ext>
               <a:ext uri="{C183D7F6-B498-43B3-948B-1728B52AA6E4}">
-                <adec:decorative xmlns:adec="http://schemas.microsoft.com/office/drawing/2017/decorative" xmlns="" val="1"/>
+                <adec:decorative xmlns:adec="http://schemas.microsoft.com/office/drawing/2017/decorative" val="1"/>
               </a:ext>
             </a:extLst>
           </p:cNvPr>
@@ -16094,7 +16019,7 @@
           <p:cNvPr id="2" name="Titre 1">
             <a:extLst>
               <a:ext uri="{FF2B5EF4-FFF2-40B4-BE49-F238E27FC236}">
-                <a16:creationId xmlns:a16="http://schemas.microsoft.com/office/drawing/2014/main" id="{4227A0A5-0EA3-4EE4-94EB-46FA46281534}"/>
+                <a16:creationId xmlns:a16="http://schemas.microsoft.com/office/drawing/2014/main" id="{8E37A435-AFB4-42D6-8322-26DCB64D68B4}"/>
               </a:ext>
             </a:extLst>
           </p:cNvPr>
@@ -16123,16 +16048,13 @@
                   <a:srgbClr val="EBEBEB"/>
                 </a:solidFill>
               </a:rPr>
-              <a:t>Sleep</a:t>
-            </a:r>
-            <a:r>
-              <a:rPr lang="fr-CH" dirty="0">
-                <a:solidFill>
-                  <a:srgbClr val="EBEBEB"/>
-                </a:solidFill>
-              </a:rPr>
-              <a:t> mode</a:t>
-            </a:r>
+              <a:t>Touchscreen</a:t>
+            </a:r>
+            <a:endParaRPr lang="fr-CH" dirty="0">
+              <a:solidFill>
+                <a:srgbClr val="EBEBEB"/>
+              </a:solidFill>
+            </a:endParaRPr>
           </a:p>
         </p:txBody>
       </p:sp>
@@ -16144,7 +16066,7 @@
                 <a16:creationId xmlns:a16="http://schemas.microsoft.com/office/drawing/2014/main" id="{61752F1D-FC0F-4103-9584-630E643CCDA6}"/>
               </a:ext>
               <a:ext uri="{C183D7F6-B498-43B3-948B-1728B52AA6E4}">
-                <adec:decorative xmlns:adec="http://schemas.microsoft.com/office/drawing/2017/decorative" xmlns="" val="1"/>
+                <adec:decorative xmlns:adec="http://schemas.microsoft.com/office/drawing/2017/decorative" val="1"/>
               </a:ext>
             </a:extLst>
           </p:cNvPr>
@@ -16496,7 +16418,7 @@
                 <a16:creationId xmlns:a16="http://schemas.microsoft.com/office/drawing/2014/main" id="{70151CB7-E7DE-4917-B831-01DF9CE01306}"/>
               </a:ext>
               <a:ext uri="{C183D7F6-B498-43B3-948B-1728B52AA6E4}">
-                <adec:decorative xmlns:adec="http://schemas.microsoft.com/office/drawing/2017/decorative" xmlns="" val="1"/>
+                <adec:decorative xmlns:adec="http://schemas.microsoft.com/office/drawing/2017/decorative" val="1"/>
               </a:ext>
             </a:extLst>
           </p:cNvPr>
@@ -16956,6 +16878,1142 @@
           <p:cNvPr id="5" name="Espace réservé du contenu 4">
             <a:extLst>
               <a:ext uri="{FF2B5EF4-FFF2-40B4-BE49-F238E27FC236}">
+                <a16:creationId xmlns:a16="http://schemas.microsoft.com/office/drawing/2014/main" id="{C9201EE7-5092-4FE1-8555-617BF8F9E7F4}"/>
+              </a:ext>
+            </a:extLst>
+          </p:cNvPr>
+          <p:cNvPicPr>
+            <a:picLocks noChangeAspect="1"/>
+          </p:cNvPicPr>
+          <p:nvPr/>
+        </p:nvPicPr>
+        <p:blipFill>
+          <a:blip r:embed="rId3"/>
+          <a:stretch>
+            <a:fillRect/>
+          </a:stretch>
+        </p:blipFill>
+        <p:spPr>
+          <a:xfrm>
+            <a:off x="6653465" y="831025"/>
+            <a:ext cx="5143992" cy="5195950"/>
+          </a:xfrm>
+          <a:prstGeom prst="rect">
+            <a:avLst/>
+          </a:prstGeom>
+          <a:effectLst/>
+        </p:spPr>
+      </p:pic>
+      <p:sp>
+        <p:nvSpPr>
+          <p:cNvPr id="18" name="Rectangle 17">
+            <a:extLst>
+              <a:ext uri="{FF2B5EF4-FFF2-40B4-BE49-F238E27FC236}">
+                <a16:creationId xmlns:a16="http://schemas.microsoft.com/office/drawing/2014/main" id="{A92A1116-1C84-41DF-B803-1F7B0883EC82}"/>
+              </a:ext>
+              <a:ext uri="{C183D7F6-B498-43B3-948B-1728B52AA6E4}">
+                <adec:decorative xmlns:adec="http://schemas.microsoft.com/office/drawing/2017/decorative" val="1"/>
+              </a:ext>
+            </a:extLst>
+          </p:cNvPr>
+          <p:cNvSpPr>
+            <a:spLocks noGrp="1" noRot="1" noChangeAspect="1" noMove="1" noResize="1" noEditPoints="1" noAdjustHandles="1" noChangeArrowheads="1" noChangeShapeType="1" noTextEdit="1"/>
+          </p:cNvSpPr>
+          <p:nvPr>
+            <p:extLst>
+              <p:ext uri="{386F3935-93C4-4BCD-93E2-E3B085C9AB24}">
+                <p16:designElem xmlns:p16="http://schemas.microsoft.com/office/powerpoint/2015/main" val="1"/>
+              </p:ext>
+            </p:extLst>
+          </p:nvPr>
+        </p:nvSpPr>
+        <p:spPr>
+          <a:xfrm>
+            <a:off x="10442448" y="0"/>
+            <a:ext cx="685800" cy="1143000"/>
+          </a:xfrm>
+          <a:prstGeom prst="rect">
+            <a:avLst/>
+          </a:prstGeom>
+          <a:solidFill>
+            <a:schemeClr val="accent1"/>
+          </a:solidFill>
+          <a:ln>
+            <a:noFill/>
+          </a:ln>
+        </p:spPr>
+        <p:style>
+          <a:lnRef idx="1">
+            <a:schemeClr val="accent1"/>
+          </a:lnRef>
+          <a:fillRef idx="3">
+            <a:schemeClr val="accent1"/>
+          </a:fillRef>
+          <a:effectRef idx="2">
+            <a:schemeClr val="accent1"/>
+          </a:effectRef>
+          <a:fontRef idx="minor">
+            <a:schemeClr val="lt1"/>
+          </a:fontRef>
+        </p:style>
+      </p:sp>
+      <p:sp>
+        <p:nvSpPr>
+          <p:cNvPr id="9" name="Content Placeholder 8">
+            <a:extLst>
+              <a:ext uri="{FF2B5EF4-FFF2-40B4-BE49-F238E27FC236}">
+                <a16:creationId xmlns:a16="http://schemas.microsoft.com/office/drawing/2014/main" id="{6F9D9A4A-8723-476B-95CE-56FD53F5D48F}"/>
+              </a:ext>
+            </a:extLst>
+          </p:cNvPr>
+          <p:cNvSpPr>
+            <a:spLocks noGrp="1"/>
+          </p:cNvSpPr>
+          <p:nvPr>
+            <p:ph idx="1"/>
+          </p:nvPr>
+        </p:nvSpPr>
+        <p:spPr>
+          <a:xfrm>
+            <a:off x="648931" y="2438400"/>
+            <a:ext cx="4557868" cy="3785419"/>
+          </a:xfrm>
+        </p:spPr>
+        <p:txBody>
+          <a:bodyPr>
+            <a:normAutofit/>
+          </a:bodyPr>
+          <a:lstStyle/>
+          <a:p>
+            <a:r>
+              <a:rPr lang="en-US" dirty="0">
+                <a:solidFill>
+                  <a:srgbClr val="EBEBEB"/>
+                </a:solidFill>
+              </a:rPr>
+              <a:t>Interruption avec </a:t>
+            </a:r>
+            <a:r>
+              <a:rPr lang="en-US" dirty="0" err="1">
+                <a:solidFill>
+                  <a:srgbClr val="EBEBEB"/>
+                </a:solidFill>
+              </a:rPr>
+              <a:t>une</a:t>
+            </a:r>
+            <a:r>
+              <a:rPr lang="en-US" dirty="0">
+                <a:solidFill>
+                  <a:srgbClr val="EBEBEB"/>
+                </a:solidFill>
+              </a:rPr>
+              <a:t> pression</a:t>
+            </a:r>
+          </a:p>
+          <a:p>
+            <a:endParaRPr lang="en-US" dirty="0">
+              <a:solidFill>
+                <a:srgbClr val="EBEBEB"/>
+              </a:solidFill>
+            </a:endParaRPr>
+          </a:p>
+          <a:p>
+            <a:r>
+              <a:rPr lang="en-US" dirty="0" err="1">
+                <a:solidFill>
+                  <a:srgbClr val="EBEBEB"/>
+                </a:solidFill>
+              </a:rPr>
+              <a:t>Calcul</a:t>
+            </a:r>
+            <a:r>
+              <a:rPr lang="en-US" dirty="0">
+                <a:solidFill>
+                  <a:srgbClr val="EBEBEB"/>
+                </a:solidFill>
+              </a:rPr>
+              <a:t> de la position </a:t>
+            </a:r>
+          </a:p>
+        </p:txBody>
+      </p:sp>
+    </p:spTree>
+    <p:extLst>
+      <p:ext uri="{BB962C8B-B14F-4D97-AF65-F5344CB8AC3E}">
+        <p14:creationId xmlns:p14="http://schemas.microsoft.com/office/powerpoint/2010/main" val="1165453871"/>
+      </p:ext>
+    </p:extLst>
+  </p:cSld>
+  <p:clrMapOvr>
+    <a:overrideClrMapping bg1="lt1" tx1="dk1" bg2="lt2" tx2="dk2" accent1="accent1" accent2="accent2" accent3="accent3" accent4="accent4" accent5="accent5" accent6="accent6" hlink="hlink" folHlink="folHlink"/>
+  </p:clrMapOvr>
+  <mc:AlternateContent xmlns:mc="http://schemas.openxmlformats.org/markup-compatibility/2006" xmlns:p14="http://schemas.microsoft.com/office/powerpoint/2010/main">
+    <mc:Choice Requires="p14">
+      <p:transition spd="med" p14:dur="700">
+        <p:fade/>
+      </p:transition>
+    </mc:Choice>
+    <mc:Fallback xmlns="">
+      <p:transition spd="med">
+        <p:fade/>
+      </p:transition>
+    </mc:Fallback>
+  </mc:AlternateContent>
+</p:sld>
+</file>
+
+<file path=ppt/slides/slide8.xml><?xml version="1.0" encoding="utf-8"?>
+<p:sld xmlns:a="http://schemas.openxmlformats.org/drawingml/2006/main" xmlns:r="http://schemas.openxmlformats.org/officeDocument/2006/relationships" xmlns:p="http://schemas.openxmlformats.org/presentationml/2006/main">
+  <p:cSld>
+    <p:bg>
+      <p:bgPr>
+        <a:solidFill>
+          <a:schemeClr val="bg1"/>
+        </a:solidFill>
+        <a:effectLst/>
+      </p:bgPr>
+    </p:bg>
+    <p:spTree>
+      <p:nvGrpSpPr>
+        <p:cNvPr id="1" name=""/>
+        <p:cNvGrpSpPr/>
+        <p:nvPr/>
+      </p:nvGrpSpPr>
+      <p:grpSpPr>
+        <a:xfrm>
+          <a:off x="0" y="0"/>
+          <a:ext cx="0" cy="0"/>
+          <a:chOff x="0" y="0"/>
+          <a:chExt cx="0" cy="0"/>
+        </a:xfrm>
+      </p:grpSpPr>
+      <p:sp>
+        <p:nvSpPr>
+          <p:cNvPr id="12" name="Rectangle 11">
+            <a:extLst>
+              <a:ext uri="{FF2B5EF4-FFF2-40B4-BE49-F238E27FC236}">
+                <a16:creationId xmlns:a16="http://schemas.microsoft.com/office/drawing/2014/main" id="{B4AAD3FD-83A5-4B89-9F8F-01B8870865BE}"/>
+              </a:ext>
+              <a:ext uri="{C183D7F6-B498-43B3-948B-1728B52AA6E4}">
+                <adec:decorative xmlns:adec="http://schemas.microsoft.com/office/drawing/2017/decorative" val="1"/>
+              </a:ext>
+            </a:extLst>
+          </p:cNvPr>
+          <p:cNvSpPr>
+            <a:spLocks noGrp="1" noRot="1" noChangeAspect="1" noMove="1" noResize="1" noEditPoints="1" noAdjustHandles="1" noChangeArrowheads="1" noChangeShapeType="1" noTextEdit="1"/>
+          </p:cNvSpPr>
+          <p:nvPr>
+            <p:extLst>
+              <p:ext uri="{386F3935-93C4-4BCD-93E2-E3B085C9AB24}">
+                <p16:designElem xmlns:p16="http://schemas.microsoft.com/office/powerpoint/2015/main" val="1"/>
+              </p:ext>
+            </p:extLst>
+          </p:nvPr>
+        </p:nvSpPr>
+        <p:spPr>
+          <a:xfrm>
+            <a:off x="0" y="0"/>
+            <a:ext cx="12192000" cy="6858000"/>
+          </a:xfrm>
+          <a:prstGeom prst="rect">
+            <a:avLst/>
+          </a:prstGeom>
+          <a:ln>
+            <a:noFill/>
+          </a:ln>
+        </p:spPr>
+        <p:style>
+          <a:lnRef idx="2">
+            <a:schemeClr val="accent1">
+              <a:shade val="50000"/>
+            </a:schemeClr>
+          </a:lnRef>
+          <a:fillRef idx="1003">
+            <a:schemeClr val="dk2"/>
+          </a:fillRef>
+          <a:effectRef idx="0">
+            <a:schemeClr val="accent1"/>
+          </a:effectRef>
+          <a:fontRef idx="minor">
+            <a:schemeClr val="lt1"/>
+          </a:fontRef>
+        </p:style>
+        <p:txBody>
+          <a:bodyPr rtlCol="0" anchor="ctr"/>
+          <a:lstStyle/>
+          <a:p>
+            <a:pPr algn="ctr"/>
+            <a:endParaRPr lang="en-US"/>
+          </a:p>
+        </p:txBody>
+      </p:sp>
+      <p:sp>
+        <p:nvSpPr>
+          <p:cNvPr id="2" name="Titre 1">
+            <a:extLst>
+              <a:ext uri="{FF2B5EF4-FFF2-40B4-BE49-F238E27FC236}">
+                <a16:creationId xmlns:a16="http://schemas.microsoft.com/office/drawing/2014/main" id="{4227A0A5-0EA3-4EE4-94EB-46FA46281534}"/>
+              </a:ext>
+            </a:extLst>
+          </p:cNvPr>
+          <p:cNvSpPr>
+            <a:spLocks noGrp="1"/>
+          </p:cNvSpPr>
+          <p:nvPr>
+            <p:ph type="title"/>
+          </p:nvPr>
+        </p:nvSpPr>
+        <p:spPr>
+          <a:xfrm>
+            <a:off x="648931" y="629266"/>
+            <a:ext cx="4166510" cy="1622321"/>
+          </a:xfrm>
+        </p:spPr>
+        <p:txBody>
+          <a:bodyPr>
+            <a:normAutofit/>
+          </a:bodyPr>
+          <a:lstStyle/>
+          <a:p>
+            <a:r>
+              <a:rPr lang="fr-CH" dirty="0" err="1">
+                <a:solidFill>
+                  <a:srgbClr val="EBEBEB"/>
+                </a:solidFill>
+              </a:rPr>
+              <a:t>Sleep</a:t>
+            </a:r>
+            <a:r>
+              <a:rPr lang="fr-CH" dirty="0">
+                <a:solidFill>
+                  <a:srgbClr val="EBEBEB"/>
+                </a:solidFill>
+              </a:rPr>
+              <a:t> mode</a:t>
+            </a:r>
+          </a:p>
+        </p:txBody>
+      </p:sp>
+      <p:sp>
+        <p:nvSpPr>
+          <p:cNvPr id="14" name="Freeform 31">
+            <a:extLst>
+              <a:ext uri="{FF2B5EF4-FFF2-40B4-BE49-F238E27FC236}">
+                <a16:creationId xmlns:a16="http://schemas.microsoft.com/office/drawing/2014/main" id="{61752F1D-FC0F-4103-9584-630E643CCDA6}"/>
+              </a:ext>
+              <a:ext uri="{C183D7F6-B498-43B3-948B-1728B52AA6E4}">
+                <adec:decorative xmlns:adec="http://schemas.microsoft.com/office/drawing/2017/decorative" val="1"/>
+              </a:ext>
+            </a:extLst>
+          </p:cNvPr>
+          <p:cNvSpPr>
+            <a:spLocks noGrp="1" noRot="1" noChangeAspect="1" noMove="1" noResize="1" noEditPoints="1" noAdjustHandles="1" noChangeArrowheads="1" noChangeShapeType="1" noTextEdit="1"/>
+          </p:cNvSpPr>
+          <p:nvPr>
+            <p:extLst>
+              <p:ext uri="{386F3935-93C4-4BCD-93E2-E3B085C9AB24}">
+                <p16:designElem xmlns:p16="http://schemas.microsoft.com/office/powerpoint/2015/main" val="1"/>
+              </p:ext>
+            </p:extLst>
+          </p:nvPr>
+        </p:nvSpPr>
+        <p:spPr>
+          <a:xfrm>
+            <a:off x="4994020" y="-1"/>
+            <a:ext cx="559472" cy="3709642"/>
+          </a:xfrm>
+          <a:custGeom>
+            <a:avLst/>
+            <a:gdLst>
+              <a:gd name="connsiteX0" fmla="*/ 0 w 559472"/>
+              <a:gd name="connsiteY0" fmla="*/ 0 h 3709642"/>
+              <a:gd name="connsiteX1" fmla="*/ 473952 w 559472"/>
+              <a:gd name="connsiteY1" fmla="*/ 0 h 3709642"/>
+              <a:gd name="connsiteX2" fmla="*/ 485840 w 559472"/>
+              <a:gd name="connsiteY2" fmla="*/ 161194 h 3709642"/>
+              <a:gd name="connsiteX3" fmla="*/ 523949 w 559472"/>
+              <a:gd name="connsiteY3" fmla="*/ 3672197 h 3709642"/>
+              <a:gd name="connsiteX4" fmla="*/ 454748 w 559472"/>
+              <a:gd name="connsiteY4" fmla="*/ 3709642 h 3709642"/>
+              <a:gd name="connsiteX5" fmla="*/ 448224 w 559472"/>
+              <a:gd name="connsiteY5" fmla="*/ 3510471 h 3709642"/>
+              <a:gd name="connsiteX6" fmla="*/ 443564 w 559472"/>
+              <a:gd name="connsiteY6" fmla="*/ 3408563 h 3709642"/>
+              <a:gd name="connsiteX7" fmla="*/ 438902 w 559472"/>
+              <a:gd name="connsiteY7" fmla="*/ 3304407 h 3709642"/>
+              <a:gd name="connsiteX8" fmla="*/ 433941 w 559472"/>
+              <a:gd name="connsiteY8" fmla="*/ 3198777 h 3709642"/>
+              <a:gd name="connsiteX9" fmla="*/ 427584 w 559472"/>
+              <a:gd name="connsiteY9" fmla="*/ 3092510 h 3709642"/>
+              <a:gd name="connsiteX10" fmla="*/ 420988 w 559472"/>
+              <a:gd name="connsiteY10" fmla="*/ 2984390 h 3709642"/>
+              <a:gd name="connsiteX11" fmla="*/ 414330 w 559472"/>
+              <a:gd name="connsiteY11" fmla="*/ 2874401 h 3709642"/>
+              <a:gd name="connsiteX12" fmla="*/ 406840 w 559472"/>
+              <a:gd name="connsiteY12" fmla="*/ 2762980 h 3709642"/>
+              <a:gd name="connsiteX13" fmla="*/ 397745 w 559472"/>
+              <a:gd name="connsiteY13" fmla="*/ 2650566 h 3709642"/>
+              <a:gd name="connsiteX14" fmla="*/ 389154 w 559472"/>
+              <a:gd name="connsiteY14" fmla="*/ 2536612 h 3709642"/>
+              <a:gd name="connsiteX15" fmla="*/ 379225 w 559472"/>
+              <a:gd name="connsiteY15" fmla="*/ 2421642 h 3709642"/>
+              <a:gd name="connsiteX16" fmla="*/ 368316 w 559472"/>
+              <a:gd name="connsiteY16" fmla="*/ 2305627 h 3709642"/>
+              <a:gd name="connsiteX17" fmla="*/ 357466 w 559472"/>
+              <a:gd name="connsiteY17" fmla="*/ 2189233 h 3709642"/>
+              <a:gd name="connsiteX18" fmla="*/ 344982 w 559472"/>
+              <a:gd name="connsiteY18" fmla="*/ 2071473 h 3709642"/>
+              <a:gd name="connsiteX19" fmla="*/ 332466 w 559472"/>
+              <a:gd name="connsiteY19" fmla="*/ 1952216 h 3709642"/>
+              <a:gd name="connsiteX20" fmla="*/ 319121 w 559472"/>
+              <a:gd name="connsiteY20" fmla="*/ 1833776 h 3709642"/>
+              <a:gd name="connsiteX21" fmla="*/ 304408 w 559472"/>
+              <a:gd name="connsiteY21" fmla="*/ 1713948 h 3709642"/>
+              <a:gd name="connsiteX22" fmla="*/ 288685 w 559472"/>
+              <a:gd name="connsiteY22" fmla="*/ 1592703 h 3709642"/>
+              <a:gd name="connsiteX23" fmla="*/ 273050 w 559472"/>
+              <a:gd name="connsiteY23" fmla="*/ 1471451 h 3709642"/>
+              <a:gd name="connsiteX24" fmla="*/ 255813 w 559472"/>
+              <a:gd name="connsiteY24" fmla="*/ 1350328 h 3709642"/>
+              <a:gd name="connsiteX25" fmla="*/ 237060 w 559472"/>
+              <a:gd name="connsiteY25" fmla="*/ 1227080 h 3709642"/>
+              <a:gd name="connsiteX26" fmla="*/ 218488 w 559472"/>
+              <a:gd name="connsiteY26" fmla="*/ 1106065 h 3709642"/>
+              <a:gd name="connsiteX27" fmla="*/ 198221 w 559472"/>
+              <a:gd name="connsiteY27" fmla="*/ 982940 h 3709642"/>
+              <a:gd name="connsiteX28" fmla="*/ 177152 w 559472"/>
+              <a:gd name="connsiteY28" fmla="*/ 858755 h 3709642"/>
+              <a:gd name="connsiteX29" fmla="*/ 155551 w 559472"/>
+              <a:gd name="connsiteY29" fmla="*/ 736861 h 3709642"/>
+              <a:gd name="connsiteX30" fmla="*/ 131782 w 559472"/>
+              <a:gd name="connsiteY30" fmla="*/ 613645 h 3709642"/>
+              <a:gd name="connsiteX31" fmla="*/ 107123 w 559472"/>
+              <a:gd name="connsiteY31" fmla="*/ 490500 h 3709642"/>
+              <a:gd name="connsiteX32" fmla="*/ 82552 w 559472"/>
+              <a:gd name="connsiteY32" fmla="*/ 367348 h 3709642"/>
+              <a:gd name="connsiteX33" fmla="*/ 55608 w 559472"/>
+              <a:gd name="connsiteY33" fmla="*/ 244762 h 3709642"/>
+              <a:gd name="connsiteX34" fmla="*/ 28130 w 559472"/>
+              <a:gd name="connsiteY34" fmla="*/ 122220 h 3709642"/>
+              <a:gd name="connsiteX35" fmla="*/ 0 w 559472"/>
+              <a:gd name="connsiteY35" fmla="*/ 0 h 3709642"/>
+            </a:gdLst>
+            <a:ahLst/>
+            <a:cxnLst>
+              <a:cxn ang="0">
+                <a:pos x="connsiteX0" y="connsiteY0"/>
+              </a:cxn>
+              <a:cxn ang="0">
+                <a:pos x="connsiteX1" y="connsiteY1"/>
+              </a:cxn>
+              <a:cxn ang="0">
+                <a:pos x="connsiteX2" y="connsiteY2"/>
+              </a:cxn>
+              <a:cxn ang="0">
+                <a:pos x="connsiteX3" y="connsiteY3"/>
+              </a:cxn>
+              <a:cxn ang="0">
+                <a:pos x="connsiteX4" y="connsiteY4"/>
+              </a:cxn>
+              <a:cxn ang="0">
+                <a:pos x="connsiteX5" y="connsiteY5"/>
+              </a:cxn>
+              <a:cxn ang="0">
+                <a:pos x="connsiteX6" y="connsiteY6"/>
+              </a:cxn>
+              <a:cxn ang="0">
+                <a:pos x="connsiteX7" y="connsiteY7"/>
+              </a:cxn>
+              <a:cxn ang="0">
+                <a:pos x="connsiteX8" y="connsiteY8"/>
+              </a:cxn>
+              <a:cxn ang="0">
+                <a:pos x="connsiteX9" y="connsiteY9"/>
+              </a:cxn>
+              <a:cxn ang="0">
+                <a:pos x="connsiteX10" y="connsiteY10"/>
+              </a:cxn>
+              <a:cxn ang="0">
+                <a:pos x="connsiteX11" y="connsiteY11"/>
+              </a:cxn>
+              <a:cxn ang="0">
+                <a:pos x="connsiteX12" y="connsiteY12"/>
+              </a:cxn>
+              <a:cxn ang="0">
+                <a:pos x="connsiteX13" y="connsiteY13"/>
+              </a:cxn>
+              <a:cxn ang="0">
+                <a:pos x="connsiteX14" y="connsiteY14"/>
+              </a:cxn>
+              <a:cxn ang="0">
+                <a:pos x="connsiteX15" y="connsiteY15"/>
+              </a:cxn>
+              <a:cxn ang="0">
+                <a:pos x="connsiteX16" y="connsiteY16"/>
+              </a:cxn>
+              <a:cxn ang="0">
+                <a:pos x="connsiteX17" y="connsiteY17"/>
+              </a:cxn>
+              <a:cxn ang="0">
+                <a:pos x="connsiteX18" y="connsiteY18"/>
+              </a:cxn>
+              <a:cxn ang="0">
+                <a:pos x="connsiteX19" y="connsiteY19"/>
+              </a:cxn>
+              <a:cxn ang="0">
+                <a:pos x="connsiteX20" y="connsiteY20"/>
+              </a:cxn>
+              <a:cxn ang="0">
+                <a:pos x="connsiteX21" y="connsiteY21"/>
+              </a:cxn>
+              <a:cxn ang="0">
+                <a:pos x="connsiteX22" y="connsiteY22"/>
+              </a:cxn>
+              <a:cxn ang="0">
+                <a:pos x="connsiteX23" y="connsiteY23"/>
+              </a:cxn>
+              <a:cxn ang="0">
+                <a:pos x="connsiteX24" y="connsiteY24"/>
+              </a:cxn>
+              <a:cxn ang="0">
+                <a:pos x="connsiteX25" y="connsiteY25"/>
+              </a:cxn>
+              <a:cxn ang="0">
+                <a:pos x="connsiteX26" y="connsiteY26"/>
+              </a:cxn>
+              <a:cxn ang="0">
+                <a:pos x="connsiteX27" y="connsiteY27"/>
+              </a:cxn>
+              <a:cxn ang="0">
+                <a:pos x="connsiteX28" y="connsiteY28"/>
+              </a:cxn>
+              <a:cxn ang="0">
+                <a:pos x="connsiteX29" y="connsiteY29"/>
+              </a:cxn>
+              <a:cxn ang="0">
+                <a:pos x="connsiteX30" y="connsiteY30"/>
+              </a:cxn>
+              <a:cxn ang="0">
+                <a:pos x="connsiteX31" y="connsiteY31"/>
+              </a:cxn>
+              <a:cxn ang="0">
+                <a:pos x="connsiteX32" y="connsiteY32"/>
+              </a:cxn>
+              <a:cxn ang="0">
+                <a:pos x="connsiteX33" y="connsiteY33"/>
+              </a:cxn>
+              <a:cxn ang="0">
+                <a:pos x="connsiteX34" y="connsiteY34"/>
+              </a:cxn>
+              <a:cxn ang="0">
+                <a:pos x="connsiteX35" y="connsiteY35"/>
+              </a:cxn>
+            </a:cxnLst>
+            <a:rect l="l" t="t" r="r" b="b"/>
+            <a:pathLst>
+              <a:path w="559472" h="3709642">
+                <a:moveTo>
+                  <a:pt x="0" y="0"/>
+                </a:moveTo>
+                <a:lnTo>
+                  <a:pt x="473952" y="0"/>
+                </a:lnTo>
+                <a:lnTo>
+                  <a:pt x="485840" y="161194"/>
+                </a:lnTo>
+                <a:cubicBezTo>
+                  <a:pt x="552063" y="1147770"/>
+                  <a:pt x="592441" y="3086737"/>
+                  <a:pt x="523949" y="3672197"/>
+                </a:cubicBezTo>
+                <a:cubicBezTo>
+                  <a:pt x="500842" y="3684557"/>
+                  <a:pt x="477855" y="3697282"/>
+                  <a:pt x="454748" y="3709642"/>
+                </a:cubicBezTo>
+                <a:lnTo>
+                  <a:pt x="448224" y="3510471"/>
+                </a:lnTo>
+                <a:lnTo>
+                  <a:pt x="443564" y="3408563"/>
+                </a:lnTo>
+                <a:lnTo>
+                  <a:pt x="438902" y="3304407"/>
+                </a:lnTo>
+                <a:lnTo>
+                  <a:pt x="433941" y="3198777"/>
+                </a:lnTo>
+                <a:lnTo>
+                  <a:pt x="427584" y="3092510"/>
+                </a:lnTo>
+                <a:lnTo>
+                  <a:pt x="420988" y="2984390"/>
+                </a:lnTo>
+                <a:lnTo>
+                  <a:pt x="414330" y="2874401"/>
+                </a:lnTo>
+                <a:lnTo>
+                  <a:pt x="406840" y="2762980"/>
+                </a:lnTo>
+                <a:lnTo>
+                  <a:pt x="397745" y="2650566"/>
+                </a:lnTo>
+                <a:lnTo>
+                  <a:pt x="389154" y="2536612"/>
+                </a:lnTo>
+                <a:lnTo>
+                  <a:pt x="379225" y="2421642"/>
+                </a:lnTo>
+                <a:lnTo>
+                  <a:pt x="368316" y="2305627"/>
+                </a:lnTo>
+                <a:lnTo>
+                  <a:pt x="357466" y="2189233"/>
+                </a:lnTo>
+                <a:lnTo>
+                  <a:pt x="344982" y="2071473"/>
+                </a:lnTo>
+                <a:lnTo>
+                  <a:pt x="332466" y="1952216"/>
+                </a:lnTo>
+                <a:lnTo>
+                  <a:pt x="319121" y="1833776"/>
+                </a:lnTo>
+                <a:lnTo>
+                  <a:pt x="304408" y="1713948"/>
+                </a:lnTo>
+                <a:lnTo>
+                  <a:pt x="288685" y="1592703"/>
+                </a:lnTo>
+                <a:lnTo>
+                  <a:pt x="273050" y="1471451"/>
+                </a:lnTo>
+                <a:lnTo>
+                  <a:pt x="255813" y="1350328"/>
+                </a:lnTo>
+                <a:lnTo>
+                  <a:pt x="237060" y="1227080"/>
+                </a:lnTo>
+                <a:lnTo>
+                  <a:pt x="218488" y="1106065"/>
+                </a:lnTo>
+                <a:lnTo>
+                  <a:pt x="198221" y="982940"/>
+                </a:lnTo>
+                <a:lnTo>
+                  <a:pt x="177152" y="858755"/>
+                </a:lnTo>
+                <a:lnTo>
+                  <a:pt x="155551" y="736861"/>
+                </a:lnTo>
+                <a:lnTo>
+                  <a:pt x="131782" y="613645"/>
+                </a:lnTo>
+                <a:lnTo>
+                  <a:pt x="107123" y="490500"/>
+                </a:lnTo>
+                <a:lnTo>
+                  <a:pt x="82552" y="367348"/>
+                </a:lnTo>
+                <a:lnTo>
+                  <a:pt x="55608" y="244762"/>
+                </a:lnTo>
+                <a:lnTo>
+                  <a:pt x="28130" y="122220"/>
+                </a:lnTo>
+                <a:lnTo>
+                  <a:pt x="0" y="0"/>
+                </a:lnTo>
+                <a:close/>
+              </a:path>
+            </a:pathLst>
+          </a:custGeom>
+          <a:solidFill>
+            <a:schemeClr val="bg1">
+              <a:alpha val="20000"/>
+            </a:schemeClr>
+          </a:solidFill>
+          <a:ln>
+            <a:noFill/>
+          </a:ln>
+        </p:spPr>
+        <p:txBody>
+          <a:bodyPr rtlCol="0" anchor="ctr"/>
+          <a:lstStyle/>
+          <a:p>
+            <a:pPr algn="ctr"/>
+            <a:endParaRPr lang="en-US"/>
+          </a:p>
+        </p:txBody>
+      </p:sp>
+      <p:sp useBgFill="1">
+        <p:nvSpPr>
+          <p:cNvPr id="16" name="Freeform: Shape 15">
+            <a:extLst>
+              <a:ext uri="{FF2B5EF4-FFF2-40B4-BE49-F238E27FC236}">
+                <a16:creationId xmlns:a16="http://schemas.microsoft.com/office/drawing/2014/main" id="{70151CB7-E7DE-4917-B831-01DF9CE01306}"/>
+              </a:ext>
+              <a:ext uri="{C183D7F6-B498-43B3-948B-1728B52AA6E4}">
+                <adec:decorative xmlns:adec="http://schemas.microsoft.com/office/drawing/2017/decorative" val="1"/>
+              </a:ext>
+            </a:extLst>
+          </p:cNvPr>
+          <p:cNvSpPr>
+            <a:spLocks noGrp="1" noRot="1" noChangeAspect="1" noMove="1" noResize="1" noEditPoints="1" noAdjustHandles="1" noChangeArrowheads="1" noChangeShapeType="1" noTextEdit="1"/>
+          </p:cNvSpPr>
+          <p:nvPr>
+            <p:extLst>
+              <p:ext uri="{386F3935-93C4-4BCD-93E2-E3B085C9AB24}">
+                <p16:designElem xmlns:p16="http://schemas.microsoft.com/office/powerpoint/2015/main" val="1"/>
+              </p:ext>
+            </p:extLst>
+          </p:nvPr>
+        </p:nvSpPr>
+        <p:spPr bwMode="gray">
+          <a:xfrm rot="16200000">
+            <a:off x="5270819" y="-63600"/>
+            <a:ext cx="6858001" cy="6985200"/>
+          </a:xfrm>
+          <a:custGeom>
+            <a:avLst/>
+            <a:gdLst>
+              <a:gd name="connsiteX0" fmla="*/ 6858001 w 6858001"/>
+              <a:gd name="connsiteY0" fmla="*/ 1177 h 6985200"/>
+              <a:gd name="connsiteX1" fmla="*/ 6858001 w 6858001"/>
+              <a:gd name="connsiteY1" fmla="*/ 1344715 h 6985200"/>
+              <a:gd name="connsiteX2" fmla="*/ 6858000 w 6858001"/>
+              <a:gd name="connsiteY2" fmla="*/ 1344715 h 6985200"/>
+              <a:gd name="connsiteX3" fmla="*/ 6858000 w 6858001"/>
+              <a:gd name="connsiteY3" fmla="*/ 6985200 h 6985200"/>
+              <a:gd name="connsiteX4" fmla="*/ 0 w 6858001"/>
+              <a:gd name="connsiteY4" fmla="*/ 6985199 h 6985200"/>
+              <a:gd name="connsiteX5" fmla="*/ 0 w 6858001"/>
+              <a:gd name="connsiteY5" fmla="*/ 886772 h 6985200"/>
+              <a:gd name="connsiteX6" fmla="*/ 1 w 6858001"/>
+              <a:gd name="connsiteY6" fmla="*/ 886772 h 6985200"/>
+              <a:gd name="connsiteX7" fmla="*/ 1 w 6858001"/>
+              <a:gd name="connsiteY7" fmla="*/ 0 h 6985200"/>
+              <a:gd name="connsiteX8" fmla="*/ 40463 w 6858001"/>
+              <a:gd name="connsiteY8" fmla="*/ 5883 h 6985200"/>
+              <a:gd name="connsiteX9" fmla="*/ 159107 w 6858001"/>
+              <a:gd name="connsiteY9" fmla="*/ 23196 h 6985200"/>
+              <a:gd name="connsiteX10" fmla="*/ 245518 w 6858001"/>
+              <a:gd name="connsiteY10" fmla="*/ 35299 h 6985200"/>
+              <a:gd name="connsiteX11" fmla="*/ 348388 w 6858001"/>
+              <a:gd name="connsiteY11" fmla="*/ 48073 h 6985200"/>
+              <a:gd name="connsiteX12" fmla="*/ 470460 w 6858001"/>
+              <a:gd name="connsiteY12" fmla="*/ 63369 h 6985200"/>
+              <a:gd name="connsiteX13" fmla="*/ 605563 w 6858001"/>
+              <a:gd name="connsiteY13" fmla="*/ 79506 h 6985200"/>
+              <a:gd name="connsiteX14" fmla="*/ 757810 w 6858001"/>
+              <a:gd name="connsiteY14" fmla="*/ 96483 h 6985200"/>
+              <a:gd name="connsiteX15" fmla="*/ 923774 w 6858001"/>
+              <a:gd name="connsiteY15" fmla="*/ 114469 h 6985200"/>
+              <a:gd name="connsiteX16" fmla="*/ 1104139 w 6858001"/>
+              <a:gd name="connsiteY16" fmla="*/ 132454 h 6985200"/>
+              <a:gd name="connsiteX17" fmla="*/ 1296163 w 6858001"/>
+              <a:gd name="connsiteY17" fmla="*/ 150776 h 6985200"/>
+              <a:gd name="connsiteX18" fmla="*/ 1503275 w 6858001"/>
+              <a:gd name="connsiteY18" fmla="*/ 167753 h 6985200"/>
+              <a:gd name="connsiteX19" fmla="*/ 1719988 w 6858001"/>
+              <a:gd name="connsiteY19" fmla="*/ 184058 h 6985200"/>
+              <a:gd name="connsiteX20" fmla="*/ 1949045 w 6858001"/>
+              <a:gd name="connsiteY20" fmla="*/ 198849 h 6985200"/>
+              <a:gd name="connsiteX21" fmla="*/ 2187703 w 6858001"/>
+              <a:gd name="connsiteY21" fmla="*/ 212969 h 6985200"/>
+              <a:gd name="connsiteX22" fmla="*/ 2436649 w 6858001"/>
+              <a:gd name="connsiteY22" fmla="*/ 226248 h 6985200"/>
+              <a:gd name="connsiteX23" fmla="*/ 2564208 w 6858001"/>
+              <a:gd name="connsiteY23" fmla="*/ 230955 h 6985200"/>
+              <a:gd name="connsiteX24" fmla="*/ 2694509 w 6858001"/>
+              <a:gd name="connsiteY24" fmla="*/ 236165 h 6985200"/>
+              <a:gd name="connsiteX25" fmla="*/ 2826869 w 6858001"/>
+              <a:gd name="connsiteY25" fmla="*/ 241040 h 6985200"/>
+              <a:gd name="connsiteX26" fmla="*/ 2959914 w 6858001"/>
+              <a:gd name="connsiteY26" fmla="*/ 244234 h 6985200"/>
+              <a:gd name="connsiteX27" fmla="*/ 3095702 w 6858001"/>
+              <a:gd name="connsiteY27" fmla="*/ 247091 h 6985200"/>
+              <a:gd name="connsiteX28" fmla="*/ 3232862 w 6858001"/>
+              <a:gd name="connsiteY28" fmla="*/ 250117 h 6985200"/>
+              <a:gd name="connsiteX29" fmla="*/ 3372766 w 6858001"/>
+              <a:gd name="connsiteY29" fmla="*/ 252134 h 6985200"/>
+              <a:gd name="connsiteX30" fmla="*/ 3514040 w 6858001"/>
+              <a:gd name="connsiteY30" fmla="*/ 252134 h 6985200"/>
+              <a:gd name="connsiteX31" fmla="*/ 3656686 w 6858001"/>
+              <a:gd name="connsiteY31" fmla="*/ 253142 h 6985200"/>
+              <a:gd name="connsiteX32" fmla="*/ 3800705 w 6858001"/>
+              <a:gd name="connsiteY32" fmla="*/ 252134 h 6985200"/>
+              <a:gd name="connsiteX33" fmla="*/ 3946780 w 6858001"/>
+              <a:gd name="connsiteY33" fmla="*/ 250117 h 6985200"/>
+              <a:gd name="connsiteX34" fmla="*/ 4092856 w 6858001"/>
+              <a:gd name="connsiteY34" fmla="*/ 248268 h 6985200"/>
+              <a:gd name="connsiteX35" fmla="*/ 4240988 w 6858001"/>
+              <a:gd name="connsiteY35" fmla="*/ 244234 h 6985200"/>
+              <a:gd name="connsiteX36" fmla="*/ 4390492 w 6858001"/>
+              <a:gd name="connsiteY36" fmla="*/ 240032 h 6985200"/>
+              <a:gd name="connsiteX37" fmla="*/ 4539997 w 6858001"/>
+              <a:gd name="connsiteY37" fmla="*/ 235157 h 6985200"/>
+              <a:gd name="connsiteX38" fmla="*/ 4690873 w 6858001"/>
+              <a:gd name="connsiteY38" fmla="*/ 228266 h 6985200"/>
+              <a:gd name="connsiteX39" fmla="*/ 4843120 w 6858001"/>
+              <a:gd name="connsiteY39" fmla="*/ 220029 h 6985200"/>
+              <a:gd name="connsiteX40" fmla="*/ 4996054 w 6858001"/>
+              <a:gd name="connsiteY40" fmla="*/ 212129 h 6985200"/>
+              <a:gd name="connsiteX41" fmla="*/ 5148987 w 6858001"/>
+              <a:gd name="connsiteY41" fmla="*/ 202044 h 6985200"/>
+              <a:gd name="connsiteX42" fmla="*/ 5303978 w 6858001"/>
+              <a:gd name="connsiteY42" fmla="*/ 189941 h 6985200"/>
+              <a:gd name="connsiteX43" fmla="*/ 5456911 w 6858001"/>
+              <a:gd name="connsiteY43" fmla="*/ 177839 h 6985200"/>
+              <a:gd name="connsiteX44" fmla="*/ 5612588 w 6858001"/>
+              <a:gd name="connsiteY44" fmla="*/ 163887 h 6985200"/>
+              <a:gd name="connsiteX45" fmla="*/ 5768950 w 6858001"/>
+              <a:gd name="connsiteY45" fmla="*/ 148591 h 6985200"/>
+              <a:gd name="connsiteX46" fmla="*/ 5923255 w 6858001"/>
+              <a:gd name="connsiteY46" fmla="*/ 132455 h 6985200"/>
+              <a:gd name="connsiteX47" fmla="*/ 6079618 w 6858001"/>
+              <a:gd name="connsiteY47" fmla="*/ 113629 h 6985200"/>
+              <a:gd name="connsiteX48" fmla="*/ 6235294 w 6858001"/>
+              <a:gd name="connsiteY48" fmla="*/ 93458 h 6985200"/>
+              <a:gd name="connsiteX49" fmla="*/ 6391657 w 6858001"/>
+              <a:gd name="connsiteY49" fmla="*/ 73455 h 6985200"/>
+              <a:gd name="connsiteX50" fmla="*/ 6547333 w 6858001"/>
+              <a:gd name="connsiteY50" fmla="*/ 50091 h 6985200"/>
+              <a:gd name="connsiteX51" fmla="*/ 6702324 w 6858001"/>
+              <a:gd name="connsiteY51" fmla="*/ 26222 h 6985200"/>
+            </a:gdLst>
+            <a:ahLst/>
+            <a:cxnLst>
+              <a:cxn ang="0">
+                <a:pos x="connsiteX0" y="connsiteY0"/>
+              </a:cxn>
+              <a:cxn ang="0">
+                <a:pos x="connsiteX1" y="connsiteY1"/>
+              </a:cxn>
+              <a:cxn ang="0">
+                <a:pos x="connsiteX2" y="connsiteY2"/>
+              </a:cxn>
+              <a:cxn ang="0">
+                <a:pos x="connsiteX3" y="connsiteY3"/>
+              </a:cxn>
+              <a:cxn ang="0">
+                <a:pos x="connsiteX4" y="connsiteY4"/>
+              </a:cxn>
+              <a:cxn ang="0">
+                <a:pos x="connsiteX5" y="connsiteY5"/>
+              </a:cxn>
+              <a:cxn ang="0">
+                <a:pos x="connsiteX6" y="connsiteY6"/>
+              </a:cxn>
+              <a:cxn ang="0">
+                <a:pos x="connsiteX7" y="connsiteY7"/>
+              </a:cxn>
+              <a:cxn ang="0">
+                <a:pos x="connsiteX8" y="connsiteY8"/>
+              </a:cxn>
+              <a:cxn ang="0">
+                <a:pos x="connsiteX9" y="connsiteY9"/>
+              </a:cxn>
+              <a:cxn ang="0">
+                <a:pos x="connsiteX10" y="connsiteY10"/>
+              </a:cxn>
+              <a:cxn ang="0">
+                <a:pos x="connsiteX11" y="connsiteY11"/>
+              </a:cxn>
+              <a:cxn ang="0">
+                <a:pos x="connsiteX12" y="connsiteY12"/>
+              </a:cxn>
+              <a:cxn ang="0">
+                <a:pos x="connsiteX13" y="connsiteY13"/>
+              </a:cxn>
+              <a:cxn ang="0">
+                <a:pos x="connsiteX14" y="connsiteY14"/>
+              </a:cxn>
+              <a:cxn ang="0">
+                <a:pos x="connsiteX15" y="connsiteY15"/>
+              </a:cxn>
+              <a:cxn ang="0">
+                <a:pos x="connsiteX16" y="connsiteY16"/>
+              </a:cxn>
+              <a:cxn ang="0">
+                <a:pos x="connsiteX17" y="connsiteY17"/>
+              </a:cxn>
+              <a:cxn ang="0">
+                <a:pos x="connsiteX18" y="connsiteY18"/>
+              </a:cxn>
+              <a:cxn ang="0">
+                <a:pos x="connsiteX19" y="connsiteY19"/>
+              </a:cxn>
+              <a:cxn ang="0">
+                <a:pos x="connsiteX20" y="connsiteY20"/>
+              </a:cxn>
+              <a:cxn ang="0">
+                <a:pos x="connsiteX21" y="connsiteY21"/>
+              </a:cxn>
+              <a:cxn ang="0">
+                <a:pos x="connsiteX22" y="connsiteY22"/>
+              </a:cxn>
+              <a:cxn ang="0">
+                <a:pos x="connsiteX23" y="connsiteY23"/>
+              </a:cxn>
+              <a:cxn ang="0">
+                <a:pos x="connsiteX24" y="connsiteY24"/>
+              </a:cxn>
+              <a:cxn ang="0">
+                <a:pos x="connsiteX25" y="connsiteY25"/>
+              </a:cxn>
+              <a:cxn ang="0">
+                <a:pos x="connsiteX26" y="connsiteY26"/>
+              </a:cxn>
+              <a:cxn ang="0">
+                <a:pos x="connsiteX27" y="connsiteY27"/>
+              </a:cxn>
+              <a:cxn ang="0">
+                <a:pos x="connsiteX28" y="connsiteY28"/>
+              </a:cxn>
+              <a:cxn ang="0">
+                <a:pos x="connsiteX29" y="connsiteY29"/>
+              </a:cxn>
+              <a:cxn ang="0">
+                <a:pos x="connsiteX30" y="connsiteY30"/>
+              </a:cxn>
+              <a:cxn ang="0">
+                <a:pos x="connsiteX31" y="connsiteY31"/>
+              </a:cxn>
+              <a:cxn ang="0">
+                <a:pos x="connsiteX32" y="connsiteY32"/>
+              </a:cxn>
+              <a:cxn ang="0">
+                <a:pos x="connsiteX33" y="connsiteY33"/>
+              </a:cxn>
+              <a:cxn ang="0">
+                <a:pos x="connsiteX34" y="connsiteY34"/>
+              </a:cxn>
+              <a:cxn ang="0">
+                <a:pos x="connsiteX35" y="connsiteY35"/>
+              </a:cxn>
+              <a:cxn ang="0">
+                <a:pos x="connsiteX36" y="connsiteY36"/>
+              </a:cxn>
+              <a:cxn ang="0">
+                <a:pos x="connsiteX37" y="connsiteY37"/>
+              </a:cxn>
+              <a:cxn ang="0">
+                <a:pos x="connsiteX38" y="connsiteY38"/>
+              </a:cxn>
+              <a:cxn ang="0">
+                <a:pos x="connsiteX39" y="connsiteY39"/>
+              </a:cxn>
+              <a:cxn ang="0">
+                <a:pos x="connsiteX40" y="connsiteY40"/>
+              </a:cxn>
+              <a:cxn ang="0">
+                <a:pos x="connsiteX41" y="connsiteY41"/>
+              </a:cxn>
+              <a:cxn ang="0">
+                <a:pos x="connsiteX42" y="connsiteY42"/>
+              </a:cxn>
+              <a:cxn ang="0">
+                <a:pos x="connsiteX43" y="connsiteY43"/>
+              </a:cxn>
+              <a:cxn ang="0">
+                <a:pos x="connsiteX44" y="connsiteY44"/>
+              </a:cxn>
+              <a:cxn ang="0">
+                <a:pos x="connsiteX45" y="connsiteY45"/>
+              </a:cxn>
+              <a:cxn ang="0">
+                <a:pos x="connsiteX46" y="connsiteY46"/>
+              </a:cxn>
+              <a:cxn ang="0">
+                <a:pos x="connsiteX47" y="connsiteY47"/>
+              </a:cxn>
+              <a:cxn ang="0">
+                <a:pos x="connsiteX48" y="connsiteY48"/>
+              </a:cxn>
+              <a:cxn ang="0">
+                <a:pos x="connsiteX49" y="connsiteY49"/>
+              </a:cxn>
+              <a:cxn ang="0">
+                <a:pos x="connsiteX50" y="connsiteY50"/>
+              </a:cxn>
+              <a:cxn ang="0">
+                <a:pos x="connsiteX51" y="connsiteY51"/>
+              </a:cxn>
+            </a:cxnLst>
+            <a:rect l="l" t="t" r="r" b="b"/>
+            <a:pathLst>
+              <a:path w="6858001" h="6985200">
+                <a:moveTo>
+                  <a:pt x="6858001" y="1177"/>
+                </a:moveTo>
+                <a:lnTo>
+                  <a:pt x="6858001" y="1344715"/>
+                </a:lnTo>
+                <a:lnTo>
+                  <a:pt x="6858000" y="1344715"/>
+                </a:lnTo>
+                <a:lnTo>
+                  <a:pt x="6858000" y="6985200"/>
+                </a:lnTo>
+                <a:lnTo>
+                  <a:pt x="0" y="6985199"/>
+                </a:lnTo>
+                <a:lnTo>
+                  <a:pt x="0" y="886772"/>
+                </a:lnTo>
+                <a:lnTo>
+                  <a:pt x="1" y="886772"/>
+                </a:lnTo>
+                <a:lnTo>
+                  <a:pt x="1" y="0"/>
+                </a:lnTo>
+                <a:lnTo>
+                  <a:pt x="40463" y="5883"/>
+                </a:lnTo>
+                <a:lnTo>
+                  <a:pt x="159107" y="23196"/>
+                </a:lnTo>
+                <a:lnTo>
+                  <a:pt x="245518" y="35299"/>
+                </a:lnTo>
+                <a:lnTo>
+                  <a:pt x="348388" y="48073"/>
+                </a:lnTo>
+                <a:lnTo>
+                  <a:pt x="470460" y="63369"/>
+                </a:lnTo>
+                <a:lnTo>
+                  <a:pt x="605563" y="79506"/>
+                </a:lnTo>
+                <a:lnTo>
+                  <a:pt x="757810" y="96483"/>
+                </a:lnTo>
+                <a:lnTo>
+                  <a:pt x="923774" y="114469"/>
+                </a:lnTo>
+                <a:lnTo>
+                  <a:pt x="1104139" y="132454"/>
+                </a:lnTo>
+                <a:lnTo>
+                  <a:pt x="1296163" y="150776"/>
+                </a:lnTo>
+                <a:lnTo>
+                  <a:pt x="1503275" y="167753"/>
+                </a:lnTo>
+                <a:lnTo>
+                  <a:pt x="1719988" y="184058"/>
+                </a:lnTo>
+                <a:lnTo>
+                  <a:pt x="1949045" y="198849"/>
+                </a:lnTo>
+                <a:lnTo>
+                  <a:pt x="2187703" y="212969"/>
+                </a:lnTo>
+                <a:lnTo>
+                  <a:pt x="2436649" y="226248"/>
+                </a:lnTo>
+                <a:lnTo>
+                  <a:pt x="2564208" y="230955"/>
+                </a:lnTo>
+                <a:lnTo>
+                  <a:pt x="2694509" y="236165"/>
+                </a:lnTo>
+                <a:lnTo>
+                  <a:pt x="2826869" y="241040"/>
+                </a:lnTo>
+                <a:lnTo>
+                  <a:pt x="2959914" y="244234"/>
+                </a:lnTo>
+                <a:lnTo>
+                  <a:pt x="3095702" y="247091"/>
+                </a:lnTo>
+                <a:lnTo>
+                  <a:pt x="3232862" y="250117"/>
+                </a:lnTo>
+                <a:lnTo>
+                  <a:pt x="3372766" y="252134"/>
+                </a:lnTo>
+                <a:lnTo>
+                  <a:pt x="3514040" y="252134"/>
+                </a:lnTo>
+                <a:lnTo>
+                  <a:pt x="3656686" y="253142"/>
+                </a:lnTo>
+                <a:lnTo>
+                  <a:pt x="3800705" y="252134"/>
+                </a:lnTo>
+                <a:lnTo>
+                  <a:pt x="3946780" y="250117"/>
+                </a:lnTo>
+                <a:lnTo>
+                  <a:pt x="4092856" y="248268"/>
+                </a:lnTo>
+                <a:lnTo>
+                  <a:pt x="4240988" y="244234"/>
+                </a:lnTo>
+                <a:lnTo>
+                  <a:pt x="4390492" y="240032"/>
+                </a:lnTo>
+                <a:lnTo>
+                  <a:pt x="4539997" y="235157"/>
+                </a:lnTo>
+                <a:lnTo>
+                  <a:pt x="4690873" y="228266"/>
+                </a:lnTo>
+                <a:lnTo>
+                  <a:pt x="4843120" y="220029"/>
+                </a:lnTo>
+                <a:lnTo>
+                  <a:pt x="4996054" y="212129"/>
+                </a:lnTo>
+                <a:lnTo>
+                  <a:pt x="5148987" y="202044"/>
+                </a:lnTo>
+                <a:lnTo>
+                  <a:pt x="5303978" y="189941"/>
+                </a:lnTo>
+                <a:lnTo>
+                  <a:pt x="5456911" y="177839"/>
+                </a:lnTo>
+                <a:lnTo>
+                  <a:pt x="5612588" y="163887"/>
+                </a:lnTo>
+                <a:lnTo>
+                  <a:pt x="5768950" y="148591"/>
+                </a:lnTo>
+                <a:lnTo>
+                  <a:pt x="5923255" y="132455"/>
+                </a:lnTo>
+                <a:lnTo>
+                  <a:pt x="6079618" y="113629"/>
+                </a:lnTo>
+                <a:lnTo>
+                  <a:pt x="6235294" y="93458"/>
+                </a:lnTo>
+                <a:lnTo>
+                  <a:pt x="6391657" y="73455"/>
+                </a:lnTo>
+                <a:lnTo>
+                  <a:pt x="6547333" y="50091"/>
+                </a:lnTo>
+                <a:lnTo>
+                  <a:pt x="6702324" y="26222"/>
+                </a:lnTo>
+                <a:close/>
+              </a:path>
+            </a:pathLst>
+          </a:custGeom>
+          <a:ln>
+            <a:noFill/>
+          </a:ln>
+        </p:spPr>
+      </p:sp>
+      <p:pic>
+        <p:nvPicPr>
+          <p:cNvPr id="5" name="Espace réservé du contenu 4">
+            <a:extLst>
+              <a:ext uri="{FF2B5EF4-FFF2-40B4-BE49-F238E27FC236}">
                 <a16:creationId xmlns:a16="http://schemas.microsoft.com/office/drawing/2014/main" id="{4B42F0A5-38B1-45D7-AEEC-1EBC0675FE9E}"/>
               </a:ext>
             </a:extLst>
@@ -16990,7 +18048,7 @@
                 <a16:creationId xmlns:a16="http://schemas.microsoft.com/office/drawing/2014/main" id="{A92A1116-1C84-41DF-B803-1F7B0883EC82}"/>
               </a:ext>
               <a:ext uri="{C183D7F6-B498-43B3-948B-1728B52AA6E4}">
-                <adec:decorative xmlns:adec="http://schemas.microsoft.com/office/drawing/2017/decorative" xmlns="" val="1"/>
+                <adec:decorative xmlns:adec="http://schemas.microsoft.com/office/drawing/2017/decorative" val="1"/>
               </a:ext>
             </a:extLst>
           </p:cNvPr>
@@ -17186,7 +18244,7 @@
                 <a16:creationId xmlns:a16="http://schemas.microsoft.com/office/drawing/2014/main" id="{5F3FC718-FDE3-4EF7-921E-A5F374EAF824}"/>
               </a:ext>
               <a:ext uri="{C183D7F6-B498-43B3-948B-1728B52AA6E4}">
-                <adec:decorative xmlns:adec="http://schemas.microsoft.com/office/drawing/2017/decorative" xmlns="" val="1"/>
+                <adec:decorative xmlns:adec="http://schemas.microsoft.com/office/drawing/2017/decorative" val="1"/>
               </a:ext>
             </a:extLst>
           </p:cNvPr>
@@ -17290,7 +18348,7 @@
                 <a16:creationId xmlns:a16="http://schemas.microsoft.com/office/drawing/2014/main" id="{FAA0F719-3DC8-4F08-AD8F-5A845658CB9D}"/>
               </a:ext>
               <a:ext uri="{C183D7F6-B498-43B3-948B-1728B52AA6E4}">
-                <adec:decorative xmlns:adec="http://schemas.microsoft.com/office/drawing/2017/decorative" xmlns="" val="1"/>
+                <adec:decorative xmlns:adec="http://schemas.microsoft.com/office/drawing/2017/decorative" val="1"/>
               </a:ext>
             </a:extLst>
           </p:cNvPr>
@@ -17642,7 +18700,7 @@
                 <a16:creationId xmlns:a16="http://schemas.microsoft.com/office/drawing/2014/main" id="{7DCB61BE-FA0F-4EFB-BE0E-268BAD8E30D6}"/>
               </a:ext>
               <a:ext uri="{C183D7F6-B498-43B3-948B-1728B52AA6E4}">
-                <adec:decorative xmlns:adec="http://schemas.microsoft.com/office/drawing/2017/decorative" xmlns="" val="1"/>
+                <adec:decorative xmlns:adec="http://schemas.microsoft.com/office/drawing/2017/decorative" val="1"/>
               </a:ext>
             </a:extLst>
           </p:cNvPr>
@@ -18105,7 +19163,7 @@
                 <a16:creationId xmlns:a16="http://schemas.microsoft.com/office/drawing/2014/main" id="{A4B31EAA-7423-46F7-9B90-4AB2B09C35C4}"/>
               </a:ext>
               <a:ext uri="{C183D7F6-B498-43B3-948B-1728B52AA6E4}">
-                <adec:decorative xmlns:adec="http://schemas.microsoft.com/office/drawing/2017/decorative" xmlns="" val="1"/>
+                <adec:decorative xmlns:adec="http://schemas.microsoft.com/office/drawing/2017/decorative" val="1"/>
               </a:ext>
             </a:extLst>
           </p:cNvPr>

--- a/Presentation_METS_ZUFL.pptx
+++ b/Presentation_METS_ZUFL.pptx
@@ -908,7 +908,81 @@
           <a:p>
             <a:r>
               <a:rPr lang="fr-CH" dirty="0"/>
-              <a:t>LORIS: L’écran LCD que nous avons est un écran tactile résistif. Ainsi, le schéma que nous voyons ici représente bien son fonctionnement. Il y a deux couches de film, une première couche pour la résistance en X et une seconde pour la résistance en Y. </a:t>
+              <a:t>LORIS: </a:t>
+            </a:r>
+          </a:p>
+          <a:p>
+            <a:r>
+              <a:rPr lang="fr-CH" dirty="0"/>
+              <a:t>Ecran LCD Tactile Résistif </a:t>
+            </a:r>
+            <a:r>
+              <a:rPr lang="fr-CH" dirty="0">
+                <a:sym typeface="Wingdings" panose="05000000000000000000" pitchFamily="2" charset="2"/>
+              </a:rPr>
+              <a:t> Deux couches x &amp; y. Pression  mesure sur Y+ X+ pour position</a:t>
+            </a:r>
+          </a:p>
+          <a:p>
+            <a:endParaRPr lang="fr-CH" dirty="0">
+              <a:sym typeface="Wingdings" panose="05000000000000000000" pitchFamily="2" charset="2"/>
+            </a:endParaRPr>
+          </a:p>
+          <a:p>
+            <a:r>
+              <a:rPr lang="fr-CH" dirty="0">
+                <a:sym typeface="Wingdings" panose="05000000000000000000" pitchFamily="2" charset="2"/>
+              </a:rPr>
+              <a:t>Pour mesure  Pin x et pin y en analogique</a:t>
+            </a:r>
+          </a:p>
+          <a:p>
+            <a:endParaRPr lang="fr-CH" dirty="0">
+              <a:sym typeface="Wingdings" panose="05000000000000000000" pitchFamily="2" charset="2"/>
+            </a:endParaRPr>
+          </a:p>
+          <a:p>
+            <a:r>
+              <a:rPr lang="fr-CH" dirty="0">
+                <a:sym typeface="Wingdings" panose="05000000000000000000" pitchFamily="2" charset="2"/>
+              </a:rPr>
+              <a:t>Exemple: mesure de X: X+ </a:t>
+            </a:r>
+            <a:r>
+              <a:rPr lang="fr-CH" dirty="0" err="1">
+                <a:sym typeface="Wingdings" panose="05000000000000000000" pitchFamily="2" charset="2"/>
+              </a:rPr>
+              <a:t>Vref</a:t>
+            </a:r>
+            <a:r>
+              <a:rPr lang="fr-CH" dirty="0">
+                <a:sym typeface="Wingdings" panose="05000000000000000000" pitchFamily="2" charset="2"/>
+              </a:rPr>
+              <a:t>, X- à0, Y- open, et Y+ lire en analogique = pos X.</a:t>
+            </a:r>
+          </a:p>
+          <a:p>
+            <a:endParaRPr lang="fr-CH" dirty="0">
+              <a:sym typeface="Wingdings" panose="05000000000000000000" pitchFamily="2" charset="2"/>
+            </a:endParaRPr>
+          </a:p>
+          <a:p>
+            <a:r>
+              <a:rPr lang="fr-CH" dirty="0">
+                <a:sym typeface="Wingdings" panose="05000000000000000000" pitchFamily="2" charset="2"/>
+              </a:rPr>
+              <a:t>Pression  Interruption qu’on détaillera après</a:t>
+            </a:r>
+          </a:p>
+          <a:p>
+            <a:endParaRPr lang="fr-CH" dirty="0">
+              <a:sym typeface="Wingdings" panose="05000000000000000000" pitchFamily="2" charset="2"/>
+            </a:endParaRPr>
+          </a:p>
+          <a:p>
+            <a:r>
+              <a:rPr lang="fr-CH" dirty="0"/>
+              <a:t>L’écran LCD que nous avons est un écran tactile résistif. Ainsi, le schéma que nous voyons ici représente bien son fonctionnement. Il y a deux couches de film, une première couche pour la résistance en X et une seconde pour la résistance en Y. </a:t>
             </a:r>
           </a:p>
           <a:p>
@@ -1027,7 +1101,139 @@
           <a:p>
             <a:r>
               <a:rPr lang="fr-CH" dirty="0"/>
-              <a:t>LORIS: L’écran LCD sera commandé grâce au PIC, pour ce faire, nous configurer l’écran LCD en 8 bits, ainsi il est important de connecter les datas sur un seul et même port du PIC. </a:t>
+              <a:t>LORIS: LCD commandé par PIC. LCD en 8 bits, pour ca IMO 3V. ! Data sur un seul port pic</a:t>
+            </a:r>
+          </a:p>
+          <a:p>
+            <a:endParaRPr lang="fr-CH" dirty="0"/>
+          </a:p>
+          <a:p>
+            <a:r>
+              <a:rPr lang="fr-CH" dirty="0"/>
+              <a:t>Pin 2-5 pour mesure </a:t>
+            </a:r>
+            <a:r>
+              <a:rPr lang="fr-CH" dirty="0" err="1"/>
+              <a:t>lcd</a:t>
+            </a:r>
+            <a:r>
+              <a:rPr lang="fr-CH" dirty="0"/>
+              <a:t>. XR et YU sur </a:t>
+            </a:r>
+            <a:r>
+              <a:rPr lang="fr-CH" dirty="0" err="1"/>
+              <a:t>analog</a:t>
+            </a:r>
+            <a:r>
+              <a:rPr lang="fr-CH" dirty="0"/>
+              <a:t> &amp; </a:t>
+            </a:r>
+            <a:r>
+              <a:rPr lang="fr-CH" dirty="0" err="1"/>
+              <a:t>interrupt</a:t>
+            </a:r>
+            <a:r>
+              <a:rPr lang="fr-CH" dirty="0"/>
+              <a:t>. Autre pins </a:t>
+            </a:r>
+            <a:r>
+              <a:rPr lang="fr-CH" dirty="0" err="1"/>
+              <a:t>egal</a:t>
+            </a:r>
+            <a:r>
+              <a:rPr lang="fr-CH" dirty="0"/>
+              <a:t> ou connecter</a:t>
+            </a:r>
+          </a:p>
+          <a:p>
+            <a:endParaRPr lang="fr-CH" dirty="0"/>
+          </a:p>
+          <a:p>
+            <a:r>
+              <a:rPr lang="fr-CH" dirty="0" err="1"/>
+              <a:t>Leds</a:t>
+            </a:r>
+            <a:r>
+              <a:rPr lang="fr-CH" dirty="0"/>
+              <a:t> </a:t>
+            </a:r>
+            <a:r>
+              <a:rPr lang="fr-CH" dirty="0" err="1"/>
+              <a:t>backlights</a:t>
+            </a:r>
+            <a:r>
+              <a:rPr lang="fr-CH" dirty="0"/>
+              <a:t> via </a:t>
+            </a:r>
+            <a:r>
+              <a:rPr lang="fr-CH" dirty="0" err="1"/>
+              <a:t>mosfet</a:t>
+            </a:r>
+            <a:r>
+              <a:rPr lang="fr-CH" dirty="0"/>
+              <a:t> on/off. PWM sur </a:t>
+            </a:r>
+            <a:r>
+              <a:rPr lang="fr-CH" dirty="0" err="1"/>
+              <a:t>backlightcmd</a:t>
+            </a:r>
+            <a:r>
+              <a:rPr lang="fr-CH" dirty="0"/>
+              <a:t> pour clignoter rapide </a:t>
+            </a:r>
+            <a:r>
+              <a:rPr lang="fr-CH" dirty="0">
+                <a:sym typeface="Wingdings" panose="05000000000000000000" pitchFamily="2" charset="2"/>
+              </a:rPr>
+              <a:t> </a:t>
+            </a:r>
+            <a:r>
+              <a:rPr lang="fr-CH" dirty="0" err="1">
+                <a:sym typeface="Wingdings" panose="05000000000000000000" pitchFamily="2" charset="2"/>
+              </a:rPr>
+              <a:t>economie</a:t>
+            </a:r>
+            <a:r>
+              <a:rPr lang="fr-CH" dirty="0">
+                <a:sym typeface="Wingdings" panose="05000000000000000000" pitchFamily="2" charset="2"/>
+              </a:rPr>
+              <a:t> </a:t>
+            </a:r>
+            <a:r>
+              <a:rPr lang="fr-CH" dirty="0" err="1">
+                <a:sym typeface="Wingdings" panose="05000000000000000000" pitchFamily="2" charset="2"/>
+              </a:rPr>
+              <a:t>d’energie</a:t>
+            </a:r>
+            <a:endParaRPr lang="fr-CH" dirty="0">
+              <a:sym typeface="Wingdings" panose="05000000000000000000" pitchFamily="2" charset="2"/>
+            </a:endParaRPr>
+          </a:p>
+          <a:p>
+            <a:endParaRPr lang="fr-CH" dirty="0">
+              <a:sym typeface="Wingdings" panose="05000000000000000000" pitchFamily="2" charset="2"/>
+            </a:endParaRPr>
+          </a:p>
+          <a:p>
+            <a:r>
+              <a:rPr lang="fr-CH" dirty="0">
+                <a:sym typeface="Wingdings" panose="05000000000000000000" pitchFamily="2" charset="2"/>
+              </a:rPr>
+              <a:t>Sur PIC: RX ET TX pour multi  pas implémenté</a:t>
+            </a:r>
+          </a:p>
+          <a:p>
+            <a:endParaRPr lang="fr-CH" dirty="0">
+              <a:sym typeface="Wingdings" panose="05000000000000000000" pitchFamily="2" charset="2"/>
+            </a:endParaRPr>
+          </a:p>
+          <a:p>
+            <a:endParaRPr lang="fr-CH" dirty="0"/>
+          </a:p>
+          <a:p>
+            <a:r>
+              <a:rPr lang="fr-CH" dirty="0"/>
+              <a:t>L’écran LCD sera commandé grâce au PIC, pour ce faire, nous configurer l’écran LCD en 8 bits, ainsi il est important de connecter les datas sur un seul et même port du PIC. </a:t>
             </a:r>
           </a:p>
           <a:p>
@@ -1451,7 +1657,160 @@
           <a:p>
             <a:r>
               <a:rPr lang="fr-CH" dirty="0"/>
-              <a:t>LORIS: Avec ce </a:t>
+              <a:t>LORIS: Machine d’état display: gestion affichage </a:t>
+            </a:r>
+            <a:r>
+              <a:rPr lang="fr-CH" dirty="0" err="1"/>
+              <a:t>menu,bouton,slider</a:t>
+            </a:r>
+            <a:endParaRPr lang="fr-CH" dirty="0"/>
+          </a:p>
+          <a:p>
+            <a:endParaRPr lang="fr-CH" dirty="0"/>
+          </a:p>
+          <a:p>
+            <a:r>
+              <a:rPr lang="fr-CH" dirty="0" err="1"/>
+              <a:t>Welcome</a:t>
+            </a:r>
+            <a:r>
+              <a:rPr lang="fr-CH" dirty="0"/>
+              <a:t> </a:t>
+            </a:r>
+            <a:r>
+              <a:rPr lang="fr-CH" dirty="0">
+                <a:sym typeface="Wingdings" panose="05000000000000000000" pitchFamily="2" charset="2"/>
+              </a:rPr>
+              <a:t> Menu principal, bouton afficher qu’une fois</a:t>
+            </a:r>
+          </a:p>
+          <a:p>
+            <a:endParaRPr lang="fr-CH" dirty="0">
+              <a:sym typeface="Wingdings" panose="05000000000000000000" pitchFamily="2" charset="2"/>
+            </a:endParaRPr>
+          </a:p>
+          <a:p>
+            <a:r>
+              <a:rPr lang="fr-CH" dirty="0">
+                <a:sym typeface="Wingdings" panose="05000000000000000000" pitchFamily="2" charset="2"/>
+              </a:rPr>
+              <a:t>Accéder paramètres  luminosité, niveau  retour menu </a:t>
+            </a:r>
+            <a:r>
+              <a:rPr lang="fr-CH" dirty="0" err="1">
+                <a:sym typeface="Wingdings" panose="05000000000000000000" pitchFamily="2" charset="2"/>
+              </a:rPr>
+              <a:t>welcome</a:t>
+            </a:r>
+            <a:endParaRPr lang="fr-CH" dirty="0">
+              <a:sym typeface="Wingdings" panose="05000000000000000000" pitchFamily="2" charset="2"/>
+            </a:endParaRPr>
+          </a:p>
+          <a:p>
+            <a:endParaRPr lang="fr-CH" dirty="0">
+              <a:sym typeface="Wingdings" panose="05000000000000000000" pitchFamily="2" charset="2"/>
+            </a:endParaRPr>
+          </a:p>
+          <a:p>
+            <a:r>
+              <a:rPr lang="fr-CH" dirty="0">
+                <a:sym typeface="Wingdings" panose="05000000000000000000" pitchFamily="2" charset="2"/>
+              </a:rPr>
+              <a:t>In Game via solo ou multi. Affichage paddle et </a:t>
+            </a:r>
+            <a:r>
+              <a:rPr lang="fr-CH" dirty="0" err="1">
+                <a:sym typeface="Wingdings" panose="05000000000000000000" pitchFamily="2" charset="2"/>
+              </a:rPr>
+              <a:t>ball</a:t>
+            </a:r>
+            <a:r>
+              <a:rPr lang="fr-CH" dirty="0">
+                <a:sym typeface="Wingdings" panose="05000000000000000000" pitchFamily="2" charset="2"/>
+              </a:rPr>
+              <a:t>: rafraichis en continu, autrement effacer. Quitter via </a:t>
+            </a:r>
+            <a:r>
+              <a:rPr lang="fr-CH" dirty="0" err="1">
+                <a:sym typeface="Wingdings" panose="05000000000000000000" pitchFamily="2" charset="2"/>
+              </a:rPr>
+              <a:t>evLeave</a:t>
+            </a:r>
+            <a:r>
+              <a:rPr lang="fr-CH" dirty="0">
+                <a:sym typeface="Wingdings" panose="05000000000000000000" pitchFamily="2" charset="2"/>
+              </a:rPr>
+              <a:t>. </a:t>
+            </a:r>
+          </a:p>
+          <a:p>
+            <a:endParaRPr lang="fr-CH" dirty="0">
+              <a:sym typeface="Wingdings" panose="05000000000000000000" pitchFamily="2" charset="2"/>
+            </a:endParaRPr>
+          </a:p>
+          <a:p>
+            <a:r>
+              <a:rPr lang="fr-CH" dirty="0">
+                <a:sym typeface="Wingdings" panose="05000000000000000000" pitchFamily="2" charset="2"/>
+              </a:rPr>
+              <a:t>Lose  </a:t>
+            </a:r>
+            <a:r>
+              <a:rPr lang="fr-CH" dirty="0" err="1">
+                <a:sym typeface="Wingdings" panose="05000000000000000000" pitchFamily="2" charset="2"/>
+              </a:rPr>
+              <a:t>endgame</a:t>
+            </a:r>
+            <a:r>
+              <a:rPr lang="fr-CH" dirty="0">
+                <a:sym typeface="Wingdings" panose="05000000000000000000" pitchFamily="2" charset="2"/>
+              </a:rPr>
+              <a:t>, soit </a:t>
+            </a:r>
+            <a:r>
+              <a:rPr lang="fr-CH" dirty="0" err="1">
+                <a:sym typeface="Wingdings" panose="05000000000000000000" pitchFamily="2" charset="2"/>
+              </a:rPr>
+              <a:t>turn</a:t>
+            </a:r>
+            <a:r>
+              <a:rPr lang="fr-CH" dirty="0">
+                <a:sym typeface="Wingdings" panose="05000000000000000000" pitchFamily="2" charset="2"/>
+              </a:rPr>
+              <a:t> off soit </a:t>
+            </a:r>
+            <a:r>
+              <a:rPr lang="fr-CH" dirty="0" err="1">
+                <a:sym typeface="Wingdings" panose="05000000000000000000" pitchFamily="2" charset="2"/>
+              </a:rPr>
+              <a:t>newgame</a:t>
+            </a:r>
+            <a:r>
+              <a:rPr lang="fr-CH" dirty="0">
+                <a:sym typeface="Wingdings" panose="05000000000000000000" pitchFamily="2" charset="2"/>
+              </a:rPr>
+              <a:t>  </a:t>
+            </a:r>
+            <a:r>
+              <a:rPr lang="fr-CH" dirty="0" err="1">
+                <a:sym typeface="Wingdings" panose="05000000000000000000" pitchFamily="2" charset="2"/>
+              </a:rPr>
+              <a:t>Welcome</a:t>
+            </a:r>
+            <a:r>
+              <a:rPr lang="fr-CH" dirty="0">
+                <a:sym typeface="Wingdings" panose="05000000000000000000" pitchFamily="2" charset="2"/>
+              </a:rPr>
+              <a:t> menu</a:t>
+            </a:r>
+          </a:p>
+          <a:p>
+            <a:endParaRPr lang="fr-CH" dirty="0"/>
+          </a:p>
+          <a:p>
+            <a:r>
+              <a:rPr lang="fr-CH" dirty="0"/>
+              <a:t>Avec ce </a:t>
             </a:r>
             <a:r>
               <a:rPr lang="fr-CH" dirty="0" err="1"/>
@@ -1596,7 +1955,130 @@
           <a:p>
             <a:r>
               <a:rPr lang="fr-CH" dirty="0"/>
-              <a:t>LORIS: Nous avons branché les PINS de mesure de l’écran LCD sur des entrées du PIC possédant des interruptions. Ainsi, la partie </a:t>
+              <a:t>LORIS: Mesure LCD </a:t>
+            </a:r>
+            <a:r>
+              <a:rPr lang="fr-CH" dirty="0">
+                <a:sym typeface="Wingdings" panose="05000000000000000000" pitchFamily="2" charset="2"/>
+              </a:rPr>
+              <a:t> sur pin </a:t>
+            </a:r>
+            <a:r>
+              <a:rPr lang="fr-CH" dirty="0" err="1">
+                <a:sym typeface="Wingdings" panose="05000000000000000000" pitchFamily="2" charset="2"/>
+              </a:rPr>
+              <a:t>interrupt</a:t>
+            </a:r>
+            <a:r>
+              <a:rPr lang="fr-CH" dirty="0">
+                <a:sym typeface="Wingdings" panose="05000000000000000000" pitchFamily="2" charset="2"/>
+              </a:rPr>
+              <a:t> RB1. </a:t>
+            </a:r>
+          </a:p>
+          <a:p>
+            <a:endParaRPr lang="fr-CH" dirty="0">
+              <a:sym typeface="Wingdings" panose="05000000000000000000" pitchFamily="2" charset="2"/>
+            </a:endParaRPr>
+          </a:p>
+          <a:p>
+            <a:r>
+              <a:rPr lang="fr-CH" dirty="0">
+                <a:sym typeface="Wingdings" panose="05000000000000000000" pitchFamily="2" charset="2"/>
+              </a:rPr>
+              <a:t>On commence par </a:t>
+            </a:r>
+            <a:r>
+              <a:rPr lang="fr-CH" dirty="0" err="1">
+                <a:sym typeface="Wingdings" panose="05000000000000000000" pitchFamily="2" charset="2"/>
+              </a:rPr>
+              <a:t>waiting</a:t>
+            </a:r>
+            <a:r>
+              <a:rPr lang="fr-CH" dirty="0">
+                <a:sym typeface="Wingdings" panose="05000000000000000000" pitchFamily="2" charset="2"/>
+              </a:rPr>
+              <a:t>. </a:t>
+            </a:r>
+          </a:p>
+          <a:p>
+            <a:endParaRPr lang="fr-CH" dirty="0">
+              <a:sym typeface="Wingdings" panose="05000000000000000000" pitchFamily="2" charset="2"/>
+            </a:endParaRPr>
+          </a:p>
+          <a:p>
+            <a:r>
+              <a:rPr lang="fr-CH" dirty="0">
+                <a:sym typeface="Wingdings" panose="05000000000000000000" pitchFamily="2" charset="2"/>
+              </a:rPr>
+              <a:t>Pression LCD  </a:t>
+            </a:r>
+            <a:r>
+              <a:rPr lang="fr-CH" dirty="0" err="1">
+                <a:sym typeface="Wingdings" panose="05000000000000000000" pitchFamily="2" charset="2"/>
+              </a:rPr>
+              <a:t>interrupt</a:t>
+            </a:r>
+            <a:r>
+              <a:rPr lang="fr-CH" dirty="0">
+                <a:sym typeface="Wingdings" panose="05000000000000000000" pitchFamily="2" charset="2"/>
+              </a:rPr>
+              <a:t> donc go </a:t>
+            </a:r>
+            <a:r>
+              <a:rPr lang="fr-CH" dirty="0" err="1">
+                <a:sym typeface="Wingdings" panose="05000000000000000000" pitchFamily="2" charset="2"/>
+              </a:rPr>
+              <a:t>calculatePosition</a:t>
+            </a:r>
+            <a:r>
+              <a:rPr lang="fr-CH" dirty="0">
+                <a:sym typeface="Wingdings" panose="05000000000000000000" pitchFamily="2" charset="2"/>
+              </a:rPr>
+              <a:t>.</a:t>
+            </a:r>
+          </a:p>
+          <a:p>
+            <a:endParaRPr lang="fr-CH" dirty="0">
+              <a:sym typeface="Wingdings" panose="05000000000000000000" pitchFamily="2" charset="2"/>
+            </a:endParaRPr>
+          </a:p>
+          <a:p>
+            <a:r>
+              <a:rPr lang="fr-CH" dirty="0">
+                <a:sym typeface="Wingdings" panose="05000000000000000000" pitchFamily="2" charset="2"/>
+              </a:rPr>
+              <a:t>Calcul chaque 4ms tant que pression maintenu. </a:t>
+            </a:r>
+            <a:r>
+              <a:rPr lang="fr-CH" dirty="0" err="1">
+                <a:sym typeface="Wingdings" panose="05000000000000000000" pitchFamily="2" charset="2"/>
+              </a:rPr>
+              <a:t>Relache</a:t>
+            </a:r>
+            <a:r>
+              <a:rPr lang="fr-CH" dirty="0">
+                <a:sym typeface="Wingdings" panose="05000000000000000000" pitchFamily="2" charset="2"/>
+              </a:rPr>
+              <a:t>  </a:t>
+            </a:r>
+            <a:r>
+              <a:rPr lang="fr-CH" dirty="0" err="1">
+                <a:sym typeface="Wingdings" panose="05000000000000000000" pitchFamily="2" charset="2"/>
+              </a:rPr>
+              <a:t>Waiting</a:t>
+            </a:r>
+            <a:endParaRPr lang="fr-CH" dirty="0">
+              <a:sym typeface="Wingdings" panose="05000000000000000000" pitchFamily="2" charset="2"/>
+            </a:endParaRPr>
+          </a:p>
+          <a:p>
+            <a:endParaRPr lang="fr-CH" dirty="0"/>
+          </a:p>
+          <a:p>
+            <a:r>
+              <a:rPr lang="fr-CH" dirty="0"/>
+              <a:t>Nous avons branché les PINS de mesure de l’écran LCD sur des entrées du PIC possédant des interruptions. Ainsi, la partie </a:t>
             </a:r>
             <a:r>
               <a:rPr lang="fr-CH" dirty="0" err="1"/>

--- a/Presentation_METS_ZUFL.pptx
+++ b/Presentation_METS_ZUFL.pptx
@@ -5,7 +5,7 @@
     <p:sldMasterId id="2147483648" r:id="rId1"/>
   </p:sldMasterIdLst>
   <p:notesMasterIdLst>
-    <p:notesMasterId r:id="rId12"/>
+    <p:notesMasterId r:id="rId13"/>
   </p:notesMasterIdLst>
   <p:sldIdLst>
     <p:sldId id="256" r:id="rId2"/>
@@ -17,7 +17,8 @@
     <p:sldId id="263" r:id="rId8"/>
     <p:sldId id="264" r:id="rId9"/>
     <p:sldId id="265" r:id="rId10"/>
-    <p:sldId id="266" r:id="rId11"/>
+    <p:sldId id="267" r:id="rId11"/>
+    <p:sldId id="266" r:id="rId12"/>
   </p:sldIdLst>
   <p:sldSz cx="12192000" cy="6858000"/>
   <p:notesSz cx="6858000" cy="9144000"/>
@@ -206,7 +207,7 @@
           <a:p>
             <a:fld id="{5B712C55-C1A5-40A1-92E9-F1E783099D36}" type="datetimeFigureOut">
               <a:rPr lang="fr-CH" smtClean="0"/>
-              <a:t>09.09.2021</a:t>
+              <a:t>10.09.2021</a:t>
             </a:fld>
             <a:endParaRPr lang="fr-CH"/>
           </a:p>
@@ -523,6 +524,42 @@
               <a:t>SEB: Présentation du jeu sur écran LCD tactile, on a utilisé un PIC18LF25K22, alimenté avec deux piles AAA pour rendre le jeu portable. </a:t>
             </a:r>
           </a:p>
+          <a:p>
+            <a:endParaRPr lang="fr-CH" dirty="0"/>
+          </a:p>
+          <a:p>
+            <a:r>
+              <a:rPr lang="fr-CH" dirty="0"/>
+              <a:t>Sommaire: Conception hardware</a:t>
+            </a:r>
+          </a:p>
+          <a:p>
+            <a:endParaRPr lang="fr-CH" dirty="0"/>
+          </a:p>
+          <a:p>
+            <a:r>
+              <a:rPr lang="fr-CH" dirty="0"/>
+              <a:t>Conception software</a:t>
+            </a:r>
+          </a:p>
+          <a:p>
+            <a:endParaRPr lang="fr-CH" dirty="0"/>
+          </a:p>
+          <a:p>
+            <a:r>
+              <a:rPr lang="fr-CH" dirty="0"/>
+              <a:t>Structure du code</a:t>
+            </a:r>
+          </a:p>
+          <a:p>
+            <a:endParaRPr lang="fr-CH" dirty="0"/>
+          </a:p>
+          <a:p>
+            <a:r>
+              <a:rPr lang="fr-CH" dirty="0"/>
+              <a:t>Machine d’état</a:t>
+            </a:r>
+          </a:p>
         </p:txBody>
       </p:sp>
       <p:sp>
@@ -606,8 +643,71 @@
           <a:lstStyle/>
           <a:p>
             <a:r>
-              <a:rPr lang="fr-CH"/>
-              <a:t>SEB: </a:t>
+              <a:rPr lang="fr-CH" dirty="0"/>
+              <a:t>LORIS: Content résultats. Pas d’hardware en + </a:t>
+            </a:r>
+            <a:r>
+              <a:rPr lang="fr-CH" dirty="0">
+                <a:sym typeface="Wingdings" panose="05000000000000000000" pitchFamily="2" charset="2"/>
+              </a:rPr>
+              <a:t> ajouter sur software plutôt</a:t>
+            </a:r>
+          </a:p>
+          <a:p>
+            <a:endParaRPr lang="fr-CH" dirty="0">
+              <a:sym typeface="Wingdings" panose="05000000000000000000" pitchFamily="2" charset="2"/>
+            </a:endParaRPr>
+          </a:p>
+          <a:p>
+            <a:r>
+              <a:rPr lang="fr-CH" dirty="0"/>
+              <a:t>Tests globalement bien passés </a:t>
+            </a:r>
+            <a:r>
+              <a:rPr lang="fr-CH" dirty="0">
+                <a:sym typeface="Wingdings" panose="05000000000000000000" pitchFamily="2" charset="2"/>
+              </a:rPr>
+              <a:t> Problème interruption: à cause </a:t>
+            </a:r>
+            <a:r>
+              <a:rPr lang="fr-CH">
+                <a:sym typeface="Wingdings" panose="05000000000000000000" pitchFamily="2" charset="2"/>
+              </a:rPr>
+              <a:t>des configurations</a:t>
+            </a:r>
+          </a:p>
+          <a:p>
+            <a:r>
+              <a:rPr lang="fr-CH" dirty="0">
+                <a:sym typeface="Wingdings" panose="05000000000000000000" pitchFamily="2" charset="2"/>
+              </a:rPr>
+              <a:t>retiré PCB à des datas LCD sur différents ports. Soudé fil inversé  Connecteur prog PGC/PGD</a:t>
+            </a:r>
+          </a:p>
+          <a:p>
+            <a:endParaRPr lang="fr-CH" dirty="0">
+              <a:sym typeface="Wingdings" panose="05000000000000000000" pitchFamily="2" charset="2"/>
+            </a:endParaRPr>
+          </a:p>
+          <a:p>
+            <a:r>
+              <a:rPr lang="fr-CH" dirty="0">
+                <a:sym typeface="Wingdings" panose="05000000000000000000" pitchFamily="2" charset="2"/>
+              </a:rPr>
+              <a:t>Ajouter fonction multijoueur </a:t>
+            </a:r>
+          </a:p>
+          <a:p>
+            <a:endParaRPr lang="fr-CH" dirty="0">
+              <a:sym typeface="Wingdings" panose="05000000000000000000" pitchFamily="2" charset="2"/>
+            </a:endParaRPr>
+          </a:p>
+          <a:p>
+            <a:r>
+              <a:rPr lang="fr-CH" dirty="0">
+                <a:sym typeface="Wingdings" panose="05000000000000000000" pitchFamily="2" charset="2"/>
+              </a:rPr>
+              <a:t>Fluidité  paddle clignote un peu </a:t>
             </a:r>
             <a:endParaRPr lang="fr-CH" dirty="0"/>
           </a:p>
@@ -631,6 +731,94 @@
             <a:fld id="{71458C09-3723-441D-BAFD-73EAAEEFBB29}" type="slidenum">
               <a:rPr lang="fr-CH" smtClean="0"/>
               <a:t>10</a:t>
+            </a:fld>
+            <a:endParaRPr lang="fr-CH"/>
+          </a:p>
+        </p:txBody>
+      </p:sp>
+    </p:spTree>
+    <p:extLst>
+      <p:ext uri="{BB962C8B-B14F-4D97-AF65-F5344CB8AC3E}">
+        <p14:creationId xmlns:p14="http://schemas.microsoft.com/office/powerpoint/2010/main" val="882516513"/>
+      </p:ext>
+    </p:extLst>
+  </p:cSld>
+  <p:clrMapOvr>
+    <a:masterClrMapping/>
+  </p:clrMapOvr>
+</p:notes>
+</file>
+
+<file path=ppt/notesSlides/notesSlide11.xml><?xml version="1.0" encoding="utf-8"?>
+<p:notes xmlns:a="http://schemas.openxmlformats.org/drawingml/2006/main" xmlns:r="http://schemas.openxmlformats.org/officeDocument/2006/relationships" xmlns:p="http://schemas.openxmlformats.org/presentationml/2006/main">
+  <p:cSld>
+    <p:spTree>
+      <p:nvGrpSpPr>
+        <p:cNvPr id="1" name=""/>
+        <p:cNvGrpSpPr/>
+        <p:nvPr/>
+      </p:nvGrpSpPr>
+      <p:grpSpPr>
+        <a:xfrm>
+          <a:off x="0" y="0"/>
+          <a:ext cx="0" cy="0"/>
+          <a:chOff x="0" y="0"/>
+          <a:chExt cx="0" cy="0"/>
+        </a:xfrm>
+      </p:grpSpPr>
+      <p:sp>
+        <p:nvSpPr>
+          <p:cNvPr id="2" name="Espace réservé de l'image des diapositives 1"/>
+          <p:cNvSpPr>
+            <a:spLocks noGrp="1" noRot="1" noChangeAspect="1"/>
+          </p:cNvSpPr>
+          <p:nvPr>
+            <p:ph type="sldImg"/>
+          </p:nvPr>
+        </p:nvSpPr>
+        <p:spPr/>
+      </p:sp>
+      <p:sp>
+        <p:nvSpPr>
+          <p:cNvPr id="3" name="Espace réservé des notes 2"/>
+          <p:cNvSpPr>
+            <a:spLocks noGrp="1"/>
+          </p:cNvSpPr>
+          <p:nvPr>
+            <p:ph type="body" idx="1"/>
+          </p:nvPr>
+        </p:nvSpPr>
+        <p:spPr/>
+        <p:txBody>
+          <a:bodyPr/>
+          <a:lstStyle/>
+          <a:p>
+            <a:r>
+              <a:rPr lang="fr-CH"/>
+              <a:t>SEB: </a:t>
+            </a:r>
+            <a:endParaRPr lang="fr-CH" dirty="0"/>
+          </a:p>
+        </p:txBody>
+      </p:sp>
+      <p:sp>
+        <p:nvSpPr>
+          <p:cNvPr id="4" name="Espace réservé du numéro de diapositive 3"/>
+          <p:cNvSpPr>
+            <a:spLocks noGrp="1"/>
+          </p:cNvSpPr>
+          <p:nvPr>
+            <p:ph type="sldNum" sz="quarter" idx="5"/>
+          </p:nvPr>
+        </p:nvSpPr>
+        <p:spPr/>
+        <p:txBody>
+          <a:bodyPr/>
+          <a:lstStyle/>
+          <a:p>
+            <a:fld id="{71458C09-3723-441D-BAFD-73EAAEEFBB29}" type="slidenum">
+              <a:rPr lang="fr-CH" smtClean="0"/>
+              <a:t>11</a:t>
             </a:fld>
             <a:endParaRPr lang="fr-CH"/>
           </a:p>
@@ -2788,7 +2976,7 @@
           <a:p>
             <a:fld id="{4AAD347D-5ACD-4C99-B74B-A9C85AD731AF}" type="datetimeFigureOut">
               <a:rPr lang="en-US" dirty="0"/>
-              <a:t>9/9/2021</a:t>
+              <a:t>9/10/2021</a:t>
             </a:fld>
             <a:endParaRPr lang="en-US" dirty="0"/>
           </a:p>
@@ -3058,7 +3246,7 @@
           <a:p>
             <a:fld id="{4509A250-FF31-4206-8172-F9D3106AACB1}" type="datetimeFigureOut">
               <a:rPr lang="en-US" dirty="0"/>
-              <a:t>9/9/2021</a:t>
+              <a:t>9/10/2021</a:t>
             </a:fld>
             <a:endParaRPr lang="en-US" dirty="0"/>
           </a:p>
@@ -3247,7 +3435,7 @@
           <a:p>
             <a:fld id="{4509A250-FF31-4206-8172-F9D3106AACB1}" type="datetimeFigureOut">
               <a:rPr lang="en-US" dirty="0"/>
-              <a:t>9/9/2021</a:t>
+              <a:t>9/10/2021</a:t>
             </a:fld>
             <a:endParaRPr lang="en-US" dirty="0"/>
           </a:p>
@@ -3515,7 +3703,7 @@
           <a:p>
             <a:fld id="{4509A250-FF31-4206-8172-F9D3106AACB1}" type="datetimeFigureOut">
               <a:rPr lang="en-US" dirty="0"/>
-              <a:t>9/9/2021</a:t>
+              <a:t>9/10/2021</a:t>
             </a:fld>
             <a:endParaRPr lang="en-US" dirty="0"/>
           </a:p>
@@ -3851,7 +4039,7 @@
           <a:p>
             <a:fld id="{4509A250-FF31-4206-8172-F9D3106AACB1}" type="datetimeFigureOut">
               <a:rPr lang="en-US" dirty="0"/>
-              <a:t>9/9/2021</a:t>
+              <a:t>9/10/2021</a:t>
             </a:fld>
             <a:endParaRPr lang="en-US" dirty="0"/>
           </a:p>
@@ -4469,7 +4657,7 @@
           <a:p>
             <a:fld id="{4509A250-FF31-4206-8172-F9D3106AACB1}" type="datetimeFigureOut">
               <a:rPr lang="en-US" dirty="0"/>
-              <a:t>9/9/2021</a:t>
+              <a:t>9/10/2021</a:t>
             </a:fld>
             <a:endParaRPr lang="en-US" dirty="0"/>
           </a:p>
@@ -5324,7 +5512,7 @@
           <a:p>
             <a:fld id="{4509A250-FF31-4206-8172-F9D3106AACB1}" type="datetimeFigureOut">
               <a:rPr lang="en-US" dirty="0"/>
-              <a:t>9/9/2021</a:t>
+              <a:t>9/10/2021</a:t>
             </a:fld>
             <a:endParaRPr lang="en-US" dirty="0"/>
           </a:p>
@@ -5489,7 +5677,7 @@
           <a:p>
             <a:fld id="{4509A250-FF31-4206-8172-F9D3106AACB1}" type="datetimeFigureOut">
               <a:rPr lang="en-US" dirty="0"/>
-              <a:t>9/9/2021</a:t>
+              <a:t>9/10/2021</a:t>
             </a:fld>
             <a:endParaRPr lang="en-US" dirty="0"/>
           </a:p>
@@ -5664,7 +5852,7 @@
           <a:p>
             <a:fld id="{4509A250-FF31-4206-8172-F9D3106AACB1}" type="datetimeFigureOut">
               <a:rPr lang="en-US" dirty="0"/>
-              <a:t>9/9/2021</a:t>
+              <a:t>9/10/2021</a:t>
             </a:fld>
             <a:endParaRPr lang="en-US" dirty="0"/>
           </a:p>
@@ -5829,7 +6017,7 @@
           <a:p>
             <a:fld id="{4509A250-FF31-4206-8172-F9D3106AACB1}" type="datetimeFigureOut">
               <a:rPr lang="en-US" dirty="0"/>
-              <a:t>9/9/2021</a:t>
+              <a:t>9/10/2021</a:t>
             </a:fld>
             <a:endParaRPr lang="en-US" dirty="0"/>
           </a:p>
@@ -6071,7 +6259,7 @@
           <a:p>
             <a:fld id="{9796027F-7875-4030-9381-8BD8C4F21935}" type="datetimeFigureOut">
               <a:rPr lang="en-US" dirty="0"/>
-              <a:t>9/9/2021</a:t>
+              <a:t>9/10/2021</a:t>
             </a:fld>
             <a:endParaRPr lang="en-US" dirty="0"/>
           </a:p>
@@ -6358,7 +6546,7 @@
           <a:p>
             <a:fld id="{9796027F-7875-4030-9381-8BD8C4F21935}" type="datetimeFigureOut">
               <a:rPr lang="en-US" dirty="0"/>
-              <a:t>9/9/2021</a:t>
+              <a:t>9/10/2021</a:t>
             </a:fld>
             <a:endParaRPr lang="en-US" dirty="0"/>
           </a:p>
@@ -6797,7 +6985,7 @@
           <a:p>
             <a:fld id="{9796027F-7875-4030-9381-8BD8C4F21935}" type="datetimeFigureOut">
               <a:rPr lang="en-US" dirty="0"/>
-              <a:t>9/9/2021</a:t>
+              <a:t>9/10/2021</a:t>
             </a:fld>
             <a:endParaRPr lang="en-US" dirty="0"/>
           </a:p>
@@ -6910,7 +7098,7 @@
           <a:p>
             <a:fld id="{4509A250-FF31-4206-8172-F9D3106AACB1}" type="datetimeFigureOut">
               <a:rPr lang="en-US" dirty="0"/>
-              <a:t>9/9/2021</a:t>
+              <a:t>9/10/2021</a:t>
             </a:fld>
             <a:endParaRPr lang="en-US" dirty="0"/>
           </a:p>
@@ -7000,7 +7188,7 @@
           <a:p>
             <a:fld id="{4509A250-FF31-4206-8172-F9D3106AACB1}" type="datetimeFigureOut">
               <a:rPr lang="en-US" dirty="0"/>
-              <a:t>9/9/2021</a:t>
+              <a:t>9/10/2021</a:t>
             </a:fld>
             <a:endParaRPr lang="en-US" dirty="0"/>
           </a:p>
@@ -7274,7 +7462,7 @@
           <a:p>
             <a:fld id="{4509A250-FF31-4206-8172-F9D3106AACB1}" type="datetimeFigureOut">
               <a:rPr lang="en-US" dirty="0"/>
-              <a:t>9/9/2021</a:t>
+              <a:t>9/10/2021</a:t>
             </a:fld>
             <a:endParaRPr lang="en-US" dirty="0"/>
           </a:p>
@@ -7544,7 +7732,7 @@
           <a:p>
             <a:fld id="{4509A250-FF31-4206-8172-F9D3106AACB1}" type="datetimeFigureOut">
               <a:rPr lang="en-US" dirty="0"/>
-              <a:t>9/9/2021</a:t>
+              <a:t>9/10/2021</a:t>
             </a:fld>
             <a:endParaRPr lang="en-US" dirty="0"/>
           </a:p>
@@ -7968,7 +8156,7 @@
           <a:p>
             <a:fld id="{4AAD347D-5ACD-4C99-B74B-A9C85AD731AF}" type="datetimeFigureOut">
               <a:rPr lang="en-US" dirty="0"/>
-              <a:t>9/9/2021</a:t>
+              <a:t>9/10/2021</a:t>
             </a:fld>
             <a:endParaRPr lang="en-US" dirty="0"/>
           </a:p>
@@ -8628,34 +8816,25 @@
           <a:lstStyle/>
           <a:p>
             <a:r>
-              <a:rPr lang="fr-CH" sz="1800" dirty="0">
+              <a:rPr lang="fr-CH" sz="1800" b="1" dirty="0">
                 <a:solidFill>
-                  <a:schemeClr val="tx2">
-                    <a:lumMod val="40000"/>
-                    <a:lumOff val="60000"/>
-                  </a:schemeClr>
+                  <a:schemeClr val="bg1"/>
                 </a:solidFill>
               </a:rPr>
               <a:t>by </a:t>
             </a:r>
             <a:r>
-              <a:rPr lang="fr-CH" sz="1800" dirty="0" err="1">
+              <a:rPr lang="fr-CH" sz="1800" b="1" dirty="0" err="1">
                 <a:solidFill>
-                  <a:schemeClr val="tx2">
-                    <a:lumMod val="40000"/>
-                    <a:lumOff val="60000"/>
-                  </a:schemeClr>
+                  <a:schemeClr val="bg1"/>
                 </a:solidFill>
               </a:rPr>
               <a:t>métral</a:t>
             </a:r>
             <a:r>
-              <a:rPr lang="fr-CH" sz="1800" dirty="0">
+              <a:rPr lang="fr-CH" sz="1800" b="1" dirty="0">
                 <a:solidFill>
-                  <a:schemeClr val="tx2">
-                    <a:lumMod val="40000"/>
-                    <a:lumOff val="60000"/>
-                  </a:schemeClr>
+                  <a:schemeClr val="bg1"/>
                 </a:solidFill>
               </a:rPr>
               <a:t> Sébastien &amp; Zufferey loris</a:t>
@@ -9614,6 +9793,1086 @@
 </file>
 
 <file path=ppt/slides/slide10.xml><?xml version="1.0" encoding="utf-8"?>
+<p:sld xmlns:a="http://schemas.openxmlformats.org/drawingml/2006/main" xmlns:r="http://schemas.openxmlformats.org/officeDocument/2006/relationships" xmlns:p="http://schemas.openxmlformats.org/presentationml/2006/main">
+  <p:cSld>
+    <p:bg>
+      <p:bgPr>
+        <a:blipFill rotWithShape="1">
+          <a:blip r:embed="rId3">
+            <a:duotone>
+              <a:schemeClr val="bg2">
+                <a:shade val="69000"/>
+                <a:hueMod val="108000"/>
+                <a:satMod val="164000"/>
+                <a:lumMod val="74000"/>
+              </a:schemeClr>
+              <a:schemeClr val="bg2">
+                <a:tint val="96000"/>
+                <a:hueMod val="88000"/>
+                <a:satMod val="140000"/>
+                <a:lumMod val="132000"/>
+              </a:schemeClr>
+            </a:duotone>
+          </a:blip>
+          <a:stretch/>
+        </a:blipFill>
+        <a:effectLst/>
+      </p:bgPr>
+    </p:bg>
+    <p:spTree>
+      <p:nvGrpSpPr>
+        <p:cNvPr id="1" name=""/>
+        <p:cNvGrpSpPr/>
+        <p:nvPr/>
+      </p:nvGrpSpPr>
+      <p:grpSpPr>
+        <a:xfrm>
+          <a:off x="0" y="0"/>
+          <a:ext cx="0" cy="0"/>
+          <a:chOff x="0" y="0"/>
+          <a:chExt cx="0" cy="0"/>
+        </a:xfrm>
+      </p:grpSpPr>
+      <p:sp>
+        <p:nvSpPr>
+          <p:cNvPr id="24" name="Freeform: Shape 20">
+            <a:extLst>
+              <a:ext uri="{FF2B5EF4-FFF2-40B4-BE49-F238E27FC236}">
+                <a16:creationId xmlns:a16="http://schemas.microsoft.com/office/drawing/2014/main" id="{A10049FB-9EB9-40A5-B47A-F88DBA104808}"/>
+              </a:ext>
+              <a:ext uri="{C183D7F6-B498-43B3-948B-1728B52AA6E4}">
+                <adec:decorative xmlns:adec="http://schemas.microsoft.com/office/drawing/2017/decorative" val="1"/>
+              </a:ext>
+            </a:extLst>
+          </p:cNvPr>
+          <p:cNvSpPr>
+            <a:spLocks noGrp="1" noRot="1" noChangeAspect="1" noMove="1" noResize="1" noEditPoints="1" noAdjustHandles="1" noChangeArrowheads="1" noChangeShapeType="1" noTextEdit="1"/>
+          </p:cNvSpPr>
+          <p:nvPr>
+            <p:extLst>
+              <p:ext uri="{386F3935-93C4-4BCD-93E2-E3B085C9AB24}">
+                <p16:designElem xmlns:p16="http://schemas.microsoft.com/office/powerpoint/2015/main" val="1"/>
+              </p:ext>
+            </p:extLst>
+          </p:nvPr>
+        </p:nvSpPr>
+        <p:spPr bwMode="gray">
+          <a:xfrm>
+            <a:off x="1" y="1762067"/>
+            <a:ext cx="12192417" cy="5095933"/>
+          </a:xfrm>
+          <a:custGeom>
+            <a:avLst/>
+            <a:gdLst>
+              <a:gd name="connsiteX0" fmla="*/ 0 w 12192417"/>
+              <a:gd name="connsiteY0" fmla="*/ 0 h 5095933"/>
+              <a:gd name="connsiteX1" fmla="*/ 71931 w 12192417"/>
+              <a:gd name="connsiteY1" fmla="*/ 12261 h 5095933"/>
+              <a:gd name="connsiteX2" fmla="*/ 282848 w 12192417"/>
+              <a:gd name="connsiteY2" fmla="*/ 48343 h 5095933"/>
+              <a:gd name="connsiteX3" fmla="*/ 436463 w 12192417"/>
+              <a:gd name="connsiteY3" fmla="*/ 73565 h 5095933"/>
+              <a:gd name="connsiteX4" fmla="*/ 619338 w 12192417"/>
+              <a:gd name="connsiteY4" fmla="*/ 100188 h 5095933"/>
+              <a:gd name="connsiteX5" fmla="*/ 836350 w 12192417"/>
+              <a:gd name="connsiteY5" fmla="*/ 132066 h 5095933"/>
+              <a:gd name="connsiteX6" fmla="*/ 1076527 w 12192417"/>
+              <a:gd name="connsiteY6" fmla="*/ 165696 h 5095933"/>
+              <a:gd name="connsiteX7" fmla="*/ 1347183 w 12192417"/>
+              <a:gd name="connsiteY7" fmla="*/ 201077 h 5095933"/>
+              <a:gd name="connsiteX8" fmla="*/ 1642222 w 12192417"/>
+              <a:gd name="connsiteY8" fmla="*/ 238560 h 5095933"/>
+              <a:gd name="connsiteX9" fmla="*/ 1962863 w 12192417"/>
+              <a:gd name="connsiteY9" fmla="*/ 276043 h 5095933"/>
+              <a:gd name="connsiteX10" fmla="*/ 2304231 w 12192417"/>
+              <a:gd name="connsiteY10" fmla="*/ 314227 h 5095933"/>
+              <a:gd name="connsiteX11" fmla="*/ 2672420 w 12192417"/>
+              <a:gd name="connsiteY11" fmla="*/ 349608 h 5095933"/>
+              <a:gd name="connsiteX12" fmla="*/ 3057677 w 12192417"/>
+              <a:gd name="connsiteY12" fmla="*/ 383588 h 5095933"/>
+              <a:gd name="connsiteX13" fmla="*/ 3464880 w 12192417"/>
+              <a:gd name="connsiteY13" fmla="*/ 414415 h 5095933"/>
+              <a:gd name="connsiteX14" fmla="*/ 3889151 w 12192417"/>
+              <a:gd name="connsiteY14" fmla="*/ 443841 h 5095933"/>
+              <a:gd name="connsiteX15" fmla="*/ 4331709 w 12192417"/>
+              <a:gd name="connsiteY15" fmla="*/ 471515 h 5095933"/>
+              <a:gd name="connsiteX16" fmla="*/ 4558475 w 12192417"/>
+              <a:gd name="connsiteY16" fmla="*/ 481324 h 5095933"/>
+              <a:gd name="connsiteX17" fmla="*/ 4790117 w 12192417"/>
+              <a:gd name="connsiteY17" fmla="*/ 492183 h 5095933"/>
+              <a:gd name="connsiteX18" fmla="*/ 5025417 w 12192417"/>
+              <a:gd name="connsiteY18" fmla="*/ 502342 h 5095933"/>
+              <a:gd name="connsiteX19" fmla="*/ 5261936 w 12192417"/>
+              <a:gd name="connsiteY19" fmla="*/ 508998 h 5095933"/>
+              <a:gd name="connsiteX20" fmla="*/ 5503331 w 12192417"/>
+              <a:gd name="connsiteY20" fmla="*/ 514953 h 5095933"/>
+              <a:gd name="connsiteX21" fmla="*/ 5747166 w 12192417"/>
+              <a:gd name="connsiteY21" fmla="*/ 521259 h 5095933"/>
+              <a:gd name="connsiteX22" fmla="*/ 5995876 w 12192417"/>
+              <a:gd name="connsiteY22" fmla="*/ 525463 h 5095933"/>
+              <a:gd name="connsiteX23" fmla="*/ 6247025 w 12192417"/>
+              <a:gd name="connsiteY23" fmla="*/ 525463 h 5095933"/>
+              <a:gd name="connsiteX24" fmla="*/ 6500612 w 12192417"/>
+              <a:gd name="connsiteY24" fmla="*/ 527565 h 5095933"/>
+              <a:gd name="connsiteX25" fmla="*/ 6756638 w 12192417"/>
+              <a:gd name="connsiteY25" fmla="*/ 525463 h 5095933"/>
+              <a:gd name="connsiteX26" fmla="*/ 7016321 w 12192417"/>
+              <a:gd name="connsiteY26" fmla="*/ 521259 h 5095933"/>
+              <a:gd name="connsiteX27" fmla="*/ 7276004 w 12192417"/>
+              <a:gd name="connsiteY27" fmla="*/ 517406 h 5095933"/>
+              <a:gd name="connsiteX28" fmla="*/ 7539344 w 12192417"/>
+              <a:gd name="connsiteY28" fmla="*/ 508998 h 5095933"/>
+              <a:gd name="connsiteX29" fmla="*/ 7805123 w 12192417"/>
+              <a:gd name="connsiteY29" fmla="*/ 500241 h 5095933"/>
+              <a:gd name="connsiteX30" fmla="*/ 8070902 w 12192417"/>
+              <a:gd name="connsiteY30" fmla="*/ 490082 h 5095933"/>
+              <a:gd name="connsiteX31" fmla="*/ 8339120 w 12192417"/>
+              <a:gd name="connsiteY31" fmla="*/ 475719 h 5095933"/>
+              <a:gd name="connsiteX32" fmla="*/ 8609775 w 12192417"/>
+              <a:gd name="connsiteY32" fmla="*/ 458554 h 5095933"/>
+              <a:gd name="connsiteX33" fmla="*/ 8881650 w 12192417"/>
+              <a:gd name="connsiteY33" fmla="*/ 442089 h 5095933"/>
+              <a:gd name="connsiteX34" fmla="*/ 9153525 w 12192417"/>
+              <a:gd name="connsiteY34" fmla="*/ 421071 h 5095933"/>
+              <a:gd name="connsiteX35" fmla="*/ 9429057 w 12192417"/>
+              <a:gd name="connsiteY35" fmla="*/ 395849 h 5095933"/>
+              <a:gd name="connsiteX36" fmla="*/ 9700932 w 12192417"/>
+              <a:gd name="connsiteY36" fmla="*/ 370626 h 5095933"/>
+              <a:gd name="connsiteX37" fmla="*/ 9977683 w 12192417"/>
+              <a:gd name="connsiteY37" fmla="*/ 341551 h 5095933"/>
+              <a:gd name="connsiteX38" fmla="*/ 10255654 w 12192417"/>
+              <a:gd name="connsiteY38" fmla="*/ 309673 h 5095933"/>
+              <a:gd name="connsiteX39" fmla="*/ 10529967 w 12192417"/>
+              <a:gd name="connsiteY39" fmla="*/ 276043 h 5095933"/>
+              <a:gd name="connsiteX40" fmla="*/ 10807938 w 12192417"/>
+              <a:gd name="connsiteY40" fmla="*/ 236809 h 5095933"/>
+              <a:gd name="connsiteX41" fmla="*/ 11084689 w 12192417"/>
+              <a:gd name="connsiteY41" fmla="*/ 194772 h 5095933"/>
+              <a:gd name="connsiteX42" fmla="*/ 11362660 w 12192417"/>
+              <a:gd name="connsiteY42" fmla="*/ 153085 h 5095933"/>
+              <a:gd name="connsiteX43" fmla="*/ 11639411 w 12192417"/>
+              <a:gd name="connsiteY43" fmla="*/ 104392 h 5095933"/>
+              <a:gd name="connsiteX44" fmla="*/ 11914944 w 12192417"/>
+              <a:gd name="connsiteY44" fmla="*/ 54648 h 5095933"/>
+              <a:gd name="connsiteX45" fmla="*/ 12191695 w 12192417"/>
+              <a:gd name="connsiteY45" fmla="*/ 2452 h 5095933"/>
+              <a:gd name="connsiteX46" fmla="*/ 12191695 w 12192417"/>
+              <a:gd name="connsiteY46" fmla="*/ 2162231 h 5095933"/>
+              <a:gd name="connsiteX47" fmla="*/ 12192417 w 12192417"/>
+              <a:gd name="connsiteY47" fmla="*/ 2162231 h 5095933"/>
+              <a:gd name="connsiteX48" fmla="*/ 12192417 w 12192417"/>
+              <a:gd name="connsiteY48" fmla="*/ 5095933 h 5095933"/>
+              <a:gd name="connsiteX49" fmla="*/ 0 w 12192417"/>
+              <a:gd name="connsiteY49" fmla="*/ 5095933 h 5095933"/>
+              <a:gd name="connsiteX50" fmla="*/ 0 w 12192417"/>
+              <a:gd name="connsiteY50" fmla="*/ 2791958 h 5095933"/>
+              <a:gd name="connsiteX51" fmla="*/ 0 w 12192417"/>
+              <a:gd name="connsiteY51" fmla="*/ 2162231 h 5095933"/>
+            </a:gdLst>
+            <a:ahLst/>
+            <a:cxnLst>
+              <a:cxn ang="0">
+                <a:pos x="connsiteX0" y="connsiteY0"/>
+              </a:cxn>
+              <a:cxn ang="0">
+                <a:pos x="connsiteX1" y="connsiteY1"/>
+              </a:cxn>
+              <a:cxn ang="0">
+                <a:pos x="connsiteX2" y="connsiteY2"/>
+              </a:cxn>
+              <a:cxn ang="0">
+                <a:pos x="connsiteX3" y="connsiteY3"/>
+              </a:cxn>
+              <a:cxn ang="0">
+                <a:pos x="connsiteX4" y="connsiteY4"/>
+              </a:cxn>
+              <a:cxn ang="0">
+                <a:pos x="connsiteX5" y="connsiteY5"/>
+              </a:cxn>
+              <a:cxn ang="0">
+                <a:pos x="connsiteX6" y="connsiteY6"/>
+              </a:cxn>
+              <a:cxn ang="0">
+                <a:pos x="connsiteX7" y="connsiteY7"/>
+              </a:cxn>
+              <a:cxn ang="0">
+                <a:pos x="connsiteX8" y="connsiteY8"/>
+              </a:cxn>
+              <a:cxn ang="0">
+                <a:pos x="connsiteX9" y="connsiteY9"/>
+              </a:cxn>
+              <a:cxn ang="0">
+                <a:pos x="connsiteX10" y="connsiteY10"/>
+              </a:cxn>
+              <a:cxn ang="0">
+                <a:pos x="connsiteX11" y="connsiteY11"/>
+              </a:cxn>
+              <a:cxn ang="0">
+                <a:pos x="connsiteX12" y="connsiteY12"/>
+              </a:cxn>
+              <a:cxn ang="0">
+                <a:pos x="connsiteX13" y="connsiteY13"/>
+              </a:cxn>
+              <a:cxn ang="0">
+                <a:pos x="connsiteX14" y="connsiteY14"/>
+              </a:cxn>
+              <a:cxn ang="0">
+                <a:pos x="connsiteX15" y="connsiteY15"/>
+              </a:cxn>
+              <a:cxn ang="0">
+                <a:pos x="connsiteX16" y="connsiteY16"/>
+              </a:cxn>
+              <a:cxn ang="0">
+                <a:pos x="connsiteX17" y="connsiteY17"/>
+              </a:cxn>
+              <a:cxn ang="0">
+                <a:pos x="connsiteX18" y="connsiteY18"/>
+              </a:cxn>
+              <a:cxn ang="0">
+                <a:pos x="connsiteX19" y="connsiteY19"/>
+              </a:cxn>
+              <a:cxn ang="0">
+                <a:pos x="connsiteX20" y="connsiteY20"/>
+              </a:cxn>
+              <a:cxn ang="0">
+                <a:pos x="connsiteX21" y="connsiteY21"/>
+              </a:cxn>
+              <a:cxn ang="0">
+                <a:pos x="connsiteX22" y="connsiteY22"/>
+              </a:cxn>
+              <a:cxn ang="0">
+                <a:pos x="connsiteX23" y="connsiteY23"/>
+              </a:cxn>
+              <a:cxn ang="0">
+                <a:pos x="connsiteX24" y="connsiteY24"/>
+              </a:cxn>
+              <a:cxn ang="0">
+                <a:pos x="connsiteX25" y="connsiteY25"/>
+              </a:cxn>
+              <a:cxn ang="0">
+                <a:pos x="connsiteX26" y="connsiteY26"/>
+              </a:cxn>
+              <a:cxn ang="0">
+                <a:pos x="connsiteX27" y="connsiteY27"/>
+              </a:cxn>
+              <a:cxn ang="0">
+                <a:pos x="connsiteX28" y="connsiteY28"/>
+              </a:cxn>
+              <a:cxn ang="0">
+                <a:pos x="connsiteX29" y="connsiteY29"/>
+              </a:cxn>
+              <a:cxn ang="0">
+                <a:pos x="connsiteX30" y="connsiteY30"/>
+              </a:cxn>
+              <a:cxn ang="0">
+                <a:pos x="connsiteX31" y="connsiteY31"/>
+              </a:cxn>
+              <a:cxn ang="0">
+                <a:pos x="connsiteX32" y="connsiteY32"/>
+              </a:cxn>
+              <a:cxn ang="0">
+                <a:pos x="connsiteX33" y="connsiteY33"/>
+              </a:cxn>
+              <a:cxn ang="0">
+                <a:pos x="connsiteX34" y="connsiteY34"/>
+              </a:cxn>
+              <a:cxn ang="0">
+                <a:pos x="connsiteX35" y="connsiteY35"/>
+              </a:cxn>
+              <a:cxn ang="0">
+                <a:pos x="connsiteX36" y="connsiteY36"/>
+              </a:cxn>
+              <a:cxn ang="0">
+                <a:pos x="connsiteX37" y="connsiteY37"/>
+              </a:cxn>
+              <a:cxn ang="0">
+                <a:pos x="connsiteX38" y="connsiteY38"/>
+              </a:cxn>
+              <a:cxn ang="0">
+                <a:pos x="connsiteX39" y="connsiteY39"/>
+              </a:cxn>
+              <a:cxn ang="0">
+                <a:pos x="connsiteX40" y="connsiteY40"/>
+              </a:cxn>
+              <a:cxn ang="0">
+                <a:pos x="connsiteX41" y="connsiteY41"/>
+              </a:cxn>
+              <a:cxn ang="0">
+                <a:pos x="connsiteX42" y="connsiteY42"/>
+              </a:cxn>
+              <a:cxn ang="0">
+                <a:pos x="connsiteX43" y="connsiteY43"/>
+              </a:cxn>
+              <a:cxn ang="0">
+                <a:pos x="connsiteX44" y="connsiteY44"/>
+              </a:cxn>
+              <a:cxn ang="0">
+                <a:pos x="connsiteX45" y="connsiteY45"/>
+              </a:cxn>
+              <a:cxn ang="0">
+                <a:pos x="connsiteX46" y="connsiteY46"/>
+              </a:cxn>
+              <a:cxn ang="0">
+                <a:pos x="connsiteX47" y="connsiteY47"/>
+              </a:cxn>
+              <a:cxn ang="0">
+                <a:pos x="connsiteX48" y="connsiteY48"/>
+              </a:cxn>
+              <a:cxn ang="0">
+                <a:pos x="connsiteX49" y="connsiteY49"/>
+              </a:cxn>
+              <a:cxn ang="0">
+                <a:pos x="connsiteX50" y="connsiteY50"/>
+              </a:cxn>
+              <a:cxn ang="0">
+                <a:pos x="connsiteX51" y="connsiteY51"/>
+              </a:cxn>
+            </a:cxnLst>
+            <a:rect l="l" t="t" r="r" b="b"/>
+            <a:pathLst>
+              <a:path w="12192417" h="5095933">
+                <a:moveTo>
+                  <a:pt x="0" y="0"/>
+                </a:moveTo>
+                <a:lnTo>
+                  <a:pt x="71931" y="12261"/>
+                </a:lnTo>
+                <a:lnTo>
+                  <a:pt x="282848" y="48343"/>
+                </a:lnTo>
+                <a:lnTo>
+                  <a:pt x="436463" y="73565"/>
+                </a:lnTo>
+                <a:lnTo>
+                  <a:pt x="619338" y="100188"/>
+                </a:lnTo>
+                <a:lnTo>
+                  <a:pt x="836350" y="132066"/>
+                </a:lnTo>
+                <a:lnTo>
+                  <a:pt x="1076527" y="165696"/>
+                </a:lnTo>
+                <a:lnTo>
+                  <a:pt x="1347183" y="201077"/>
+                </a:lnTo>
+                <a:lnTo>
+                  <a:pt x="1642222" y="238560"/>
+                </a:lnTo>
+                <a:lnTo>
+                  <a:pt x="1962863" y="276043"/>
+                </a:lnTo>
+                <a:lnTo>
+                  <a:pt x="2304231" y="314227"/>
+                </a:lnTo>
+                <a:lnTo>
+                  <a:pt x="2672420" y="349608"/>
+                </a:lnTo>
+                <a:lnTo>
+                  <a:pt x="3057677" y="383588"/>
+                </a:lnTo>
+                <a:lnTo>
+                  <a:pt x="3464880" y="414415"/>
+                </a:lnTo>
+                <a:lnTo>
+                  <a:pt x="3889151" y="443841"/>
+                </a:lnTo>
+                <a:lnTo>
+                  <a:pt x="4331709" y="471515"/>
+                </a:lnTo>
+                <a:lnTo>
+                  <a:pt x="4558475" y="481324"/>
+                </a:lnTo>
+                <a:lnTo>
+                  <a:pt x="4790117" y="492183"/>
+                </a:lnTo>
+                <a:lnTo>
+                  <a:pt x="5025417" y="502342"/>
+                </a:lnTo>
+                <a:lnTo>
+                  <a:pt x="5261936" y="508998"/>
+                </a:lnTo>
+                <a:lnTo>
+                  <a:pt x="5503331" y="514953"/>
+                </a:lnTo>
+                <a:lnTo>
+                  <a:pt x="5747166" y="521259"/>
+                </a:lnTo>
+                <a:lnTo>
+                  <a:pt x="5995876" y="525463"/>
+                </a:lnTo>
+                <a:lnTo>
+                  <a:pt x="6247025" y="525463"/>
+                </a:lnTo>
+                <a:lnTo>
+                  <a:pt x="6500612" y="527565"/>
+                </a:lnTo>
+                <a:lnTo>
+                  <a:pt x="6756638" y="525463"/>
+                </a:lnTo>
+                <a:lnTo>
+                  <a:pt x="7016321" y="521259"/>
+                </a:lnTo>
+                <a:lnTo>
+                  <a:pt x="7276004" y="517406"/>
+                </a:lnTo>
+                <a:lnTo>
+                  <a:pt x="7539344" y="508998"/>
+                </a:lnTo>
+                <a:lnTo>
+                  <a:pt x="7805123" y="500241"/>
+                </a:lnTo>
+                <a:lnTo>
+                  <a:pt x="8070902" y="490082"/>
+                </a:lnTo>
+                <a:lnTo>
+                  <a:pt x="8339120" y="475719"/>
+                </a:lnTo>
+                <a:lnTo>
+                  <a:pt x="8609775" y="458554"/>
+                </a:lnTo>
+                <a:lnTo>
+                  <a:pt x="8881650" y="442089"/>
+                </a:lnTo>
+                <a:lnTo>
+                  <a:pt x="9153525" y="421071"/>
+                </a:lnTo>
+                <a:lnTo>
+                  <a:pt x="9429057" y="395849"/>
+                </a:lnTo>
+                <a:lnTo>
+                  <a:pt x="9700932" y="370626"/>
+                </a:lnTo>
+                <a:lnTo>
+                  <a:pt x="9977683" y="341551"/>
+                </a:lnTo>
+                <a:lnTo>
+                  <a:pt x="10255654" y="309673"/>
+                </a:lnTo>
+                <a:lnTo>
+                  <a:pt x="10529967" y="276043"/>
+                </a:lnTo>
+                <a:lnTo>
+                  <a:pt x="10807938" y="236809"/>
+                </a:lnTo>
+                <a:lnTo>
+                  <a:pt x="11084689" y="194772"/>
+                </a:lnTo>
+                <a:lnTo>
+                  <a:pt x="11362660" y="153085"/>
+                </a:lnTo>
+                <a:lnTo>
+                  <a:pt x="11639411" y="104392"/>
+                </a:lnTo>
+                <a:lnTo>
+                  <a:pt x="11914944" y="54648"/>
+                </a:lnTo>
+                <a:lnTo>
+                  <a:pt x="12191695" y="2452"/>
+                </a:lnTo>
+                <a:lnTo>
+                  <a:pt x="12191695" y="2162231"/>
+                </a:lnTo>
+                <a:lnTo>
+                  <a:pt x="12192417" y="2162231"/>
+                </a:lnTo>
+                <a:lnTo>
+                  <a:pt x="12192417" y="5095933"/>
+                </a:lnTo>
+                <a:lnTo>
+                  <a:pt x="0" y="5095933"/>
+                </a:lnTo>
+                <a:lnTo>
+                  <a:pt x="0" y="2791958"/>
+                </a:lnTo>
+                <a:lnTo>
+                  <a:pt x="0" y="2162231"/>
+                </a:lnTo>
+                <a:close/>
+              </a:path>
+            </a:pathLst>
+          </a:custGeom>
+          <a:solidFill>
+            <a:srgbClr val="FFFFFF"/>
+          </a:solidFill>
+          <a:ln>
+            <a:noFill/>
+          </a:ln>
+        </p:spPr>
+      </p:sp>
+      <p:sp>
+        <p:nvSpPr>
+          <p:cNvPr id="23" name="Freeform 7">
+            <a:extLst>
+              <a:ext uri="{FF2B5EF4-FFF2-40B4-BE49-F238E27FC236}">
+                <a16:creationId xmlns:a16="http://schemas.microsoft.com/office/drawing/2014/main" id="{9053E132-12E5-44D2-AA0E-9353E65AC083}"/>
+              </a:ext>
+              <a:ext uri="{C183D7F6-B498-43B3-948B-1728B52AA6E4}">
+                <adec:decorative xmlns:adec="http://schemas.microsoft.com/office/drawing/2017/decorative" val="1"/>
+              </a:ext>
+            </a:extLst>
+          </p:cNvPr>
+          <p:cNvSpPr>
+            <a:spLocks noGrp="1" noRot="1" noChangeAspect="1" noMove="1" noResize="1" noEditPoints="1" noAdjustHandles="1" noChangeArrowheads="1" noChangeShapeType="1" noTextEdit="1"/>
+          </p:cNvSpPr>
+          <p:nvPr>
+            <p:extLst>
+              <p:ext uri="{386F3935-93C4-4BCD-93E2-E3B085C9AB24}">
+                <p16:designElem xmlns:p16="http://schemas.microsoft.com/office/powerpoint/2015/main" val="1"/>
+              </p:ext>
+            </p:extLst>
+          </p:nvPr>
+        </p:nvSpPr>
+        <p:spPr>
+          <a:xfrm>
+            <a:off x="8719939" y="1460230"/>
+            <a:ext cx="3472060" cy="825932"/>
+          </a:xfrm>
+          <a:custGeom>
+            <a:avLst/>
+            <a:gdLst>
+              <a:gd name="connsiteX0" fmla="*/ 3470310 w 3472060"/>
+              <a:gd name="connsiteY0" fmla="*/ 0 h 825932"/>
+              <a:gd name="connsiteX1" fmla="*/ 3472060 w 3472060"/>
+              <a:gd name="connsiteY1" fmla="*/ 12850 h 825932"/>
+              <a:gd name="connsiteX2" fmla="*/ 3472060 w 3472060"/>
+              <a:gd name="connsiteY2" fmla="*/ 480529 h 825932"/>
+              <a:gd name="connsiteX3" fmla="*/ 3363699 w 3472060"/>
+              <a:gd name="connsiteY3" fmla="*/ 498471 h 825932"/>
+              <a:gd name="connsiteX4" fmla="*/ 42060 w 3472060"/>
+              <a:gd name="connsiteY4" fmla="*/ 824486 h 825932"/>
+              <a:gd name="connsiteX5" fmla="*/ 0 w 3472060"/>
+              <a:gd name="connsiteY5" fmla="*/ 758452 h 825932"/>
+              <a:gd name="connsiteX6" fmla="*/ 188014 w 3472060"/>
+              <a:gd name="connsiteY6" fmla="*/ 735602 h 825932"/>
+              <a:gd name="connsiteX7" fmla="*/ 284087 w 3472060"/>
+              <a:gd name="connsiteY7" fmla="*/ 722590 h 825932"/>
+              <a:gd name="connsiteX8" fmla="*/ 382288 w 3472060"/>
+              <a:gd name="connsiteY8" fmla="*/ 709392 h 825932"/>
+              <a:gd name="connsiteX9" fmla="*/ 481858 w 3472060"/>
+              <a:gd name="connsiteY9" fmla="*/ 695774 h 825932"/>
+              <a:gd name="connsiteX10" fmla="*/ 581897 w 3472060"/>
+              <a:gd name="connsiteY10" fmla="*/ 680711 h 825932"/>
+              <a:gd name="connsiteX11" fmla="*/ 683670 w 3472060"/>
+              <a:gd name="connsiteY11" fmla="*/ 665256 h 825932"/>
+              <a:gd name="connsiteX12" fmla="*/ 787206 w 3472060"/>
+              <a:gd name="connsiteY12" fmla="*/ 649587 h 825932"/>
+              <a:gd name="connsiteX13" fmla="*/ 892019 w 3472060"/>
+              <a:gd name="connsiteY13" fmla="*/ 632968 h 825932"/>
+              <a:gd name="connsiteX14" fmla="*/ 997620 w 3472060"/>
+              <a:gd name="connsiteY14" fmla="*/ 614667 h 825932"/>
+              <a:gd name="connsiteX15" fmla="*/ 1104727 w 3472060"/>
+              <a:gd name="connsiteY15" fmla="*/ 596741 h 825932"/>
+              <a:gd name="connsiteX16" fmla="*/ 1212669 w 3472060"/>
+              <a:gd name="connsiteY16" fmla="*/ 577397 h 825932"/>
+              <a:gd name="connsiteX17" fmla="*/ 1321506 w 3472060"/>
+              <a:gd name="connsiteY17" fmla="*/ 556988 h 825932"/>
+              <a:gd name="connsiteX18" fmla="*/ 1430709 w 3472060"/>
+              <a:gd name="connsiteY18" fmla="*/ 536607 h 825932"/>
+              <a:gd name="connsiteX19" fmla="*/ 1541050 w 3472060"/>
+              <a:gd name="connsiteY19" fmla="*/ 514481 h 825932"/>
+              <a:gd name="connsiteX20" fmla="*/ 1652805 w 3472060"/>
+              <a:gd name="connsiteY20" fmla="*/ 492202 h 825932"/>
+              <a:gd name="connsiteX21" fmla="*/ 1763708 w 3472060"/>
+              <a:gd name="connsiteY21" fmla="*/ 469161 h 825932"/>
+              <a:gd name="connsiteX22" fmla="*/ 1875795 w 3472060"/>
+              <a:gd name="connsiteY22" fmla="*/ 444641 h 825932"/>
+              <a:gd name="connsiteX23" fmla="*/ 1989128 w 3472060"/>
+              <a:gd name="connsiteY23" fmla="*/ 418995 h 825932"/>
+              <a:gd name="connsiteX24" fmla="*/ 2102476 w 3472060"/>
+              <a:gd name="connsiteY24" fmla="*/ 393438 h 825932"/>
+              <a:gd name="connsiteX25" fmla="*/ 2215549 w 3472060"/>
+              <a:gd name="connsiteY25" fmla="*/ 366291 h 825932"/>
+              <a:gd name="connsiteX26" fmla="*/ 2330490 w 3472060"/>
+              <a:gd name="connsiteY26" fmla="*/ 337455 h 825932"/>
+              <a:gd name="connsiteX27" fmla="*/ 2443333 w 3472060"/>
+              <a:gd name="connsiteY27" fmla="*/ 308983 h 825932"/>
+              <a:gd name="connsiteX28" fmla="*/ 2558014 w 3472060"/>
+              <a:gd name="connsiteY28" fmla="*/ 278646 h 825932"/>
+              <a:gd name="connsiteX29" fmla="*/ 2673621 w 3472060"/>
+              <a:gd name="connsiteY29" fmla="*/ 247421 h 825932"/>
+              <a:gd name="connsiteX30" fmla="*/ 2787008 w 3472060"/>
+              <a:gd name="connsiteY30" fmla="*/ 215853 h 825932"/>
+              <a:gd name="connsiteX31" fmla="*/ 2901442 w 3472060"/>
+              <a:gd name="connsiteY31" fmla="*/ 182011 h 825932"/>
+              <a:gd name="connsiteX32" fmla="*/ 3015722 w 3472060"/>
+              <a:gd name="connsiteY32" fmla="*/ 147286 h 825932"/>
+              <a:gd name="connsiteX33" fmla="*/ 3130018 w 3472060"/>
+              <a:gd name="connsiteY33" fmla="*/ 112649 h 825932"/>
+              <a:gd name="connsiteX34" fmla="*/ 3243551 w 3472060"/>
+              <a:gd name="connsiteY34" fmla="*/ 75688 h 825932"/>
+              <a:gd name="connsiteX35" fmla="*/ 3356992 w 3472060"/>
+              <a:gd name="connsiteY35" fmla="*/ 38197 h 825932"/>
+              <a:gd name="connsiteX36" fmla="*/ 3470310 w 3472060"/>
+              <a:gd name="connsiteY36" fmla="*/ 0 h 825932"/>
+            </a:gdLst>
+            <a:ahLst/>
+            <a:cxnLst>
+              <a:cxn ang="0">
+                <a:pos x="connsiteX0" y="connsiteY0"/>
+              </a:cxn>
+              <a:cxn ang="0">
+                <a:pos x="connsiteX1" y="connsiteY1"/>
+              </a:cxn>
+              <a:cxn ang="0">
+                <a:pos x="connsiteX2" y="connsiteY2"/>
+              </a:cxn>
+              <a:cxn ang="0">
+                <a:pos x="connsiteX3" y="connsiteY3"/>
+              </a:cxn>
+              <a:cxn ang="0">
+                <a:pos x="connsiteX4" y="connsiteY4"/>
+              </a:cxn>
+              <a:cxn ang="0">
+                <a:pos x="connsiteX5" y="connsiteY5"/>
+              </a:cxn>
+              <a:cxn ang="0">
+                <a:pos x="connsiteX6" y="connsiteY6"/>
+              </a:cxn>
+              <a:cxn ang="0">
+                <a:pos x="connsiteX7" y="connsiteY7"/>
+              </a:cxn>
+              <a:cxn ang="0">
+                <a:pos x="connsiteX8" y="connsiteY8"/>
+              </a:cxn>
+              <a:cxn ang="0">
+                <a:pos x="connsiteX9" y="connsiteY9"/>
+              </a:cxn>
+              <a:cxn ang="0">
+                <a:pos x="connsiteX10" y="connsiteY10"/>
+              </a:cxn>
+              <a:cxn ang="0">
+                <a:pos x="connsiteX11" y="connsiteY11"/>
+              </a:cxn>
+              <a:cxn ang="0">
+                <a:pos x="connsiteX12" y="connsiteY12"/>
+              </a:cxn>
+              <a:cxn ang="0">
+                <a:pos x="connsiteX13" y="connsiteY13"/>
+              </a:cxn>
+              <a:cxn ang="0">
+                <a:pos x="connsiteX14" y="connsiteY14"/>
+              </a:cxn>
+              <a:cxn ang="0">
+                <a:pos x="connsiteX15" y="connsiteY15"/>
+              </a:cxn>
+              <a:cxn ang="0">
+                <a:pos x="connsiteX16" y="connsiteY16"/>
+              </a:cxn>
+              <a:cxn ang="0">
+                <a:pos x="connsiteX17" y="connsiteY17"/>
+              </a:cxn>
+              <a:cxn ang="0">
+                <a:pos x="connsiteX18" y="connsiteY18"/>
+              </a:cxn>
+              <a:cxn ang="0">
+                <a:pos x="connsiteX19" y="connsiteY19"/>
+              </a:cxn>
+              <a:cxn ang="0">
+                <a:pos x="connsiteX20" y="connsiteY20"/>
+              </a:cxn>
+              <a:cxn ang="0">
+                <a:pos x="connsiteX21" y="connsiteY21"/>
+              </a:cxn>
+              <a:cxn ang="0">
+                <a:pos x="connsiteX22" y="connsiteY22"/>
+              </a:cxn>
+              <a:cxn ang="0">
+                <a:pos x="connsiteX23" y="connsiteY23"/>
+              </a:cxn>
+              <a:cxn ang="0">
+                <a:pos x="connsiteX24" y="connsiteY24"/>
+              </a:cxn>
+              <a:cxn ang="0">
+                <a:pos x="connsiteX25" y="connsiteY25"/>
+              </a:cxn>
+              <a:cxn ang="0">
+                <a:pos x="connsiteX26" y="connsiteY26"/>
+              </a:cxn>
+              <a:cxn ang="0">
+                <a:pos x="connsiteX27" y="connsiteY27"/>
+              </a:cxn>
+              <a:cxn ang="0">
+                <a:pos x="connsiteX28" y="connsiteY28"/>
+              </a:cxn>
+              <a:cxn ang="0">
+                <a:pos x="connsiteX29" y="connsiteY29"/>
+              </a:cxn>
+              <a:cxn ang="0">
+                <a:pos x="connsiteX30" y="connsiteY30"/>
+              </a:cxn>
+              <a:cxn ang="0">
+                <a:pos x="connsiteX31" y="connsiteY31"/>
+              </a:cxn>
+              <a:cxn ang="0">
+                <a:pos x="connsiteX32" y="connsiteY32"/>
+              </a:cxn>
+              <a:cxn ang="0">
+                <a:pos x="connsiteX33" y="connsiteY33"/>
+              </a:cxn>
+              <a:cxn ang="0">
+                <a:pos x="connsiteX34" y="connsiteY34"/>
+              </a:cxn>
+              <a:cxn ang="0">
+                <a:pos x="connsiteX35" y="connsiteY35"/>
+              </a:cxn>
+              <a:cxn ang="0">
+                <a:pos x="connsiteX36" y="connsiteY36"/>
+              </a:cxn>
+            </a:cxnLst>
+            <a:rect l="l" t="t" r="r" b="b"/>
+            <a:pathLst>
+              <a:path w="3472060" h="825932">
+                <a:moveTo>
+                  <a:pt x="3470310" y="0"/>
+                </a:moveTo>
+                <a:lnTo>
+                  <a:pt x="3472060" y="12850"/>
+                </a:lnTo>
+                <a:lnTo>
+                  <a:pt x="3472060" y="480529"/>
+                </a:lnTo>
+                <a:lnTo>
+                  <a:pt x="3363699" y="498471"/>
+                </a:lnTo>
+                <a:cubicBezTo>
+                  <a:pt x="2435623" y="645518"/>
+                  <a:pt x="603076" y="844866"/>
+                  <a:pt x="42060" y="824486"/>
+                </a:cubicBezTo>
+                <a:cubicBezTo>
+                  <a:pt x="28151" y="802425"/>
+                  <a:pt x="13909" y="780513"/>
+                  <a:pt x="0" y="758452"/>
+                </a:cubicBezTo>
+                <a:lnTo>
+                  <a:pt x="188014" y="735602"/>
+                </a:lnTo>
+                <a:lnTo>
+                  <a:pt x="284087" y="722590"/>
+                </a:lnTo>
+                <a:lnTo>
+                  <a:pt x="382288" y="709392"/>
+                </a:lnTo>
+                <a:lnTo>
+                  <a:pt x="481858" y="695774"/>
+                </a:lnTo>
+                <a:lnTo>
+                  <a:pt x="581897" y="680711"/>
+                </a:lnTo>
+                <a:lnTo>
+                  <a:pt x="683670" y="665256"/>
+                </a:lnTo>
+                <a:lnTo>
+                  <a:pt x="787206" y="649587"/>
+                </a:lnTo>
+                <a:lnTo>
+                  <a:pt x="892019" y="632968"/>
+                </a:lnTo>
+                <a:lnTo>
+                  <a:pt x="997620" y="614667"/>
+                </a:lnTo>
+                <a:lnTo>
+                  <a:pt x="1104727" y="596741"/>
+                </a:lnTo>
+                <a:lnTo>
+                  <a:pt x="1212669" y="577397"/>
+                </a:lnTo>
+                <a:lnTo>
+                  <a:pt x="1321506" y="556988"/>
+                </a:lnTo>
+                <a:lnTo>
+                  <a:pt x="1430709" y="536607"/>
+                </a:lnTo>
+                <a:lnTo>
+                  <a:pt x="1541050" y="514481"/>
+                </a:lnTo>
+                <a:lnTo>
+                  <a:pt x="1652805" y="492202"/>
+                </a:lnTo>
+                <a:lnTo>
+                  <a:pt x="1763708" y="469161"/>
+                </a:lnTo>
+                <a:lnTo>
+                  <a:pt x="1875795" y="444641"/>
+                </a:lnTo>
+                <a:lnTo>
+                  <a:pt x="1989128" y="418995"/>
+                </a:lnTo>
+                <a:lnTo>
+                  <a:pt x="2102476" y="393438"/>
+                </a:lnTo>
+                <a:lnTo>
+                  <a:pt x="2215549" y="366291"/>
+                </a:lnTo>
+                <a:lnTo>
+                  <a:pt x="2330490" y="337455"/>
+                </a:lnTo>
+                <a:lnTo>
+                  <a:pt x="2443333" y="308983"/>
+                </a:lnTo>
+                <a:lnTo>
+                  <a:pt x="2558014" y="278646"/>
+                </a:lnTo>
+                <a:lnTo>
+                  <a:pt x="2673621" y="247421"/>
+                </a:lnTo>
+                <a:lnTo>
+                  <a:pt x="2787008" y="215853"/>
+                </a:lnTo>
+                <a:lnTo>
+                  <a:pt x="2901442" y="182011"/>
+                </a:lnTo>
+                <a:lnTo>
+                  <a:pt x="3015722" y="147286"/>
+                </a:lnTo>
+                <a:lnTo>
+                  <a:pt x="3130018" y="112649"/>
+                </a:lnTo>
+                <a:lnTo>
+                  <a:pt x="3243551" y="75688"/>
+                </a:lnTo>
+                <a:lnTo>
+                  <a:pt x="3356992" y="38197"/>
+                </a:lnTo>
+                <a:lnTo>
+                  <a:pt x="3470310" y="0"/>
+                </a:lnTo>
+                <a:close/>
+              </a:path>
+            </a:pathLst>
+          </a:custGeom>
+          <a:solidFill>
+            <a:schemeClr val="tx1">
+              <a:alpha val="20000"/>
+            </a:schemeClr>
+          </a:solidFill>
+          <a:ln>
+            <a:noFill/>
+          </a:ln>
+        </p:spPr>
+        <p:txBody>
+          <a:bodyPr rtlCol="0" anchor="ctr"/>
+          <a:lstStyle/>
+          <a:p>
+            <a:pPr algn="ctr"/>
+            <a:endParaRPr lang="en-US">
+              <a:solidFill>
+                <a:schemeClr val="tx1"/>
+              </a:solidFill>
+            </a:endParaRPr>
+          </a:p>
+        </p:txBody>
+      </p:sp>
+      <p:sp>
+        <p:nvSpPr>
+          <p:cNvPr id="2" name="Titre 1">
+            <a:extLst>
+              <a:ext uri="{FF2B5EF4-FFF2-40B4-BE49-F238E27FC236}">
+                <a16:creationId xmlns:a16="http://schemas.microsoft.com/office/drawing/2014/main" id="{E1E4E42B-49D5-47E8-B0E4-9847CA2115F6}"/>
+              </a:ext>
+            </a:extLst>
+          </p:cNvPr>
+          <p:cNvSpPr>
+            <a:spLocks noGrp="1"/>
+          </p:cNvSpPr>
+          <p:nvPr>
+            <p:ph type="title"/>
+          </p:nvPr>
+        </p:nvSpPr>
+        <p:spPr>
+          <a:xfrm>
+            <a:off x="646111" y="452718"/>
+            <a:ext cx="9404723" cy="1180711"/>
+          </a:xfrm>
+        </p:spPr>
+        <p:txBody>
+          <a:bodyPr>
+            <a:normAutofit/>
+          </a:bodyPr>
+          <a:lstStyle/>
+          <a:p>
+            <a:r>
+              <a:rPr lang="fr-CH" dirty="0"/>
+              <a:t>Conclusion</a:t>
+            </a:r>
+          </a:p>
+        </p:txBody>
+      </p:sp>
+      <p:sp>
+        <p:nvSpPr>
+          <p:cNvPr id="3" name="Espace réservé du contenu 2">
+            <a:extLst>
+              <a:ext uri="{FF2B5EF4-FFF2-40B4-BE49-F238E27FC236}">
+                <a16:creationId xmlns:a16="http://schemas.microsoft.com/office/drawing/2014/main" id="{80C75663-40E5-44BD-8BE9-7C6D65E82C4C}"/>
+              </a:ext>
+            </a:extLst>
+          </p:cNvPr>
+          <p:cNvSpPr>
+            <a:spLocks noGrp="1"/>
+          </p:cNvSpPr>
+          <p:nvPr>
+            <p:ph idx="1"/>
+          </p:nvPr>
+        </p:nvSpPr>
+        <p:spPr>
+          <a:xfrm>
+            <a:off x="643855" y="2548281"/>
+            <a:ext cx="5114093" cy="3654389"/>
+          </a:xfrm>
+        </p:spPr>
+        <p:txBody>
+          <a:bodyPr>
+            <a:normAutofit/>
+          </a:bodyPr>
+          <a:lstStyle/>
+          <a:p>
+            <a:r>
+              <a:rPr lang="fr-CH">
+                <a:solidFill>
+                  <a:schemeClr val="bg1"/>
+                </a:solidFill>
+              </a:rPr>
+              <a:t>Résultats et tests</a:t>
+            </a:r>
+          </a:p>
+          <a:p>
+            <a:endParaRPr lang="fr-CH">
+              <a:solidFill>
+                <a:schemeClr val="bg1"/>
+              </a:solidFill>
+            </a:endParaRPr>
+          </a:p>
+          <a:p>
+            <a:r>
+              <a:rPr lang="fr-CH">
+                <a:solidFill>
+                  <a:schemeClr val="bg1"/>
+                </a:solidFill>
+              </a:rPr>
+              <a:t>Fonction multijoueur </a:t>
+            </a:r>
+          </a:p>
+          <a:p>
+            <a:endParaRPr lang="fr-CH">
+              <a:solidFill>
+                <a:schemeClr val="bg1"/>
+              </a:solidFill>
+            </a:endParaRPr>
+          </a:p>
+          <a:p>
+            <a:r>
+              <a:rPr lang="fr-CH">
+                <a:solidFill>
+                  <a:schemeClr val="bg1"/>
+                </a:solidFill>
+              </a:rPr>
+              <a:t>Amélioration fluidité</a:t>
+            </a:r>
+          </a:p>
+          <a:p>
+            <a:endParaRPr lang="fr-CH">
+              <a:solidFill>
+                <a:schemeClr val="bg1"/>
+              </a:solidFill>
+            </a:endParaRPr>
+          </a:p>
+          <a:p>
+            <a:endParaRPr lang="fr-CH">
+              <a:solidFill>
+                <a:schemeClr val="bg1"/>
+              </a:solidFill>
+            </a:endParaRPr>
+          </a:p>
+        </p:txBody>
+      </p:sp>
+      <p:pic>
+        <p:nvPicPr>
+          <p:cNvPr id="7" name="Image 6" descr="Une image contenant texte, moniteur, écran&#10;&#10;Description générée automatiquement">
+            <a:extLst>
+              <a:ext uri="{FF2B5EF4-FFF2-40B4-BE49-F238E27FC236}">
+                <a16:creationId xmlns:a16="http://schemas.microsoft.com/office/drawing/2014/main" id="{C23225A0-C31A-4219-99E9-D6D8D16549A9}"/>
+              </a:ext>
+            </a:extLst>
+          </p:cNvPr>
+          <p:cNvPicPr>
+            <a:picLocks noChangeAspect="1"/>
+          </p:cNvPicPr>
+          <p:nvPr/>
+        </p:nvPicPr>
+        <p:blipFill>
+          <a:blip r:embed="rId4"/>
+          <a:stretch>
+            <a:fillRect/>
+          </a:stretch>
+        </p:blipFill>
+        <p:spPr>
+          <a:xfrm>
+            <a:off x="5106308" y="2548281"/>
+            <a:ext cx="2925018" cy="4193575"/>
+          </a:xfrm>
+          <a:prstGeom prst="rect">
+            <a:avLst/>
+          </a:prstGeom>
+          <a:effectLst/>
+        </p:spPr>
+      </p:pic>
+      <p:pic>
+        <p:nvPicPr>
+          <p:cNvPr id="5" name="Image 4" descr="Une image contenant texte, intérieur, équipement électronique, ordinateur&#10;&#10;Description générée automatiquement">
+            <a:extLst>
+              <a:ext uri="{FF2B5EF4-FFF2-40B4-BE49-F238E27FC236}">
+                <a16:creationId xmlns:a16="http://schemas.microsoft.com/office/drawing/2014/main" id="{B20DD782-8F08-4A49-B587-67179982FF08}"/>
+              </a:ext>
+            </a:extLst>
+          </p:cNvPr>
+          <p:cNvPicPr>
+            <a:picLocks noChangeAspect="1"/>
+          </p:cNvPicPr>
+          <p:nvPr/>
+        </p:nvPicPr>
+        <p:blipFill>
+          <a:blip r:embed="rId5"/>
+          <a:stretch>
+            <a:fillRect/>
+          </a:stretch>
+        </p:blipFill>
+        <p:spPr>
+          <a:xfrm>
+            <a:off x="8609198" y="2548281"/>
+            <a:ext cx="2925017" cy="4105288"/>
+          </a:xfrm>
+          <a:prstGeom prst="rect">
+            <a:avLst/>
+          </a:prstGeom>
+          <a:effectLst/>
+        </p:spPr>
+      </p:pic>
+    </p:spTree>
+    <p:extLst>
+      <p:ext uri="{BB962C8B-B14F-4D97-AF65-F5344CB8AC3E}">
+        <p14:creationId xmlns:p14="http://schemas.microsoft.com/office/powerpoint/2010/main" val="1333853553"/>
+      </p:ext>
+    </p:extLst>
+  </p:cSld>
+  <p:clrMapOvr>
+    <a:masterClrMapping/>
+  </p:clrMapOvr>
+  <mc:AlternateContent xmlns:mc="http://schemas.openxmlformats.org/markup-compatibility/2006">
+    <mc:Choice xmlns:p14="http://schemas.microsoft.com/office/powerpoint/2010/main" Requires="p14">
+      <p:transition spd="med" p14:dur="700">
+        <p:fade/>
+      </p:transition>
+    </mc:Choice>
+    <mc:Fallback>
+      <p:transition spd="med">
+        <p:fade/>
+      </p:transition>
+    </mc:Fallback>
+  </mc:AlternateContent>
+</p:sld>
+</file>
+
+<file path=ppt/slides/slide11.xml><?xml version="1.0" encoding="utf-8"?>
 <p:sld xmlns:a="http://schemas.openxmlformats.org/drawingml/2006/main" xmlns:r="http://schemas.openxmlformats.org/officeDocument/2006/relationships" xmlns:p="http://schemas.openxmlformats.org/presentationml/2006/main">
   <p:cSld>
     <p:bg>
@@ -15188,7 +16447,7 @@
           <a:lstStyle/>
           <a:p>
             <a:r>
-              <a:rPr lang="fr-CH">
+              <a:rPr lang="fr-CH" dirty="0">
                 <a:solidFill>
                   <a:srgbClr val="EBEBEB"/>
                 </a:solidFill>
@@ -15198,7 +16457,7 @@
           </a:p>
           <a:p>
             <a:r>
-              <a:rPr lang="fr-CH">
+              <a:rPr lang="fr-CH" dirty="0">
                 <a:solidFill>
                   <a:srgbClr val="EBEBEB"/>
                 </a:solidFill>
@@ -15208,26 +16467,31 @@
           </a:p>
           <a:p>
             <a:r>
-              <a:rPr lang="fr-CH">
+              <a:rPr lang="fr-CH" dirty="0">
                 <a:solidFill>
                   <a:srgbClr val="EBEBEB"/>
                 </a:solidFill>
               </a:rPr>
-              <a:t>Interruption</a:t>
-            </a:r>
-          </a:p>
-          <a:p>
-            <a:r>
-              <a:rPr lang="fr-CH">
+              <a:t>Interruptions</a:t>
+            </a:r>
+          </a:p>
+          <a:p>
+            <a:r>
+              <a:rPr lang="fr-CH" dirty="0" err="1">
                 <a:solidFill>
                   <a:srgbClr val="EBEBEB"/>
                 </a:solidFill>
               </a:rPr>
               <a:t>Struct</a:t>
             </a:r>
-          </a:p>
-          <a:p>
-            <a:endParaRPr lang="fr-CH">
+            <a:endParaRPr lang="fr-CH" dirty="0">
+              <a:solidFill>
+                <a:srgbClr val="EBEBEB"/>
+              </a:solidFill>
+            </a:endParaRPr>
+          </a:p>
+          <a:p>
+            <a:endParaRPr lang="fr-CH" dirty="0">
               <a:solidFill>
                 <a:srgbClr val="EBEBEB"/>
               </a:solidFill>
